--- a/Microsoft Azure.pptx
+++ b/Microsoft Azure.pptx
@@ -7,6 +7,13 @@
   <p:sldIdLst>
     <p:sldId id="256" r:id="rId2"/>
     <p:sldId id="257" r:id="rId3"/>
+    <p:sldId id="258" r:id="rId4"/>
+    <p:sldId id="259" r:id="rId5"/>
+    <p:sldId id="260" r:id="rId6"/>
+    <p:sldId id="261" r:id="rId7"/>
+    <p:sldId id="262" r:id="rId8"/>
+    <p:sldId id="263" r:id="rId9"/>
+    <p:sldId id="264" r:id="rId10"/>
   </p:sldIdLst>
   <p:sldSz cx="12192000" cy="6858000"/>
   <p:notesSz cx="6858000" cy="9144000"/>
@@ -105,7 +112,264 @@
       </a:defRPr>
     </a:lvl9pPr>
   </p:defaultTextStyle>
+  <p:extLst>
+    <p:ext uri="{EFAFB233-063F-42B5-8137-9DF3F51BA10A}">
+      <p15:sldGuideLst xmlns:p15="http://schemas.microsoft.com/office/powerpoint/2012/main"/>
+    </p:ext>
+  </p:extLst>
 </p:presentation>
+</file>
+
+<file path=ppt/revisionInfo.xml><?xml version="1.0" encoding="utf-8"?>
+<p1510:revInfo xmlns:a="http://schemas.openxmlformats.org/drawingml/2006/main" xmlns:r="http://schemas.openxmlformats.org/officeDocument/2006/relationships" xmlns:p1510="http://schemas.microsoft.com/office/powerpoint/2015/10/main">
+  <p1510:revLst>
+    <p1510:client id="{09058436-930E-45E3-B794-D1BC776E3724}" v="8" dt="2023-11-06T16:01:09.734"/>
+  </p1510:revLst>
+</p1510:revInfo>
+</file>
+
+<file path=ppt/changesInfos/changesInfo1.xml><?xml version="1.0" encoding="utf-8"?>
+<pc:chgInfo xmlns:a="http://schemas.openxmlformats.org/drawingml/2006/main" xmlns:r="http://schemas.openxmlformats.org/officeDocument/2006/relationships" xmlns:ac="http://schemas.microsoft.com/office/drawing/2013/main/command" xmlns:pc="http://schemas.microsoft.com/office/powerpoint/2013/main/command">
+  <pc:docChgLst>
+    <pc:chgData name="Manaswini Ray" userId="451f23f8-43b4-4daa-9511-0c9fb98bad1c" providerId="ADAL" clId="{09058436-930E-45E3-B794-D1BC776E3724}"/>
+    <pc:docChg chg="undo custSel addSld modSld modMainMaster">
+      <pc:chgData name="Manaswini Ray" userId="451f23f8-43b4-4daa-9511-0c9fb98bad1c" providerId="ADAL" clId="{09058436-930E-45E3-B794-D1BC776E3724}" dt="2023-11-06T16:18:19.105" v="741" actId="1076"/>
+      <pc:docMkLst>
+        <pc:docMk/>
+      </pc:docMkLst>
+      <pc:sldChg chg="modTransition">
+        <pc:chgData name="Manaswini Ray" userId="451f23f8-43b4-4daa-9511-0c9fb98bad1c" providerId="ADAL" clId="{09058436-930E-45E3-B794-D1BC776E3724}" dt="2023-11-06T13:45:21.663" v="342"/>
+        <pc:sldMkLst>
+          <pc:docMk/>
+          <pc:sldMk cId="3932835348" sldId="256"/>
+        </pc:sldMkLst>
+      </pc:sldChg>
+      <pc:sldChg chg="addSp modSp mod modTransition">
+        <pc:chgData name="Manaswini Ray" userId="451f23f8-43b4-4daa-9511-0c9fb98bad1c" providerId="ADAL" clId="{09058436-930E-45E3-B794-D1BC776E3724}" dt="2023-11-06T13:51:59.314" v="396" actId="20577"/>
+        <pc:sldMkLst>
+          <pc:docMk/>
+          <pc:sldMk cId="809094172" sldId="257"/>
+        </pc:sldMkLst>
+        <pc:spChg chg="add mod">
+          <ac:chgData name="Manaswini Ray" userId="451f23f8-43b4-4daa-9511-0c9fb98bad1c" providerId="ADAL" clId="{09058436-930E-45E3-B794-D1BC776E3724}" dt="2023-11-06T13:51:59.314" v="396" actId="20577"/>
+          <ac:spMkLst>
+            <pc:docMk/>
+            <pc:sldMk cId="809094172" sldId="257"/>
+            <ac:spMk id="2" creationId="{8AB24F4D-4EF7-3DF5-3F77-A32468BC19F5}"/>
+          </ac:spMkLst>
+        </pc:spChg>
+      </pc:sldChg>
+      <pc:sldChg chg="modSp new mod modTransition">
+        <pc:chgData name="Manaswini Ray" userId="451f23f8-43b4-4daa-9511-0c9fb98bad1c" providerId="ADAL" clId="{09058436-930E-45E3-B794-D1BC776E3724}" dt="2023-11-06T13:51:53.060" v="395" actId="27636"/>
+        <pc:sldMkLst>
+          <pc:docMk/>
+          <pc:sldMk cId="2765191281" sldId="258"/>
+        </pc:sldMkLst>
+        <pc:spChg chg="mod">
+          <ac:chgData name="Manaswini Ray" userId="451f23f8-43b4-4daa-9511-0c9fb98bad1c" providerId="ADAL" clId="{09058436-930E-45E3-B794-D1BC776E3724}" dt="2023-11-06T13:51:53.060" v="395" actId="27636"/>
+          <ac:spMkLst>
+            <pc:docMk/>
+            <pc:sldMk cId="2765191281" sldId="258"/>
+            <ac:spMk id="2" creationId="{F3F2298A-AF04-10F5-A43A-DF886F4E56D3}"/>
+          </ac:spMkLst>
+        </pc:spChg>
+        <pc:spChg chg="mod">
+          <ac:chgData name="Manaswini Ray" userId="451f23f8-43b4-4daa-9511-0c9fb98bad1c" providerId="ADAL" clId="{09058436-930E-45E3-B794-D1BC776E3724}" dt="2023-11-06T13:22:21.525" v="228" actId="255"/>
+          <ac:spMkLst>
+            <pc:docMk/>
+            <pc:sldMk cId="2765191281" sldId="258"/>
+            <ac:spMk id="3" creationId="{73EEB3D4-0C38-FEAE-B561-BABED624EC65}"/>
+          </ac:spMkLst>
+        </pc:spChg>
+      </pc:sldChg>
+      <pc:sldChg chg="addSp modSp new mod modTransition">
+        <pc:chgData name="Manaswini Ray" userId="451f23f8-43b4-4daa-9511-0c9fb98bad1c" providerId="ADAL" clId="{09058436-930E-45E3-B794-D1BC776E3724}" dt="2023-11-06T13:51:44.640" v="393" actId="20577"/>
+        <pc:sldMkLst>
+          <pc:docMk/>
+          <pc:sldMk cId="1657338823" sldId="259"/>
+        </pc:sldMkLst>
+        <pc:spChg chg="add mod">
+          <ac:chgData name="Manaswini Ray" userId="451f23f8-43b4-4daa-9511-0c9fb98bad1c" providerId="ADAL" clId="{09058436-930E-45E3-B794-D1BC776E3724}" dt="2023-11-06T13:51:44.640" v="393" actId="20577"/>
+          <ac:spMkLst>
+            <pc:docMk/>
+            <pc:sldMk cId="1657338823" sldId="259"/>
+            <ac:spMk id="2" creationId="{FD77D322-BFAC-1715-8250-77E5D18F6428}"/>
+          </ac:spMkLst>
+        </pc:spChg>
+      </pc:sldChg>
+      <pc:sldChg chg="addSp modSp new mod modTransition">
+        <pc:chgData name="Manaswini Ray" userId="451f23f8-43b4-4daa-9511-0c9fb98bad1c" providerId="ADAL" clId="{09058436-930E-45E3-B794-D1BC776E3724}" dt="2023-11-06T13:51:38.491" v="391" actId="20577"/>
+        <pc:sldMkLst>
+          <pc:docMk/>
+          <pc:sldMk cId="2535982024" sldId="260"/>
+        </pc:sldMkLst>
+        <pc:spChg chg="add mod">
+          <ac:chgData name="Manaswini Ray" userId="451f23f8-43b4-4daa-9511-0c9fb98bad1c" providerId="ADAL" clId="{09058436-930E-45E3-B794-D1BC776E3724}" dt="2023-11-06T13:51:38.491" v="391" actId="20577"/>
+          <ac:spMkLst>
+            <pc:docMk/>
+            <pc:sldMk cId="2535982024" sldId="260"/>
+            <ac:spMk id="2" creationId="{2E36E6FD-352D-209B-99B1-B0D2DA9FFAD3}"/>
+          </ac:spMkLst>
+        </pc:spChg>
+      </pc:sldChg>
+      <pc:sldChg chg="addSp modSp new mod">
+        <pc:chgData name="Manaswini Ray" userId="451f23f8-43b4-4daa-9511-0c9fb98bad1c" providerId="ADAL" clId="{09058436-930E-45E3-B794-D1BC776E3724}" dt="2023-11-06T14:06:19.585" v="487" actId="115"/>
+        <pc:sldMkLst>
+          <pc:docMk/>
+          <pc:sldMk cId="2620181118" sldId="261"/>
+        </pc:sldMkLst>
+        <pc:spChg chg="add mod">
+          <ac:chgData name="Manaswini Ray" userId="451f23f8-43b4-4daa-9511-0c9fb98bad1c" providerId="ADAL" clId="{09058436-930E-45E3-B794-D1BC776E3724}" dt="2023-11-06T14:06:19.585" v="487" actId="115"/>
+          <ac:spMkLst>
+            <pc:docMk/>
+            <pc:sldMk cId="2620181118" sldId="261"/>
+            <ac:spMk id="2" creationId="{6FB03ADA-75B1-8B12-A70C-AFE946413968}"/>
+          </ac:spMkLst>
+        </pc:spChg>
+      </pc:sldChg>
+      <pc:sldChg chg="addSp modSp new mod">
+        <pc:chgData name="Manaswini Ray" userId="451f23f8-43b4-4daa-9511-0c9fb98bad1c" providerId="ADAL" clId="{09058436-930E-45E3-B794-D1BC776E3724}" dt="2023-11-06T14:06:02.819" v="485" actId="5793"/>
+        <pc:sldMkLst>
+          <pc:docMk/>
+          <pc:sldMk cId="2022443549" sldId="262"/>
+        </pc:sldMkLst>
+        <pc:spChg chg="add mod">
+          <ac:chgData name="Manaswini Ray" userId="451f23f8-43b4-4daa-9511-0c9fb98bad1c" providerId="ADAL" clId="{09058436-930E-45E3-B794-D1BC776E3724}" dt="2023-11-06T14:06:02.819" v="485" actId="5793"/>
+          <ac:spMkLst>
+            <pc:docMk/>
+            <pc:sldMk cId="2022443549" sldId="262"/>
+            <ac:spMk id="2" creationId="{62BEEC2E-4180-52BC-A924-468015C51B16}"/>
+          </ac:spMkLst>
+        </pc:spChg>
+      </pc:sldChg>
+      <pc:sldChg chg="addSp modSp new mod">
+        <pc:chgData name="Manaswini Ray" userId="451f23f8-43b4-4daa-9511-0c9fb98bad1c" providerId="ADAL" clId="{09058436-930E-45E3-B794-D1BC776E3724}" dt="2023-11-06T16:00:58.771" v="564" actId="255"/>
+        <pc:sldMkLst>
+          <pc:docMk/>
+          <pc:sldMk cId="2505085302" sldId="263"/>
+        </pc:sldMkLst>
+        <pc:spChg chg="add mod">
+          <ac:chgData name="Manaswini Ray" userId="451f23f8-43b4-4daa-9511-0c9fb98bad1c" providerId="ADAL" clId="{09058436-930E-45E3-B794-D1BC776E3724}" dt="2023-11-06T16:00:58.771" v="564" actId="255"/>
+          <ac:spMkLst>
+            <pc:docMk/>
+            <pc:sldMk cId="2505085302" sldId="263"/>
+            <ac:spMk id="2" creationId="{7910B7F4-6456-C8BE-9C83-5B03F8107B31}"/>
+          </ac:spMkLst>
+        </pc:spChg>
+      </pc:sldChg>
+      <pc:sldChg chg="addSp modSp new mod">
+        <pc:chgData name="Manaswini Ray" userId="451f23f8-43b4-4daa-9511-0c9fb98bad1c" providerId="ADAL" clId="{09058436-930E-45E3-B794-D1BC776E3724}" dt="2023-11-06T16:18:19.105" v="741" actId="1076"/>
+        <pc:sldMkLst>
+          <pc:docMk/>
+          <pc:sldMk cId="3516769679" sldId="264"/>
+        </pc:sldMkLst>
+        <pc:spChg chg="add mod">
+          <ac:chgData name="Manaswini Ray" userId="451f23f8-43b4-4daa-9511-0c9fb98bad1c" providerId="ADAL" clId="{09058436-930E-45E3-B794-D1BC776E3724}" dt="2023-11-06T16:18:19.105" v="741" actId="1076"/>
+          <ac:spMkLst>
+            <pc:docMk/>
+            <pc:sldMk cId="3516769679" sldId="264"/>
+            <ac:spMk id="2" creationId="{90795F24-946C-C77E-B75C-816093162D2C}"/>
+          </ac:spMkLst>
+        </pc:spChg>
+      </pc:sldChg>
+      <pc:sldMasterChg chg="modTransition modSldLayout">
+        <pc:chgData name="Manaswini Ray" userId="451f23f8-43b4-4daa-9511-0c9fb98bad1c" providerId="ADAL" clId="{09058436-930E-45E3-B794-D1BC776E3724}" dt="2023-11-06T13:45:21.663" v="342"/>
+        <pc:sldMasterMkLst>
+          <pc:docMk/>
+          <pc:sldMasterMk cId="1020072360" sldId="2147483648"/>
+        </pc:sldMasterMkLst>
+        <pc:sldLayoutChg chg="modTransition">
+          <pc:chgData name="Manaswini Ray" userId="451f23f8-43b4-4daa-9511-0c9fb98bad1c" providerId="ADAL" clId="{09058436-930E-45E3-B794-D1BC776E3724}" dt="2023-11-06T13:45:21.663" v="342"/>
+          <pc:sldLayoutMkLst>
+            <pc:docMk/>
+            <pc:sldMasterMk cId="1020072360" sldId="2147483648"/>
+            <pc:sldLayoutMk cId="2485584565" sldId="2147483649"/>
+          </pc:sldLayoutMkLst>
+        </pc:sldLayoutChg>
+        <pc:sldLayoutChg chg="modTransition">
+          <pc:chgData name="Manaswini Ray" userId="451f23f8-43b4-4daa-9511-0c9fb98bad1c" providerId="ADAL" clId="{09058436-930E-45E3-B794-D1BC776E3724}" dt="2023-11-06T13:45:21.663" v="342"/>
+          <pc:sldLayoutMkLst>
+            <pc:docMk/>
+            <pc:sldMasterMk cId="1020072360" sldId="2147483648"/>
+            <pc:sldLayoutMk cId="2766080555" sldId="2147483650"/>
+          </pc:sldLayoutMkLst>
+        </pc:sldLayoutChg>
+        <pc:sldLayoutChg chg="modTransition">
+          <pc:chgData name="Manaswini Ray" userId="451f23f8-43b4-4daa-9511-0c9fb98bad1c" providerId="ADAL" clId="{09058436-930E-45E3-B794-D1BC776E3724}" dt="2023-11-06T13:45:21.663" v="342"/>
+          <pc:sldLayoutMkLst>
+            <pc:docMk/>
+            <pc:sldMasterMk cId="1020072360" sldId="2147483648"/>
+            <pc:sldLayoutMk cId="1504333068" sldId="2147483651"/>
+          </pc:sldLayoutMkLst>
+        </pc:sldLayoutChg>
+        <pc:sldLayoutChg chg="modTransition">
+          <pc:chgData name="Manaswini Ray" userId="451f23f8-43b4-4daa-9511-0c9fb98bad1c" providerId="ADAL" clId="{09058436-930E-45E3-B794-D1BC776E3724}" dt="2023-11-06T13:45:21.663" v="342"/>
+          <pc:sldLayoutMkLst>
+            <pc:docMk/>
+            <pc:sldMasterMk cId="1020072360" sldId="2147483648"/>
+            <pc:sldLayoutMk cId="3120715528" sldId="2147483652"/>
+          </pc:sldLayoutMkLst>
+        </pc:sldLayoutChg>
+        <pc:sldLayoutChg chg="modTransition">
+          <pc:chgData name="Manaswini Ray" userId="451f23f8-43b4-4daa-9511-0c9fb98bad1c" providerId="ADAL" clId="{09058436-930E-45E3-B794-D1BC776E3724}" dt="2023-11-06T13:45:21.663" v="342"/>
+          <pc:sldLayoutMkLst>
+            <pc:docMk/>
+            <pc:sldMasterMk cId="1020072360" sldId="2147483648"/>
+            <pc:sldLayoutMk cId="3585264563" sldId="2147483653"/>
+          </pc:sldLayoutMkLst>
+        </pc:sldLayoutChg>
+        <pc:sldLayoutChg chg="modTransition">
+          <pc:chgData name="Manaswini Ray" userId="451f23f8-43b4-4daa-9511-0c9fb98bad1c" providerId="ADAL" clId="{09058436-930E-45E3-B794-D1BC776E3724}" dt="2023-11-06T13:45:21.663" v="342"/>
+          <pc:sldLayoutMkLst>
+            <pc:docMk/>
+            <pc:sldMasterMk cId="1020072360" sldId="2147483648"/>
+            <pc:sldLayoutMk cId="3136359947" sldId="2147483654"/>
+          </pc:sldLayoutMkLst>
+        </pc:sldLayoutChg>
+        <pc:sldLayoutChg chg="modTransition">
+          <pc:chgData name="Manaswini Ray" userId="451f23f8-43b4-4daa-9511-0c9fb98bad1c" providerId="ADAL" clId="{09058436-930E-45E3-B794-D1BC776E3724}" dt="2023-11-06T13:45:21.663" v="342"/>
+          <pc:sldLayoutMkLst>
+            <pc:docMk/>
+            <pc:sldMasterMk cId="1020072360" sldId="2147483648"/>
+            <pc:sldLayoutMk cId="3351681110" sldId="2147483655"/>
+          </pc:sldLayoutMkLst>
+        </pc:sldLayoutChg>
+        <pc:sldLayoutChg chg="modTransition">
+          <pc:chgData name="Manaswini Ray" userId="451f23f8-43b4-4daa-9511-0c9fb98bad1c" providerId="ADAL" clId="{09058436-930E-45E3-B794-D1BC776E3724}" dt="2023-11-06T13:45:21.663" v="342"/>
+          <pc:sldLayoutMkLst>
+            <pc:docMk/>
+            <pc:sldMasterMk cId="1020072360" sldId="2147483648"/>
+            <pc:sldLayoutMk cId="1151747416" sldId="2147483656"/>
+          </pc:sldLayoutMkLst>
+        </pc:sldLayoutChg>
+        <pc:sldLayoutChg chg="modTransition">
+          <pc:chgData name="Manaswini Ray" userId="451f23f8-43b4-4daa-9511-0c9fb98bad1c" providerId="ADAL" clId="{09058436-930E-45E3-B794-D1BC776E3724}" dt="2023-11-06T13:45:21.663" v="342"/>
+          <pc:sldLayoutMkLst>
+            <pc:docMk/>
+            <pc:sldMasterMk cId="1020072360" sldId="2147483648"/>
+            <pc:sldLayoutMk cId="821959311" sldId="2147483657"/>
+          </pc:sldLayoutMkLst>
+        </pc:sldLayoutChg>
+        <pc:sldLayoutChg chg="modTransition">
+          <pc:chgData name="Manaswini Ray" userId="451f23f8-43b4-4daa-9511-0c9fb98bad1c" providerId="ADAL" clId="{09058436-930E-45E3-B794-D1BC776E3724}" dt="2023-11-06T13:45:21.663" v="342"/>
+          <pc:sldLayoutMkLst>
+            <pc:docMk/>
+            <pc:sldMasterMk cId="1020072360" sldId="2147483648"/>
+            <pc:sldLayoutMk cId="1024510290" sldId="2147483658"/>
+          </pc:sldLayoutMkLst>
+        </pc:sldLayoutChg>
+        <pc:sldLayoutChg chg="modTransition">
+          <pc:chgData name="Manaswini Ray" userId="451f23f8-43b4-4daa-9511-0c9fb98bad1c" providerId="ADAL" clId="{09058436-930E-45E3-B794-D1BC776E3724}" dt="2023-11-06T13:45:21.663" v="342"/>
+          <pc:sldLayoutMkLst>
+            <pc:docMk/>
+            <pc:sldMasterMk cId="1020072360" sldId="2147483648"/>
+            <pc:sldLayoutMk cId="2216803775" sldId="2147483659"/>
+          </pc:sldLayoutMkLst>
+        </pc:sldLayoutChg>
+      </pc:sldMasterChg>
+    </pc:docChg>
+  </pc:docChgLst>
+</pc:chgInfo>
 </file>
 
 <file path=ppt/slideLayouts/slideLayout1.xml><?xml version="1.0" encoding="utf-8"?>
@@ -3488,10 +3752,2975 @@
           <a:chExt cx="0" cy="0"/>
         </a:xfrm>
       </p:grpSpPr>
+      <p:sp>
+        <p:nvSpPr>
+          <p:cNvPr id="2" name="TextBox 1">
+            <a:extLst>
+              <a:ext uri="{FF2B5EF4-FFF2-40B4-BE49-F238E27FC236}">
+                <a16:creationId xmlns:a16="http://schemas.microsoft.com/office/drawing/2014/main" id="{8AB24F4D-4EF7-3DF5-3F77-A32468BC19F5}"/>
+              </a:ext>
+            </a:extLst>
+          </p:cNvPr>
+          <p:cNvSpPr txBox="1"/>
+          <p:nvPr/>
+        </p:nvSpPr>
+        <p:spPr>
+          <a:xfrm>
+            <a:off x="266330" y="97318"/>
+            <a:ext cx="10821880" cy="7048083"/>
+          </a:xfrm>
+          <a:prstGeom prst="rect">
+            <a:avLst/>
+          </a:prstGeom>
+          <a:noFill/>
+        </p:spPr>
+        <p:txBody>
+          <a:bodyPr wrap="square" rtlCol="0">
+            <a:spAutoFit/>
+          </a:bodyPr>
+          <a:lstStyle/>
+          <a:p>
+            <a:r>
+              <a:rPr lang="en-US" sz="2500" b="1" u="sng" dirty="0"/>
+              <a:t>Resource Group</a:t>
+            </a:r>
+          </a:p>
+          <a:p>
+            <a:endParaRPr lang="en-US" sz="2500" b="1" u="sng" dirty="0"/>
+          </a:p>
+          <a:p>
+            <a:pPr marL="342900" indent="-342900">
+              <a:buFont typeface="Arial" panose="020B0604020202020204" pitchFamily="34" charset="0"/>
+              <a:buChar char="•"/>
+            </a:pPr>
+            <a:r>
+              <a:rPr lang="en-US" sz="1600" b="0" i="0" dirty="0">
+                <a:solidFill>
+                  <a:srgbClr val="333333"/>
+                </a:solidFill>
+                <a:effectLst/>
+                <a:latin typeface="Google Sans"/>
+              </a:rPr>
+              <a:t>Resources are instances of azure services that you create, like virtual machines, app services, storage accounts, SQL databases, function apps etc. All these are azure services. Every time you create an instance of a service, you are creating a resource. </a:t>
+            </a:r>
+            <a:endParaRPr lang="en-US" sz="1600" b="0" i="0" dirty="0">
+              <a:effectLst/>
+              <a:latin typeface="Google Sans"/>
+            </a:endParaRPr>
+          </a:p>
+          <a:p>
+            <a:pPr marL="342900" indent="-342900">
+              <a:buFont typeface="Arial" panose="020B0604020202020204" pitchFamily="34" charset="0"/>
+              <a:buChar char="•"/>
+            </a:pPr>
+            <a:r>
+              <a:rPr lang="en-US" sz="1600" b="0" i="0" dirty="0">
+                <a:effectLst/>
+                <a:latin typeface="Google Sans"/>
+              </a:rPr>
+              <a:t>A resource group is a container that holds related resources for an Azure solution. The resource group can include all the resources for the solution, or only those resources that you want to manage as a group</a:t>
+            </a:r>
+          </a:p>
+          <a:p>
+            <a:pPr marL="342900" indent="-342900">
+              <a:buFont typeface="Arial" panose="020B0604020202020204" pitchFamily="34" charset="0"/>
+              <a:buChar char="•"/>
+            </a:pPr>
+            <a:r>
+              <a:rPr lang="en-US" sz="1600" b="0" i="0" dirty="0">
+                <a:solidFill>
+                  <a:srgbClr val="333333"/>
+                </a:solidFill>
+                <a:effectLst/>
+                <a:latin typeface="Google Sans"/>
+              </a:rPr>
+              <a:t>As the name implies, a Resource Group is a group of azure resources like virtual machines, app services, storage accounts, SQL databases etc. It's a logical container for grouping related azure resources.</a:t>
+            </a:r>
+          </a:p>
+          <a:p>
+            <a:pPr marL="342900" indent="-342900">
+              <a:buFont typeface="Arial" panose="020B0604020202020204" pitchFamily="34" charset="0"/>
+              <a:buChar char="•"/>
+            </a:pPr>
+            <a:r>
+              <a:rPr lang="en-US" sz="1600" b="0" i="0" dirty="0">
+                <a:solidFill>
+                  <a:srgbClr val="323131"/>
+                </a:solidFill>
+                <a:effectLst/>
+                <a:latin typeface="Google Sans"/>
+              </a:rPr>
+              <a:t>Azure Resource Group Example</a:t>
+            </a:r>
+          </a:p>
+          <a:p>
+            <a:pPr marL="1200150" lvl="2" indent="-285750">
+              <a:buFont typeface="Wingdings" panose="05000000000000000000" pitchFamily="2" charset="2"/>
+              <a:buChar char="§"/>
+            </a:pPr>
+            <a:r>
+              <a:rPr lang="en-US" sz="1600" b="0" i="0" dirty="0">
+                <a:solidFill>
+                  <a:srgbClr val="333333"/>
+                </a:solidFill>
+                <a:effectLst/>
+                <a:latin typeface="Google Sans"/>
+              </a:rPr>
+              <a:t>Let's say we are developing a web application we need the following 3 azure resources.</a:t>
+            </a:r>
+          </a:p>
+          <a:p>
+            <a:pPr lvl="3">
+              <a:buFont typeface="+mj-lt"/>
+              <a:buAutoNum type="arabicPeriod"/>
+            </a:pPr>
+            <a:r>
+              <a:rPr lang="en-US" sz="1600" b="0" i="0" dirty="0">
+                <a:solidFill>
+                  <a:srgbClr val="333333"/>
+                </a:solidFill>
+                <a:effectLst/>
+                <a:latin typeface="Google Sans"/>
+              </a:rPr>
+              <a:t>Virtual Machine - To host and run our web application</a:t>
+            </a:r>
+          </a:p>
+          <a:p>
+            <a:pPr lvl="3">
+              <a:buFont typeface="+mj-lt"/>
+              <a:buAutoNum type="arabicPeriod"/>
+            </a:pPr>
+            <a:r>
+              <a:rPr lang="en-US" sz="1600" b="0" i="0" dirty="0">
+                <a:solidFill>
+                  <a:srgbClr val="333333"/>
+                </a:solidFill>
+                <a:effectLst/>
+                <a:latin typeface="Google Sans"/>
+              </a:rPr>
+              <a:t>Storage Account - To store images, videos and other resources that our web application needs</a:t>
+            </a:r>
+          </a:p>
+          <a:p>
+            <a:pPr lvl="3">
+              <a:buFont typeface="+mj-lt"/>
+              <a:buAutoNum type="arabicPeriod"/>
+            </a:pPr>
+            <a:r>
+              <a:rPr lang="en-US" sz="1600" b="0" i="0" dirty="0">
+                <a:solidFill>
+                  <a:srgbClr val="333333"/>
+                </a:solidFill>
+                <a:effectLst/>
+                <a:latin typeface="Google Sans"/>
+              </a:rPr>
+              <a:t>SQL database - To store our application data</a:t>
+            </a:r>
+          </a:p>
+          <a:p>
+            <a:pPr marL="1200150" lvl="2" indent="-285750">
+              <a:buFont typeface="Wingdings" panose="05000000000000000000" pitchFamily="2" charset="2"/>
+              <a:buChar char="§"/>
+            </a:pPr>
+            <a:r>
+              <a:rPr lang="en-US" sz="1600" b="0" i="0" dirty="0">
+                <a:solidFill>
+                  <a:srgbClr val="333333"/>
+                </a:solidFill>
+                <a:effectLst/>
+                <a:latin typeface="Google Sans"/>
+              </a:rPr>
+              <a:t>Let's say for this example sake we have the following environments</a:t>
+            </a:r>
+          </a:p>
+          <a:p>
+            <a:pPr lvl="3">
+              <a:buFont typeface="+mj-lt"/>
+              <a:buAutoNum type="arabicPeriod"/>
+            </a:pPr>
+            <a:r>
+              <a:rPr lang="en-US" sz="1600" b="0" i="0" dirty="0">
+                <a:solidFill>
+                  <a:srgbClr val="333333"/>
+                </a:solidFill>
+                <a:effectLst/>
+                <a:latin typeface="Google Sans"/>
+              </a:rPr>
+              <a:t>Development</a:t>
+            </a:r>
+          </a:p>
+          <a:p>
+            <a:pPr lvl="3">
+              <a:buFont typeface="+mj-lt"/>
+              <a:buAutoNum type="arabicPeriod"/>
+            </a:pPr>
+            <a:r>
+              <a:rPr lang="en-US" sz="1600" b="0" i="0" dirty="0">
+                <a:solidFill>
+                  <a:srgbClr val="333333"/>
+                </a:solidFill>
+                <a:effectLst/>
+                <a:latin typeface="Google Sans"/>
+              </a:rPr>
+              <a:t>Testing</a:t>
+            </a:r>
+          </a:p>
+          <a:p>
+            <a:pPr lvl="3">
+              <a:buFont typeface="+mj-lt"/>
+              <a:buAutoNum type="arabicPeriod"/>
+            </a:pPr>
+            <a:r>
+              <a:rPr lang="en-US" sz="1600" b="0" i="0" dirty="0">
+                <a:solidFill>
+                  <a:srgbClr val="333333"/>
+                </a:solidFill>
+                <a:effectLst/>
+                <a:latin typeface="Google Sans"/>
+              </a:rPr>
+              <a:t>Staging</a:t>
+            </a:r>
+          </a:p>
+          <a:p>
+            <a:pPr lvl="3">
+              <a:buFont typeface="+mj-lt"/>
+              <a:buAutoNum type="arabicPeriod"/>
+            </a:pPr>
+            <a:r>
+              <a:rPr lang="en-US" sz="1600" b="0" i="0" dirty="0" err="1">
+                <a:solidFill>
+                  <a:srgbClr val="333333"/>
+                </a:solidFill>
+                <a:effectLst/>
+                <a:latin typeface="Google Sans"/>
+              </a:rPr>
+              <a:t>PreProduction</a:t>
+            </a:r>
+            <a:endParaRPr lang="en-US" sz="1600" b="0" i="0" dirty="0">
+              <a:solidFill>
+                <a:srgbClr val="333333"/>
+              </a:solidFill>
+              <a:effectLst/>
+              <a:latin typeface="Google Sans"/>
+            </a:endParaRPr>
+          </a:p>
+          <a:p>
+            <a:pPr lvl="3">
+              <a:buFont typeface="+mj-lt"/>
+              <a:buAutoNum type="arabicPeriod"/>
+            </a:pPr>
+            <a:r>
+              <a:rPr lang="en-US" sz="1600" b="0" i="0" dirty="0">
+                <a:solidFill>
+                  <a:srgbClr val="333333"/>
+                </a:solidFill>
+                <a:effectLst/>
+                <a:latin typeface="Google Sans"/>
+              </a:rPr>
+              <a:t>Production</a:t>
+            </a:r>
+          </a:p>
+          <a:p>
+            <a:pPr marL="1200150" lvl="2" indent="-285750">
+              <a:buFont typeface="Wingdings" panose="05000000000000000000" pitchFamily="2" charset="2"/>
+              <a:buChar char="§"/>
+            </a:pPr>
+            <a:r>
+              <a:rPr lang="en-US" sz="1600" b="0" i="0" dirty="0">
+                <a:solidFill>
+                  <a:srgbClr val="333333"/>
+                </a:solidFill>
+                <a:effectLst/>
+                <a:latin typeface="Google Sans"/>
+              </a:rPr>
+              <a:t>Let's say our web application name is AzureDemo.com. We might create the following 4 resource groups, one for each environment. </a:t>
+            </a:r>
+          </a:p>
+          <a:p>
+            <a:pPr lvl="3">
+              <a:buFont typeface="+mj-lt"/>
+              <a:buAutoNum type="arabicPeriod"/>
+            </a:pPr>
+            <a:r>
+              <a:rPr lang="en-US" sz="1600" b="0" i="0" dirty="0" err="1">
+                <a:solidFill>
+                  <a:srgbClr val="333333"/>
+                </a:solidFill>
+                <a:effectLst/>
+                <a:latin typeface="Google Sans"/>
+              </a:rPr>
+              <a:t>rg</a:t>
+            </a:r>
+            <a:r>
+              <a:rPr lang="en-US" sz="1600" b="0" i="0" dirty="0">
+                <a:solidFill>
+                  <a:srgbClr val="333333"/>
+                </a:solidFill>
+                <a:effectLst/>
+                <a:latin typeface="Google Sans"/>
+              </a:rPr>
+              <a:t>- </a:t>
+            </a:r>
+            <a:r>
+              <a:rPr lang="en-US" sz="1600" b="0" i="0" dirty="0" err="1">
+                <a:solidFill>
+                  <a:srgbClr val="333333"/>
+                </a:solidFill>
+                <a:effectLst/>
+                <a:latin typeface="Google Sans"/>
+              </a:rPr>
+              <a:t>AzureDemo</a:t>
+            </a:r>
+            <a:r>
+              <a:rPr lang="en-US" sz="1600" b="0" i="0" dirty="0">
+                <a:solidFill>
+                  <a:srgbClr val="333333"/>
+                </a:solidFill>
+                <a:effectLst/>
+                <a:latin typeface="Google Sans"/>
+              </a:rPr>
+              <a:t> -development</a:t>
+            </a:r>
+          </a:p>
+          <a:p>
+            <a:pPr lvl="3">
+              <a:buFont typeface="+mj-lt"/>
+              <a:buAutoNum type="arabicPeriod"/>
+            </a:pPr>
+            <a:r>
+              <a:rPr lang="en-US" sz="1600" b="0" i="0" dirty="0" err="1">
+                <a:solidFill>
+                  <a:srgbClr val="333333"/>
+                </a:solidFill>
+                <a:effectLst/>
+                <a:latin typeface="Google Sans"/>
+              </a:rPr>
+              <a:t>rg</a:t>
+            </a:r>
+            <a:r>
+              <a:rPr lang="en-US" sz="1600" b="0" i="0" dirty="0">
+                <a:solidFill>
+                  <a:srgbClr val="333333"/>
+                </a:solidFill>
+                <a:effectLst/>
+                <a:latin typeface="Google Sans"/>
+              </a:rPr>
+              <a:t>- </a:t>
+            </a:r>
+            <a:r>
+              <a:rPr lang="en-US" sz="1600" b="0" i="0" dirty="0" err="1">
+                <a:solidFill>
+                  <a:srgbClr val="333333"/>
+                </a:solidFill>
+                <a:effectLst/>
+                <a:latin typeface="Google Sans"/>
+              </a:rPr>
+              <a:t>AzureDemo</a:t>
+            </a:r>
+            <a:r>
+              <a:rPr lang="en-US" sz="1600" b="0" i="0" dirty="0">
+                <a:solidFill>
+                  <a:srgbClr val="333333"/>
+                </a:solidFill>
+                <a:effectLst/>
+                <a:latin typeface="Google Sans"/>
+              </a:rPr>
+              <a:t> -staging</a:t>
+            </a:r>
+          </a:p>
+          <a:p>
+            <a:pPr lvl="3">
+              <a:buFont typeface="+mj-lt"/>
+              <a:buAutoNum type="arabicPeriod"/>
+            </a:pPr>
+            <a:r>
+              <a:rPr lang="en-US" sz="1600" b="0" i="0" dirty="0" err="1">
+                <a:solidFill>
+                  <a:srgbClr val="333333"/>
+                </a:solidFill>
+                <a:effectLst/>
+                <a:latin typeface="Google Sans"/>
+              </a:rPr>
+              <a:t>rg</a:t>
+            </a:r>
+            <a:r>
+              <a:rPr lang="en-US" sz="1600" b="0" i="0" dirty="0">
+                <a:solidFill>
+                  <a:srgbClr val="333333"/>
+                </a:solidFill>
+                <a:effectLst/>
+                <a:latin typeface="Google Sans"/>
+              </a:rPr>
+              <a:t>- </a:t>
+            </a:r>
+            <a:r>
+              <a:rPr lang="en-US" sz="1600" b="0" i="0" dirty="0" err="1">
+                <a:solidFill>
+                  <a:srgbClr val="333333"/>
+                </a:solidFill>
+                <a:effectLst/>
+                <a:latin typeface="Google Sans"/>
+              </a:rPr>
+              <a:t>AzureDemo</a:t>
+            </a:r>
+            <a:r>
+              <a:rPr lang="en-US" sz="1600" b="0" i="0" dirty="0">
+                <a:solidFill>
+                  <a:srgbClr val="333333"/>
+                </a:solidFill>
+                <a:effectLst/>
+                <a:latin typeface="Google Sans"/>
+              </a:rPr>
+              <a:t> -preproduction</a:t>
+            </a:r>
+          </a:p>
+          <a:p>
+            <a:pPr lvl="3">
+              <a:buFont typeface="+mj-lt"/>
+              <a:buAutoNum type="arabicPeriod"/>
+            </a:pPr>
+            <a:r>
+              <a:rPr lang="en-US" sz="1600" b="0" i="0" dirty="0" err="1">
+                <a:solidFill>
+                  <a:srgbClr val="333333"/>
+                </a:solidFill>
+                <a:effectLst/>
+                <a:latin typeface="Google Sans"/>
+              </a:rPr>
+              <a:t>rg</a:t>
+            </a:r>
+            <a:r>
+              <a:rPr lang="en-US" sz="1600" b="0" i="0" dirty="0">
+                <a:solidFill>
+                  <a:srgbClr val="333333"/>
+                </a:solidFill>
+                <a:effectLst/>
+                <a:latin typeface="Google Sans"/>
+              </a:rPr>
+              <a:t>- </a:t>
+            </a:r>
+            <a:r>
+              <a:rPr lang="en-US" sz="1600" b="0" i="0" dirty="0" err="1">
+                <a:solidFill>
+                  <a:srgbClr val="333333"/>
+                </a:solidFill>
+                <a:effectLst/>
+                <a:latin typeface="Google Sans"/>
+              </a:rPr>
+              <a:t>AzureDemo</a:t>
+            </a:r>
+            <a:r>
+              <a:rPr lang="en-US" sz="1600" b="0" i="0" dirty="0">
+                <a:solidFill>
+                  <a:srgbClr val="333333"/>
+                </a:solidFill>
+                <a:effectLst/>
+                <a:latin typeface="Google Sans"/>
+              </a:rPr>
+              <a:t> -production</a:t>
+            </a:r>
+          </a:p>
+          <a:p>
+            <a:pPr marL="342900" indent="-342900">
+              <a:buFont typeface="Arial" panose="020B0604020202020204" pitchFamily="34" charset="0"/>
+              <a:buChar char="•"/>
+            </a:pPr>
+            <a:endParaRPr lang="en-US" b="0" i="0" dirty="0">
+              <a:effectLst/>
+              <a:latin typeface="Google Sans"/>
+            </a:endParaRPr>
+          </a:p>
+        </p:txBody>
+      </p:sp>
     </p:spTree>
     <p:extLst>
       <p:ext uri="{BB962C8B-B14F-4D97-AF65-F5344CB8AC3E}">
         <p14:creationId xmlns:p14="http://schemas.microsoft.com/office/powerpoint/2010/main" val="809094172"/>
+      </p:ext>
+    </p:extLst>
+  </p:cSld>
+  <p:clrMapOvr>
+    <a:masterClrMapping/>
+  </p:clrMapOvr>
+</p:sld>
+</file>
+
+<file path=ppt/slides/slide3.xml><?xml version="1.0" encoding="utf-8"?>
+<p:sld xmlns:a="http://schemas.openxmlformats.org/drawingml/2006/main" xmlns:r="http://schemas.openxmlformats.org/officeDocument/2006/relationships" xmlns:p="http://schemas.openxmlformats.org/presentationml/2006/main">
+  <p:cSld>
+    <p:spTree>
+      <p:nvGrpSpPr>
+        <p:cNvPr id="1" name=""/>
+        <p:cNvGrpSpPr/>
+        <p:nvPr/>
+      </p:nvGrpSpPr>
+      <p:grpSpPr>
+        <a:xfrm>
+          <a:off x="0" y="0"/>
+          <a:ext cx="0" cy="0"/>
+          <a:chOff x="0" y="0"/>
+          <a:chExt cx="0" cy="0"/>
+        </a:xfrm>
+      </p:grpSpPr>
+      <p:sp>
+        <p:nvSpPr>
+          <p:cNvPr id="2" name="Title 1">
+            <a:extLst>
+              <a:ext uri="{FF2B5EF4-FFF2-40B4-BE49-F238E27FC236}">
+                <a16:creationId xmlns:a16="http://schemas.microsoft.com/office/drawing/2014/main" id="{F3F2298A-AF04-10F5-A43A-DF886F4E56D3}"/>
+              </a:ext>
+            </a:extLst>
+          </p:cNvPr>
+          <p:cNvSpPr>
+            <a:spLocks noGrp="1"/>
+          </p:cNvSpPr>
+          <p:nvPr>
+            <p:ph type="title"/>
+          </p:nvPr>
+        </p:nvSpPr>
+        <p:spPr/>
+        <p:txBody>
+          <a:bodyPr>
+            <a:normAutofit fontScale="90000"/>
+          </a:bodyPr>
+          <a:lstStyle/>
+          <a:p>
+            <a:r>
+              <a:rPr lang="en-US" sz="2500" b="0" i="0" u="sng" dirty="0">
+                <a:solidFill>
+                  <a:srgbClr val="323131"/>
+                </a:solidFill>
+                <a:effectLst/>
+                <a:latin typeface="PT Serif" panose="020A0603040505020204" pitchFamily="18" charset="0"/>
+              </a:rPr>
+              <a:t>Benefits of Azure Resource Groups</a:t>
+            </a:r>
+            <a:br>
+              <a:rPr lang="en-US" sz="2500" b="0" i="0" u="sng" dirty="0">
+                <a:solidFill>
+                  <a:srgbClr val="323131"/>
+                </a:solidFill>
+                <a:effectLst/>
+                <a:latin typeface="PT Serif" panose="020A0603040505020204" pitchFamily="18" charset="0"/>
+              </a:rPr>
+            </a:br>
+            <a:br>
+              <a:rPr lang="en-US" b="0" i="0" dirty="0">
+                <a:solidFill>
+                  <a:srgbClr val="323131"/>
+                </a:solidFill>
+                <a:effectLst/>
+                <a:latin typeface="PT Serif" panose="020A0603040505020204" pitchFamily="18" charset="0"/>
+              </a:rPr>
+            </a:br>
+            <a:endParaRPr lang="en-IN" dirty="0"/>
+          </a:p>
+        </p:txBody>
+      </p:sp>
+      <p:sp>
+        <p:nvSpPr>
+          <p:cNvPr id="3" name="Content Placeholder 2">
+            <a:extLst>
+              <a:ext uri="{FF2B5EF4-FFF2-40B4-BE49-F238E27FC236}">
+                <a16:creationId xmlns:a16="http://schemas.microsoft.com/office/drawing/2014/main" id="{73EEB3D4-0C38-FEAE-B561-BABED624EC65}"/>
+              </a:ext>
+            </a:extLst>
+          </p:cNvPr>
+          <p:cNvSpPr>
+            <a:spLocks noGrp="1"/>
+          </p:cNvSpPr>
+          <p:nvPr>
+            <p:ph idx="1"/>
+          </p:nvPr>
+        </p:nvSpPr>
+        <p:spPr>
+          <a:xfrm>
+            <a:off x="838200" y="958788"/>
+            <a:ext cx="10515600" cy="5218175"/>
+          </a:xfrm>
+        </p:spPr>
+        <p:txBody>
+          <a:bodyPr>
+            <a:normAutofit/>
+          </a:bodyPr>
+          <a:lstStyle/>
+          <a:p>
+            <a:pPr marL="571500" indent="-571500">
+              <a:buFont typeface="+mj-lt"/>
+              <a:buAutoNum type="romanLcPeriod"/>
+            </a:pPr>
+            <a:r>
+              <a:rPr lang="en-IN" sz="1800" b="0" i="0" dirty="0">
+                <a:solidFill>
+                  <a:srgbClr val="000000"/>
+                </a:solidFill>
+                <a:effectLst/>
+                <a:latin typeface="Google Sans"/>
+              </a:rPr>
+              <a:t>Administration is much easier</a:t>
+            </a:r>
+          </a:p>
+          <a:p>
+            <a:pPr lvl="1"/>
+            <a:r>
+              <a:rPr lang="en-IN" sz="1800" dirty="0">
+                <a:solidFill>
+                  <a:srgbClr val="000000"/>
+                </a:solidFill>
+                <a:latin typeface="Google Sans"/>
+              </a:rPr>
+              <a:t>	</a:t>
+            </a:r>
+            <a:r>
+              <a:rPr lang="en-IN" sz="1600" b="0" i="0" dirty="0">
+                <a:solidFill>
+                  <a:srgbClr val="333333"/>
+                </a:solidFill>
+                <a:effectLst/>
+                <a:latin typeface="Google Sans"/>
+              </a:rPr>
+              <a:t>I</a:t>
+            </a:r>
+            <a:r>
+              <a:rPr lang="en-US" sz="1600" b="0" i="0" dirty="0">
+                <a:solidFill>
+                  <a:srgbClr val="333333"/>
+                </a:solidFill>
+                <a:effectLst/>
+                <a:latin typeface="Google Sans"/>
+              </a:rPr>
+              <a:t>f you create a virtual machine in a resource group, all the other associated resources are also created in the same resource group. When we delete the resource group, not just the virtual machine, all it's associated resources are also automatically deleted.</a:t>
+            </a:r>
+          </a:p>
+          <a:p>
+            <a:pPr lvl="1"/>
+            <a:r>
+              <a:rPr lang="en-US" sz="1600" b="0" i="0" dirty="0">
+                <a:solidFill>
+                  <a:srgbClr val="333333"/>
+                </a:solidFill>
+                <a:effectLst/>
+                <a:latin typeface="Google Sans"/>
+              </a:rPr>
+              <a:t> Without resource groups, if you have to develop and deploy this application, you have to manually create all these azure resources. That too, you have to create them in the right order. If it's just one time, then it's okay. But in real-world, with every company using agile approach and CI/CD i.e. Continuous Integration &amp; Continuous Deployment, applications are deployed several times a day.</a:t>
+            </a:r>
+          </a:p>
+          <a:p>
+            <a:pPr lvl="1"/>
+            <a:r>
+              <a:rPr lang="en-US" sz="1600" b="0" i="0" dirty="0">
+                <a:solidFill>
+                  <a:srgbClr val="333333"/>
+                </a:solidFill>
+                <a:effectLst/>
+                <a:latin typeface="Google Sans"/>
+              </a:rPr>
+              <a:t> This grouping obviously allows you to manage all the resources that belong to a specific application and deployment environment as one unit. You can even automate deployments using Azure Resource Manager Templates</a:t>
+            </a:r>
+            <a:endParaRPr lang="en-IN" sz="1800" b="0" i="0" dirty="0">
+              <a:solidFill>
+                <a:srgbClr val="000000"/>
+              </a:solidFill>
+              <a:effectLst/>
+              <a:latin typeface="Google Sans"/>
+            </a:endParaRPr>
+          </a:p>
+          <a:p>
+            <a:pPr marL="571500" indent="-571500">
+              <a:buFont typeface="+mj-lt"/>
+              <a:buAutoNum type="romanLcPeriod"/>
+            </a:pPr>
+            <a:r>
+              <a:rPr lang="en-IN" sz="1800" b="0" i="0" dirty="0">
+                <a:solidFill>
+                  <a:srgbClr val="323131"/>
+                </a:solidFill>
+                <a:effectLst/>
+                <a:latin typeface="Google Sans"/>
+              </a:rPr>
+              <a:t>Cost management is easier</a:t>
+            </a:r>
+          </a:p>
+          <a:p>
+            <a:pPr lvl="1"/>
+            <a:r>
+              <a:rPr lang="en-US" sz="1600" b="0" i="0" dirty="0">
+                <a:solidFill>
+                  <a:srgbClr val="333333"/>
+                </a:solidFill>
+                <a:effectLst/>
+                <a:latin typeface="Google Sans"/>
+              </a:rPr>
+              <a:t>In the azure portal, on the cost analysis blade, you can see the cost of running each resource. You can also see the total cost of all the resources in the resource group.</a:t>
+            </a:r>
+            <a:endParaRPr lang="en-IN" sz="1600" dirty="0">
+              <a:solidFill>
+                <a:srgbClr val="323131"/>
+              </a:solidFill>
+              <a:latin typeface="Google Sans"/>
+            </a:endParaRPr>
+          </a:p>
+          <a:p>
+            <a:pPr lvl="1"/>
+            <a:r>
+              <a:rPr lang="en-US" sz="1600" b="0" i="0" dirty="0">
+                <a:solidFill>
+                  <a:srgbClr val="333333"/>
+                </a:solidFill>
+                <a:effectLst/>
+                <a:latin typeface="Google Sans"/>
+              </a:rPr>
+              <a:t>When you delete a resource group, all the resources in that group are also deleted.</a:t>
+            </a:r>
+            <a:endParaRPr lang="en-IN" sz="1600" b="0" i="0" dirty="0">
+              <a:solidFill>
+                <a:srgbClr val="323131"/>
+              </a:solidFill>
+              <a:effectLst/>
+              <a:latin typeface="Google Sans"/>
+            </a:endParaRPr>
+          </a:p>
+          <a:p>
+            <a:pPr marL="571500" indent="-571500">
+              <a:buFont typeface="+mj-lt"/>
+              <a:buAutoNum type="romanLcPeriod"/>
+            </a:pPr>
+            <a:r>
+              <a:rPr lang="en-IN" sz="1800" b="0" i="0" dirty="0">
+                <a:solidFill>
+                  <a:srgbClr val="323131"/>
+                </a:solidFill>
+                <a:effectLst/>
+                <a:latin typeface="Google Sans"/>
+              </a:rPr>
+              <a:t>Role-based access control (RBAC)</a:t>
+            </a:r>
+          </a:p>
+          <a:p>
+            <a:pPr lvl="1"/>
+            <a:r>
+              <a:rPr lang="en-US" sz="1600" b="0" i="0" dirty="0">
+                <a:solidFill>
+                  <a:srgbClr val="333333"/>
+                </a:solidFill>
+                <a:effectLst/>
+                <a:latin typeface="Google Sans"/>
+              </a:rPr>
+              <a:t>When the users log into the azure portal, they will only see resource groups they have access to and not others within the subscription. Administrators will still be able to assign access control for users to individual resources within the resource group based on their roles.</a:t>
+            </a:r>
+            <a:endParaRPr lang="en-IN" sz="1600" b="0" i="0" dirty="0">
+              <a:solidFill>
+                <a:srgbClr val="000000"/>
+              </a:solidFill>
+              <a:effectLst/>
+              <a:latin typeface="Google Sans"/>
+            </a:endParaRPr>
+          </a:p>
+        </p:txBody>
+      </p:sp>
+    </p:spTree>
+    <p:extLst>
+      <p:ext uri="{BB962C8B-B14F-4D97-AF65-F5344CB8AC3E}">
+        <p14:creationId xmlns:p14="http://schemas.microsoft.com/office/powerpoint/2010/main" val="2765191281"/>
+      </p:ext>
+    </p:extLst>
+  </p:cSld>
+  <p:clrMapOvr>
+    <a:masterClrMapping/>
+  </p:clrMapOvr>
+</p:sld>
+</file>
+
+<file path=ppt/slides/slide4.xml><?xml version="1.0" encoding="utf-8"?>
+<p:sld xmlns:a="http://schemas.openxmlformats.org/drawingml/2006/main" xmlns:r="http://schemas.openxmlformats.org/officeDocument/2006/relationships" xmlns:p="http://schemas.openxmlformats.org/presentationml/2006/main">
+  <p:cSld>
+    <p:spTree>
+      <p:nvGrpSpPr>
+        <p:cNvPr id="1" name=""/>
+        <p:cNvGrpSpPr/>
+        <p:nvPr/>
+      </p:nvGrpSpPr>
+      <p:grpSpPr>
+        <a:xfrm>
+          <a:off x="0" y="0"/>
+          <a:ext cx="0" cy="0"/>
+          <a:chOff x="0" y="0"/>
+          <a:chExt cx="0" cy="0"/>
+        </a:xfrm>
+      </p:grpSpPr>
+      <p:sp>
+        <p:nvSpPr>
+          <p:cNvPr id="2" name="TextBox 1">
+            <a:extLst>
+              <a:ext uri="{FF2B5EF4-FFF2-40B4-BE49-F238E27FC236}">
+                <a16:creationId xmlns:a16="http://schemas.microsoft.com/office/drawing/2014/main" id="{FD77D322-BFAC-1715-8250-77E5D18F6428}"/>
+              </a:ext>
+            </a:extLst>
+          </p:cNvPr>
+          <p:cNvSpPr txBox="1"/>
+          <p:nvPr/>
+        </p:nvSpPr>
+        <p:spPr>
+          <a:xfrm>
+            <a:off x="443884" y="204186"/>
+            <a:ext cx="11292396" cy="6047809"/>
+          </a:xfrm>
+          <a:prstGeom prst="rect">
+            <a:avLst/>
+          </a:prstGeom>
+          <a:noFill/>
+        </p:spPr>
+        <p:txBody>
+          <a:bodyPr wrap="square" rtlCol="0">
+            <a:spAutoFit/>
+          </a:bodyPr>
+          <a:lstStyle/>
+          <a:p>
+            <a:pPr algn="l"/>
+            <a:r>
+              <a:rPr lang="en-US" sz="2800" b="0" i="0" u="sng" dirty="0">
+                <a:solidFill>
+                  <a:srgbClr val="000000"/>
+                </a:solidFill>
+                <a:effectLst/>
+                <a:latin typeface="PT Serif" panose="020A0603040505020204" pitchFamily="18" charset="0"/>
+              </a:rPr>
+              <a:t>Management groups</a:t>
+            </a:r>
+          </a:p>
+          <a:p>
+            <a:pPr algn="l"/>
+            <a:endParaRPr lang="en-US" sz="2800" b="0" i="0" u="sng" dirty="0">
+              <a:solidFill>
+                <a:srgbClr val="000000"/>
+              </a:solidFill>
+              <a:effectLst/>
+              <a:latin typeface="PT Serif" panose="020A0603040505020204" pitchFamily="18" charset="0"/>
+            </a:endParaRPr>
+          </a:p>
+          <a:p>
+            <a:pPr marL="285750" indent="-285750" algn="l">
+              <a:buFont typeface="Arial" panose="020B0604020202020204" pitchFamily="34" charset="0"/>
+              <a:buChar char="•"/>
+            </a:pPr>
+            <a:r>
+              <a:rPr lang="en-US" sz="1600" b="0" i="0" dirty="0">
+                <a:solidFill>
+                  <a:srgbClr val="333333"/>
+                </a:solidFill>
+                <a:effectLst/>
+                <a:latin typeface="Google Sans"/>
+              </a:rPr>
+              <a:t>Management group is at the top of the hierarchy. All subscriptions in a management group automatically inherit the conditions or settings specified at the management group level.</a:t>
+            </a:r>
+          </a:p>
+          <a:p>
+            <a:pPr marL="285750" indent="-285750" algn="l">
+              <a:buFont typeface="Arial" panose="020B0604020202020204" pitchFamily="34" charset="0"/>
+              <a:buChar char="•"/>
+            </a:pPr>
+            <a:r>
+              <a:rPr lang="en-US" sz="1600" b="0" i="0" dirty="0">
+                <a:solidFill>
+                  <a:srgbClr val="333333"/>
+                </a:solidFill>
+                <a:effectLst/>
+                <a:latin typeface="Google Sans"/>
+              </a:rPr>
+              <a:t> So, a management group is like a container for all your subscriptions. Just like how there can be multiple subscriptions, there can also be multiple management groups in an organization.</a:t>
+            </a:r>
+          </a:p>
+          <a:p>
+            <a:pPr marL="285750" indent="-285750" algn="l">
+              <a:buFont typeface="Arial" panose="020B0604020202020204" pitchFamily="34" charset="0"/>
+              <a:buChar char="•"/>
+            </a:pPr>
+            <a:r>
+              <a:rPr lang="en-US" sz="1600" b="0" i="0" dirty="0">
+                <a:solidFill>
+                  <a:srgbClr val="333333"/>
+                </a:solidFill>
+                <a:effectLst/>
+                <a:latin typeface="Google Sans"/>
+              </a:rPr>
+              <a:t>Management settings like policies and role-based access control can be applied at any of the management levels. The level you select determines how widely the setting is applied. </a:t>
+            </a:r>
+          </a:p>
+          <a:p>
+            <a:pPr marL="285750" indent="-285750" algn="l">
+              <a:buFont typeface="Arial" panose="020B0604020202020204" pitchFamily="34" charset="0"/>
+              <a:buChar char="•"/>
+            </a:pPr>
+            <a:r>
+              <a:rPr lang="en-US" sz="1600" b="0" i="0" dirty="0">
+                <a:solidFill>
+                  <a:srgbClr val="333333"/>
+                </a:solidFill>
+                <a:effectLst/>
+                <a:latin typeface="Google Sans"/>
+              </a:rPr>
+              <a:t>Lower levels inherit settings from higher levels. For example, when you apply a policy to a subscription, that policy is also applied to all resource groups and resources in that subscription. In general, it makes sense to apply critical settings at higher levels and project-specific settings at lower levels.</a:t>
+            </a:r>
+          </a:p>
+          <a:p>
+            <a:pPr marL="285750" indent="-285750" algn="l">
+              <a:buFont typeface="Arial" panose="020B0604020202020204" pitchFamily="34" charset="0"/>
+              <a:buChar char="•"/>
+            </a:pPr>
+            <a:r>
+              <a:rPr lang="en-US" sz="1600" b="0" i="0" dirty="0">
+                <a:solidFill>
+                  <a:srgbClr val="333333"/>
+                </a:solidFill>
+                <a:effectLst/>
+                <a:latin typeface="Google Sans"/>
+              </a:rPr>
+              <a:t>The descendants will not be able to alter this security policy in any way and it is also applicable to all resources under those subscriptions. So, obviously governance becomes much easier.4</a:t>
+            </a:r>
+          </a:p>
+          <a:p>
+            <a:pPr algn="l"/>
+            <a:endParaRPr lang="en-US" sz="1600" b="0" i="0" dirty="0">
+              <a:solidFill>
+                <a:srgbClr val="333333"/>
+              </a:solidFill>
+              <a:effectLst/>
+              <a:latin typeface="Google Sans"/>
+            </a:endParaRPr>
+          </a:p>
+          <a:p>
+            <a:pPr algn="l"/>
+            <a:r>
+              <a:rPr lang="en-US" sz="2500" b="0" i="0" u="sng" dirty="0">
+                <a:solidFill>
+                  <a:srgbClr val="000000"/>
+                </a:solidFill>
+                <a:effectLst/>
+                <a:latin typeface="PT Serif" panose="020A0603040505020204" pitchFamily="18" charset="0"/>
+              </a:rPr>
+              <a:t>Subscriptions</a:t>
+            </a:r>
+          </a:p>
+          <a:p>
+            <a:pPr algn="l"/>
+            <a:endParaRPr lang="en-US" sz="2500" b="0" i="0" u="sng" dirty="0">
+              <a:solidFill>
+                <a:srgbClr val="000000"/>
+              </a:solidFill>
+              <a:effectLst/>
+              <a:latin typeface="PT Serif" panose="020A0603040505020204" pitchFamily="18" charset="0"/>
+            </a:endParaRPr>
+          </a:p>
+          <a:p>
+            <a:pPr marL="285750" indent="-285750" algn="l">
+              <a:buFont typeface="Arial" panose="020B0604020202020204" pitchFamily="34" charset="0"/>
+              <a:buChar char="•"/>
+            </a:pPr>
+            <a:r>
+              <a:rPr lang="en-US" sz="1600" b="0" i="0" dirty="0">
+                <a:solidFill>
+                  <a:srgbClr val="333333"/>
+                </a:solidFill>
+                <a:effectLst/>
+                <a:latin typeface="Google Sans"/>
+              </a:rPr>
+              <a:t>A subscription sits under a management group. It associates user accounts and the resources that were created by those user accounts. </a:t>
+            </a:r>
+          </a:p>
+          <a:p>
+            <a:pPr marL="285750" indent="-285750" algn="l">
+              <a:buFont typeface="Arial" panose="020B0604020202020204" pitchFamily="34" charset="0"/>
+              <a:buChar char="•"/>
+            </a:pPr>
+            <a:r>
+              <a:rPr lang="en-US" sz="1600" b="0" i="0" dirty="0">
+                <a:solidFill>
+                  <a:srgbClr val="333333"/>
+                </a:solidFill>
+                <a:effectLst/>
+                <a:latin typeface="Google Sans"/>
+              </a:rPr>
+              <a:t>Each subscription has limits or quotas on the amount of resources you can create and use.</a:t>
+            </a:r>
+          </a:p>
+          <a:p>
+            <a:pPr marL="285750" indent="-285750" algn="l">
+              <a:buFont typeface="Arial" panose="020B0604020202020204" pitchFamily="34" charset="0"/>
+              <a:buChar char="•"/>
+            </a:pPr>
+            <a:r>
+              <a:rPr lang="en-US" sz="1600" b="0" i="0" dirty="0">
+                <a:solidFill>
+                  <a:srgbClr val="333333"/>
+                </a:solidFill>
+                <a:effectLst/>
+                <a:latin typeface="Google Sans"/>
+              </a:rPr>
+              <a:t> Organizations can use subscriptions to manage costs and the resources that are created by users, teams, or projects.</a:t>
+            </a:r>
+          </a:p>
+          <a:p>
+            <a:endParaRPr lang="en-IN" sz="2500" dirty="0"/>
+          </a:p>
+        </p:txBody>
+      </p:sp>
+    </p:spTree>
+    <p:extLst>
+      <p:ext uri="{BB962C8B-B14F-4D97-AF65-F5344CB8AC3E}">
+        <p14:creationId xmlns:p14="http://schemas.microsoft.com/office/powerpoint/2010/main" val="1657338823"/>
+      </p:ext>
+    </p:extLst>
+  </p:cSld>
+  <p:clrMapOvr>
+    <a:masterClrMapping/>
+  </p:clrMapOvr>
+</p:sld>
+</file>
+
+<file path=ppt/slides/slide5.xml><?xml version="1.0" encoding="utf-8"?>
+<p:sld xmlns:a="http://schemas.openxmlformats.org/drawingml/2006/main" xmlns:r="http://schemas.openxmlformats.org/officeDocument/2006/relationships" xmlns:p="http://schemas.openxmlformats.org/presentationml/2006/main">
+  <p:cSld>
+    <p:spTree>
+      <p:nvGrpSpPr>
+        <p:cNvPr id="1" name=""/>
+        <p:cNvGrpSpPr/>
+        <p:nvPr/>
+      </p:nvGrpSpPr>
+      <p:grpSpPr>
+        <a:xfrm>
+          <a:off x="0" y="0"/>
+          <a:ext cx="0" cy="0"/>
+          <a:chOff x="0" y="0"/>
+          <a:chExt cx="0" cy="0"/>
+        </a:xfrm>
+      </p:grpSpPr>
+      <p:sp>
+        <p:nvSpPr>
+          <p:cNvPr id="2" name="TextBox 1">
+            <a:extLst>
+              <a:ext uri="{FF2B5EF4-FFF2-40B4-BE49-F238E27FC236}">
+                <a16:creationId xmlns:a16="http://schemas.microsoft.com/office/drawing/2014/main" id="{2E36E6FD-352D-209B-99B1-B0D2DA9FFAD3}"/>
+              </a:ext>
+            </a:extLst>
+          </p:cNvPr>
+          <p:cNvSpPr txBox="1"/>
+          <p:nvPr/>
+        </p:nvSpPr>
+        <p:spPr>
+          <a:xfrm>
+            <a:off x="445363" y="213063"/>
+            <a:ext cx="11301274" cy="6678751"/>
+          </a:xfrm>
+          <a:prstGeom prst="rect">
+            <a:avLst/>
+          </a:prstGeom>
+          <a:noFill/>
+        </p:spPr>
+        <p:txBody>
+          <a:bodyPr wrap="square" rtlCol="0">
+            <a:spAutoFit/>
+          </a:bodyPr>
+          <a:lstStyle/>
+          <a:p>
+            <a:r>
+              <a:rPr lang="en-IN" sz="2500" i="0" u="sng" dirty="0">
+                <a:solidFill>
+                  <a:srgbClr val="101010"/>
+                </a:solidFill>
+                <a:effectLst/>
+                <a:latin typeface="multi-display"/>
+              </a:rPr>
+              <a:t>Azure Storage Account</a:t>
+            </a:r>
+          </a:p>
+          <a:p>
+            <a:endParaRPr lang="en-IN" sz="2500" i="0" u="sng" dirty="0">
+              <a:solidFill>
+                <a:srgbClr val="101010"/>
+              </a:solidFill>
+              <a:effectLst/>
+              <a:latin typeface="multi-display"/>
+            </a:endParaRPr>
+          </a:p>
+          <a:p>
+            <a:pPr marL="285750" indent="-285750">
+              <a:buFont typeface="Arial" panose="020B0604020202020204" pitchFamily="34" charset="0"/>
+              <a:buChar char="•"/>
+            </a:pPr>
+            <a:r>
+              <a:rPr lang="en-US" b="0" i="0" dirty="0">
+                <a:solidFill>
+                  <a:srgbClr val="000000"/>
+                </a:solidFill>
+                <a:effectLst/>
+                <a:latin typeface="multi-display"/>
+              </a:rPr>
+              <a:t>A storage account is a container that bands a set of Azure Storage services together. Only data services from Azure Storage can be comprised in a storage account. Integrating data services into a storage account allows the user to manage them as a group.</a:t>
+            </a:r>
+          </a:p>
+          <a:p>
+            <a:r>
+              <a:rPr lang="en-US" b="0" i="0" dirty="0">
+                <a:solidFill>
+                  <a:srgbClr val="000000"/>
+                </a:solidFill>
+                <a:effectLst/>
+                <a:latin typeface="multi-display"/>
+              </a:rPr>
+              <a:t> </a:t>
+            </a:r>
+          </a:p>
+          <a:p>
+            <a:pPr marL="285750" indent="-285750">
+              <a:buFont typeface="Arial" panose="020B0604020202020204" pitchFamily="34" charset="0"/>
+              <a:buChar char="•"/>
+            </a:pPr>
+            <a:r>
+              <a:rPr lang="en-US" b="1" i="0" dirty="0">
+                <a:solidFill>
+                  <a:srgbClr val="101010"/>
+                </a:solidFill>
+                <a:effectLst/>
+                <a:latin typeface="multi-display"/>
+              </a:rPr>
+              <a:t>Types of Azure Storage Accounts</a:t>
+            </a:r>
+          </a:p>
+          <a:p>
+            <a:pPr marL="857250" lvl="1" indent="-400050">
+              <a:buFont typeface="+mj-lt"/>
+              <a:buAutoNum type="romanLcPeriod"/>
+            </a:pPr>
+            <a:r>
+              <a:rPr lang="en-US" b="1" dirty="0">
+                <a:solidFill>
+                  <a:srgbClr val="101010"/>
+                </a:solidFill>
+                <a:latin typeface="multi-display"/>
+              </a:rPr>
+              <a:t>	</a:t>
+            </a:r>
+            <a:r>
+              <a:rPr lang="en-US" b="1" i="0" dirty="0">
+                <a:solidFill>
+                  <a:srgbClr val="000000"/>
+                </a:solidFill>
+                <a:effectLst/>
+                <a:latin typeface="multi-display"/>
+              </a:rPr>
+              <a:t>General-purpose v2 accounts</a:t>
+            </a:r>
+            <a:r>
+              <a:rPr lang="en-US" b="0" i="0" dirty="0">
+                <a:solidFill>
+                  <a:srgbClr val="000000"/>
+                </a:solidFill>
+                <a:effectLst/>
+                <a:latin typeface="multi-display"/>
+              </a:rPr>
+              <a:t>: Basic storage account type for blobs, files, queues, and tables.(recommended)</a:t>
+            </a:r>
+            <a:endParaRPr lang="en-US" i="0" dirty="0">
+              <a:solidFill>
+                <a:srgbClr val="101010"/>
+              </a:solidFill>
+              <a:effectLst/>
+              <a:latin typeface="multi-display"/>
+            </a:endParaRPr>
+          </a:p>
+          <a:p>
+            <a:pPr marL="857250" lvl="1" indent="-400050">
+              <a:buFont typeface="+mj-lt"/>
+              <a:buAutoNum type="romanLcPeriod"/>
+            </a:pPr>
+            <a:r>
+              <a:rPr lang="en-US" b="1" i="0" dirty="0">
+                <a:solidFill>
+                  <a:srgbClr val="000000"/>
+                </a:solidFill>
+                <a:effectLst/>
+                <a:latin typeface="multi-display"/>
+              </a:rPr>
+              <a:t>General-purpose v1 accounts:</a:t>
+            </a:r>
+            <a:r>
+              <a:rPr lang="en-US" b="0" i="0" dirty="0">
+                <a:solidFill>
+                  <a:srgbClr val="000000"/>
+                </a:solidFill>
+                <a:effectLst/>
+                <a:latin typeface="multi-display"/>
+              </a:rPr>
+              <a:t> Legacy account type for blobs, files, queues, and tables.</a:t>
+            </a:r>
+          </a:p>
+          <a:p>
+            <a:pPr marL="857250" lvl="1" indent="-400050">
+              <a:buFont typeface="+mj-lt"/>
+              <a:buAutoNum type="romanLcPeriod"/>
+            </a:pPr>
+            <a:r>
+              <a:rPr lang="en-US" b="1" i="0" dirty="0">
+                <a:solidFill>
+                  <a:srgbClr val="000000"/>
+                </a:solidFill>
+                <a:effectLst/>
+                <a:latin typeface="multi-display"/>
+              </a:rPr>
+              <a:t>Block Blob Storage accounts:</a:t>
+            </a:r>
+            <a:r>
+              <a:rPr lang="en-US" b="0" i="0" dirty="0">
+                <a:solidFill>
+                  <a:srgbClr val="000000"/>
+                </a:solidFill>
+                <a:effectLst/>
+                <a:latin typeface="multi-display"/>
+              </a:rPr>
+              <a:t> Storage accounts with premium performance characteristics for block blobs and appends blobs. It is recommended for scenarios with high transaction rates or scenarios that use smaller objects or require consistently low storage latency.</a:t>
+            </a:r>
+          </a:p>
+          <a:p>
+            <a:pPr marL="857250" lvl="1" indent="-400050">
+              <a:buFont typeface="+mj-lt"/>
+              <a:buAutoNum type="romanLcPeriod"/>
+            </a:pPr>
+            <a:r>
+              <a:rPr lang="en-US" b="1" i="0" dirty="0">
+                <a:solidFill>
+                  <a:srgbClr val="000000"/>
+                </a:solidFill>
+                <a:effectLst/>
+                <a:latin typeface="multi-display"/>
+              </a:rPr>
+              <a:t>File Storage accounts:</a:t>
+            </a:r>
+            <a:r>
+              <a:rPr lang="en-US" b="0" i="0" dirty="0">
+                <a:solidFill>
+                  <a:srgbClr val="000000"/>
+                </a:solidFill>
+                <a:effectLst/>
+                <a:latin typeface="multi-display"/>
+              </a:rPr>
+              <a:t> Files-only storage accounts with premium performance characteristics.</a:t>
+            </a:r>
+            <a:endParaRPr lang="en-US" dirty="0">
+              <a:solidFill>
+                <a:srgbClr val="000000"/>
+              </a:solidFill>
+              <a:latin typeface="multi-display"/>
+            </a:endParaRPr>
+          </a:p>
+          <a:p>
+            <a:pPr marL="857250" lvl="1" indent="-400050">
+              <a:buFont typeface="+mj-lt"/>
+              <a:buAutoNum type="romanLcPeriod"/>
+            </a:pPr>
+            <a:r>
+              <a:rPr lang="en-US" b="1" i="0" dirty="0">
+                <a:solidFill>
+                  <a:srgbClr val="000000"/>
+                </a:solidFill>
+                <a:effectLst/>
+                <a:latin typeface="multi-display"/>
+              </a:rPr>
+              <a:t>Blob Storage accounts</a:t>
+            </a:r>
+            <a:r>
+              <a:rPr lang="en-US" b="0" i="0" dirty="0">
+                <a:solidFill>
+                  <a:srgbClr val="000000"/>
+                </a:solidFill>
+                <a:effectLst/>
+                <a:latin typeface="multi-display"/>
+              </a:rPr>
+              <a:t> Legacy Blob-only storage accounts.</a:t>
+            </a:r>
+          </a:p>
+          <a:p>
+            <a:pPr lvl="1"/>
+            <a:endParaRPr lang="en-US" b="1" i="0" dirty="0">
+              <a:solidFill>
+                <a:srgbClr val="101010"/>
+              </a:solidFill>
+              <a:effectLst/>
+              <a:latin typeface="multi-display"/>
+            </a:endParaRPr>
+          </a:p>
+          <a:p>
+            <a:pPr marL="285750" indent="-285750" algn="l">
+              <a:buFont typeface="Arial" panose="020B0604020202020204" pitchFamily="34" charset="0"/>
+              <a:buChar char="•"/>
+            </a:pPr>
+            <a:r>
+              <a:rPr lang="en-IN" b="1" i="0" dirty="0">
+                <a:solidFill>
+                  <a:srgbClr val="101010"/>
+                </a:solidFill>
+                <a:effectLst/>
+                <a:latin typeface="multi-display"/>
+              </a:rPr>
+              <a:t>Core Storage Services</a:t>
+            </a:r>
+          </a:p>
+          <a:p>
+            <a:pPr marL="857250" lvl="1" indent="-400050">
+              <a:buFont typeface="+mj-lt"/>
+              <a:buAutoNum type="romanLcPeriod"/>
+            </a:pPr>
+            <a:r>
+              <a:rPr lang="en-IN" b="1" i="0" dirty="0">
+                <a:solidFill>
+                  <a:srgbClr val="000000"/>
+                </a:solidFill>
+                <a:effectLst/>
+                <a:latin typeface="multi-display"/>
+              </a:rPr>
+              <a:t>Azure Blobs </a:t>
+            </a:r>
+            <a:r>
+              <a:rPr lang="en-IN" b="0" i="0" dirty="0">
+                <a:solidFill>
+                  <a:srgbClr val="000000"/>
+                </a:solidFill>
+                <a:effectLst/>
+                <a:latin typeface="multi-display"/>
+              </a:rPr>
+              <a:t>are an immensely scalable object store for text and binary data.</a:t>
+            </a:r>
+          </a:p>
+          <a:p>
+            <a:pPr marL="857250" lvl="1" indent="-400050">
+              <a:buFont typeface="+mj-lt"/>
+              <a:buAutoNum type="romanLcPeriod"/>
+            </a:pPr>
+            <a:r>
+              <a:rPr lang="en-IN" b="1" i="0" dirty="0">
+                <a:solidFill>
+                  <a:srgbClr val="000000"/>
+                </a:solidFill>
+                <a:effectLst/>
+                <a:latin typeface="multi-display"/>
+              </a:rPr>
+              <a:t>Azure Files</a:t>
+            </a:r>
+            <a:r>
+              <a:rPr lang="en-IN" b="0" i="0" dirty="0">
+                <a:solidFill>
+                  <a:srgbClr val="000000"/>
+                </a:solidFill>
+                <a:effectLst/>
+                <a:latin typeface="multi-display"/>
+              </a:rPr>
+              <a:t> are organized file shares for cloud or on-premises deployments.</a:t>
+            </a:r>
+          </a:p>
+          <a:p>
+            <a:pPr marL="857250" lvl="1" indent="-400050">
+              <a:buFont typeface="+mj-lt"/>
+              <a:buAutoNum type="romanLcPeriod"/>
+            </a:pPr>
+            <a:r>
+              <a:rPr lang="en-IN" b="1" i="0" dirty="0">
+                <a:solidFill>
+                  <a:srgbClr val="000000"/>
+                </a:solidFill>
+                <a:effectLst/>
+                <a:latin typeface="multi-display"/>
+              </a:rPr>
+              <a:t>Azure Queue</a:t>
+            </a:r>
+            <a:r>
+              <a:rPr lang="en-IN" b="0" i="0" dirty="0">
+                <a:solidFill>
+                  <a:srgbClr val="000000"/>
+                </a:solidFill>
+                <a:effectLst/>
+                <a:latin typeface="multi-display"/>
+              </a:rPr>
+              <a:t> is a messaging store for consistent messaging between application components.</a:t>
+            </a:r>
+          </a:p>
+          <a:p>
+            <a:pPr marL="857250" lvl="1" indent="-400050">
+              <a:buFont typeface="+mj-lt"/>
+              <a:buAutoNum type="romanLcPeriod"/>
+            </a:pPr>
+            <a:r>
+              <a:rPr lang="en-IN" b="1" i="0" dirty="0">
+                <a:solidFill>
+                  <a:srgbClr val="000000"/>
+                </a:solidFill>
+                <a:effectLst/>
+                <a:latin typeface="multi-display"/>
+              </a:rPr>
+              <a:t>Azure Tables</a:t>
+            </a:r>
+            <a:r>
+              <a:rPr lang="en-IN" b="0" i="0" dirty="0">
+                <a:solidFill>
+                  <a:srgbClr val="000000"/>
+                </a:solidFill>
+                <a:effectLst/>
+                <a:latin typeface="multi-display"/>
+              </a:rPr>
+              <a:t> are NoSQL store for schema-less storage of structured data.</a:t>
+            </a:r>
+          </a:p>
+          <a:p>
+            <a:pPr marL="857250" lvl="1" indent="-400050">
+              <a:buFont typeface="+mj-lt"/>
+              <a:buAutoNum type="romanLcPeriod"/>
+            </a:pPr>
+            <a:r>
+              <a:rPr lang="en-IN" b="1" i="0" dirty="0">
+                <a:solidFill>
+                  <a:srgbClr val="000000"/>
+                </a:solidFill>
+                <a:effectLst/>
+                <a:latin typeface="multi-display"/>
+              </a:rPr>
+              <a:t>Azure Disks </a:t>
+            </a:r>
+            <a:r>
+              <a:rPr lang="en-IN" b="0" i="0" dirty="0">
+                <a:solidFill>
+                  <a:srgbClr val="000000"/>
+                </a:solidFill>
+                <a:effectLst/>
+                <a:latin typeface="multi-display"/>
+              </a:rPr>
+              <a:t>are block-level storage volumes for Azure Virtual Machines.</a:t>
+            </a:r>
+          </a:p>
+          <a:p>
+            <a:pPr marL="857250" lvl="1" indent="-400050">
+              <a:buFont typeface="+mj-lt"/>
+              <a:buAutoNum type="romanLcPeriod"/>
+            </a:pPr>
+            <a:endParaRPr lang="en-IN" b="1" i="0" dirty="0">
+              <a:solidFill>
+                <a:srgbClr val="101010"/>
+              </a:solidFill>
+              <a:effectLst/>
+              <a:latin typeface="multi-display"/>
+            </a:endParaRPr>
+          </a:p>
+          <a:p>
+            <a:pPr lvl="1"/>
+            <a:endParaRPr lang="en-US" i="0" dirty="0">
+              <a:solidFill>
+                <a:srgbClr val="101010"/>
+              </a:solidFill>
+              <a:effectLst/>
+              <a:latin typeface="multi-display"/>
+            </a:endParaRPr>
+          </a:p>
+        </p:txBody>
+      </p:sp>
+    </p:spTree>
+    <p:extLst>
+      <p:ext uri="{BB962C8B-B14F-4D97-AF65-F5344CB8AC3E}">
+        <p14:creationId xmlns:p14="http://schemas.microsoft.com/office/powerpoint/2010/main" val="2535982024"/>
+      </p:ext>
+    </p:extLst>
+  </p:cSld>
+  <p:clrMapOvr>
+    <a:masterClrMapping/>
+  </p:clrMapOvr>
+</p:sld>
+</file>
+
+<file path=ppt/slides/slide6.xml><?xml version="1.0" encoding="utf-8"?>
+<p:sld xmlns:a="http://schemas.openxmlformats.org/drawingml/2006/main" xmlns:r="http://schemas.openxmlformats.org/officeDocument/2006/relationships" xmlns:p="http://schemas.openxmlformats.org/presentationml/2006/main">
+  <p:cSld>
+    <p:spTree>
+      <p:nvGrpSpPr>
+        <p:cNvPr id="1" name=""/>
+        <p:cNvGrpSpPr/>
+        <p:nvPr/>
+      </p:nvGrpSpPr>
+      <p:grpSpPr>
+        <a:xfrm>
+          <a:off x="0" y="0"/>
+          <a:ext cx="0" cy="0"/>
+          <a:chOff x="0" y="0"/>
+          <a:chExt cx="0" cy="0"/>
+        </a:xfrm>
+      </p:grpSpPr>
+      <p:sp>
+        <p:nvSpPr>
+          <p:cNvPr id="2" name="TextBox 1">
+            <a:extLst>
+              <a:ext uri="{FF2B5EF4-FFF2-40B4-BE49-F238E27FC236}">
+                <a16:creationId xmlns:a16="http://schemas.microsoft.com/office/drawing/2014/main" id="{6FB03ADA-75B1-8B12-A70C-AFE946413968}"/>
+              </a:ext>
+            </a:extLst>
+          </p:cNvPr>
+          <p:cNvSpPr txBox="1"/>
+          <p:nvPr/>
+        </p:nvSpPr>
+        <p:spPr>
+          <a:xfrm>
+            <a:off x="239697" y="266330"/>
+            <a:ext cx="11611992" cy="7509748"/>
+          </a:xfrm>
+          <a:prstGeom prst="rect">
+            <a:avLst/>
+          </a:prstGeom>
+          <a:noFill/>
+        </p:spPr>
+        <p:txBody>
+          <a:bodyPr wrap="square" rtlCol="0">
+            <a:spAutoFit/>
+          </a:bodyPr>
+          <a:lstStyle/>
+          <a:p>
+            <a:r>
+              <a:rPr lang="en-IN" sz="2500" i="0" u="sng" dirty="0">
+                <a:solidFill>
+                  <a:srgbClr val="101010"/>
+                </a:solidFill>
+                <a:effectLst/>
+                <a:latin typeface="multi-display"/>
+              </a:rPr>
+              <a:t>Azure Blob Storage</a:t>
+            </a:r>
+          </a:p>
+          <a:p>
+            <a:endParaRPr lang="en-IN" sz="2500" b="1" i="0" dirty="0">
+              <a:solidFill>
+                <a:srgbClr val="101010"/>
+              </a:solidFill>
+              <a:effectLst/>
+              <a:latin typeface="multi-display"/>
+            </a:endParaRPr>
+          </a:p>
+          <a:p>
+            <a:pPr marL="342900" indent="-342900">
+              <a:buFont typeface="Arial" panose="020B0604020202020204" pitchFamily="34" charset="0"/>
+              <a:buChar char="•"/>
+            </a:pPr>
+            <a:r>
+              <a:rPr lang="en-US" b="0" i="0" dirty="0">
+                <a:solidFill>
+                  <a:srgbClr val="000000"/>
+                </a:solidFill>
+                <a:effectLst/>
+                <a:latin typeface="multi-display"/>
+              </a:rPr>
+              <a:t>Azure Blob storage is an object storage solution designed for the cloud. Blob storage gets augmented for storing a massive amount of unstructured data. Unstructured data is data that does not stick to a specific data model or definition, like text or binary data.</a:t>
+            </a:r>
+          </a:p>
+          <a:p>
+            <a:pPr marL="342900" indent="-342900">
+              <a:buFont typeface="Arial" panose="020B0604020202020204" pitchFamily="34" charset="0"/>
+              <a:buChar char="•"/>
+            </a:pPr>
+            <a:r>
+              <a:rPr lang="en-US" b="0" i="0" dirty="0">
+                <a:solidFill>
+                  <a:srgbClr val="000000"/>
+                </a:solidFill>
+                <a:effectLst/>
+                <a:latin typeface="multi-display"/>
+              </a:rPr>
+              <a:t> Blob storage objects can be accessed by the user or client application via HTTP/HTTPS from any part of the world. Azure Storage Rest API, Azure PowerShell, Azure CLI, or an Azure Storage client library is used to access Blob Storage objects.</a:t>
+            </a:r>
+          </a:p>
+          <a:p>
+            <a:pPr marL="342900" indent="-342900">
+              <a:buFont typeface="Arial" panose="020B0604020202020204" pitchFamily="34" charset="0"/>
+              <a:buChar char="•"/>
+            </a:pPr>
+            <a:r>
+              <a:rPr lang="en-US" b="0" i="0" dirty="0">
+                <a:solidFill>
+                  <a:srgbClr val="000000"/>
+                </a:solidFill>
+                <a:effectLst/>
+                <a:latin typeface="multi-display"/>
+              </a:rPr>
+              <a:t>Azure Storage supports three types of blobs; they are:</a:t>
+            </a:r>
+          </a:p>
+          <a:p>
+            <a:pPr marL="857250" lvl="1" indent="-400050">
+              <a:buFont typeface="+mj-lt"/>
+              <a:buAutoNum type="romanLcPeriod"/>
+            </a:pPr>
+            <a:r>
+              <a:rPr lang="en-US" b="1" i="0" dirty="0">
+                <a:solidFill>
+                  <a:srgbClr val="000000"/>
+                </a:solidFill>
+                <a:effectLst/>
+                <a:latin typeface="multi-display"/>
+              </a:rPr>
+              <a:t>Block Blobs</a:t>
+            </a:r>
+            <a:endParaRPr lang="en-US" b="0" i="0" dirty="0">
+              <a:solidFill>
+                <a:srgbClr val="000000"/>
+              </a:solidFill>
+              <a:effectLst/>
+              <a:latin typeface="multi-display"/>
+            </a:endParaRPr>
+          </a:p>
+          <a:p>
+            <a:pPr lvl="2"/>
+            <a:r>
+              <a:rPr lang="en-US" b="0" i="0" dirty="0">
+                <a:solidFill>
+                  <a:srgbClr val="000000"/>
+                </a:solidFill>
+                <a:effectLst/>
+                <a:latin typeface="multi-display"/>
+              </a:rPr>
+              <a:t>Block blobs are designed to store text and binary data. Block blobs are built with blocks of data that can be managed independently. It has a storage capacity of about 4.75 TiB of data. Larger block blobs are currently in preview and have storage up to 190.7 TiB</a:t>
+            </a:r>
+          </a:p>
+          <a:p>
+            <a:pPr marL="857250" lvl="1" indent="-400050">
+              <a:buFont typeface="+mj-lt"/>
+              <a:buAutoNum type="romanLcPeriod"/>
+            </a:pPr>
+            <a:r>
+              <a:rPr lang="en-US" b="1" i="0" dirty="0">
+                <a:solidFill>
+                  <a:srgbClr val="000000"/>
+                </a:solidFill>
+                <a:effectLst/>
+                <a:latin typeface="multi-display"/>
+              </a:rPr>
+              <a:t>Append Blobs</a:t>
+            </a:r>
+            <a:endParaRPr lang="en-US" b="0" i="0" dirty="0">
+              <a:solidFill>
+                <a:srgbClr val="000000"/>
+              </a:solidFill>
+              <a:effectLst/>
+              <a:latin typeface="multi-display"/>
+            </a:endParaRPr>
+          </a:p>
+          <a:p>
+            <a:pPr lvl="2"/>
+            <a:r>
+              <a:rPr lang="en-US" b="0" i="0" dirty="0">
+                <a:solidFill>
+                  <a:srgbClr val="000000"/>
+                </a:solidFill>
+                <a:effectLst/>
+                <a:latin typeface="multi-display"/>
+              </a:rPr>
+              <a:t>Append Blobs are created with blocks like block blobs but are enhanced for append operations. Append blobs are preferred for scenarios like logging data from virtual machines.</a:t>
+            </a:r>
+          </a:p>
+          <a:p>
+            <a:pPr marL="857250" lvl="1" indent="-400050">
+              <a:buFont typeface="+mj-lt"/>
+              <a:buAutoNum type="romanLcPeriod"/>
+            </a:pPr>
+            <a:r>
+              <a:rPr lang="en-US" b="1" i="0" dirty="0">
+                <a:solidFill>
+                  <a:srgbClr val="000000"/>
+                </a:solidFill>
+                <a:effectLst/>
+                <a:latin typeface="multi-display"/>
+              </a:rPr>
+              <a:t>Page Blobs</a:t>
+            </a:r>
+            <a:endParaRPr lang="en-US" b="0" i="0" dirty="0">
+              <a:solidFill>
+                <a:srgbClr val="000000"/>
+              </a:solidFill>
+              <a:effectLst/>
+              <a:latin typeface="multi-display"/>
+            </a:endParaRPr>
+          </a:p>
+          <a:p>
+            <a:pPr lvl="2"/>
+            <a:r>
+              <a:rPr lang="en-US" b="0" i="0" dirty="0">
+                <a:solidFill>
+                  <a:srgbClr val="000000"/>
+                </a:solidFill>
+                <a:effectLst/>
+                <a:latin typeface="multi-display"/>
+              </a:rPr>
+              <a:t>Page Blobs store random access files ranging up to 8 TB in size: these blobs stock virtual hard drive (VHD) files and function as disks for Azure virtual machines. </a:t>
+            </a:r>
+          </a:p>
+          <a:p>
+            <a:pPr marL="342900" indent="-342900">
+              <a:buFont typeface="Arial" panose="020B0604020202020204" pitchFamily="34" charset="0"/>
+              <a:buChar char="•"/>
+            </a:pPr>
+            <a:endParaRPr lang="en-US" b="0" i="0" dirty="0">
+              <a:solidFill>
+                <a:srgbClr val="000000"/>
+              </a:solidFill>
+              <a:effectLst/>
+              <a:latin typeface="multi-display"/>
+            </a:endParaRPr>
+          </a:p>
+          <a:p>
+            <a:pPr lvl="2"/>
+            <a:endParaRPr lang="en-US" b="0" i="0" dirty="0">
+              <a:solidFill>
+                <a:srgbClr val="000000"/>
+              </a:solidFill>
+              <a:effectLst/>
+              <a:latin typeface="multi-display"/>
+            </a:endParaRPr>
+          </a:p>
+          <a:p>
+            <a:pPr lvl="2"/>
+            <a:endParaRPr lang="en-US" b="0" i="0" dirty="0">
+              <a:solidFill>
+                <a:srgbClr val="000000"/>
+              </a:solidFill>
+              <a:effectLst/>
+              <a:latin typeface="multi-display"/>
+            </a:endParaRPr>
+          </a:p>
+          <a:p>
+            <a:pPr marL="1200150" lvl="2" indent="-285750">
+              <a:buFont typeface="Arial" panose="020B0604020202020204" pitchFamily="34" charset="0"/>
+              <a:buChar char="•"/>
+            </a:pPr>
+            <a:endParaRPr lang="en-US" dirty="0">
+              <a:solidFill>
+                <a:srgbClr val="000000"/>
+              </a:solidFill>
+              <a:latin typeface="multi-display"/>
+            </a:endParaRPr>
+          </a:p>
+          <a:p>
+            <a:pPr marL="1200150" lvl="2" indent="-285750">
+              <a:buFont typeface="Arial" panose="020B0604020202020204" pitchFamily="34" charset="0"/>
+              <a:buChar char="•"/>
+            </a:pPr>
+            <a:endParaRPr lang="en-US" b="0" i="0" dirty="0">
+              <a:solidFill>
+                <a:srgbClr val="000000"/>
+              </a:solidFill>
+              <a:effectLst/>
+              <a:latin typeface="multi-display"/>
+            </a:endParaRPr>
+          </a:p>
+          <a:p>
+            <a:pPr marL="342900" indent="-342900">
+              <a:buFont typeface="Arial" panose="020B0604020202020204" pitchFamily="34" charset="0"/>
+              <a:buChar char="•"/>
+            </a:pPr>
+            <a:endParaRPr lang="en-IN" b="1" i="0" dirty="0">
+              <a:solidFill>
+                <a:srgbClr val="101010"/>
+              </a:solidFill>
+              <a:effectLst/>
+              <a:latin typeface="multi-display"/>
+            </a:endParaRPr>
+          </a:p>
+          <a:p>
+            <a:endParaRPr lang="en-IN" dirty="0"/>
+          </a:p>
+        </p:txBody>
+      </p:sp>
+    </p:spTree>
+    <p:extLst>
+      <p:ext uri="{BB962C8B-B14F-4D97-AF65-F5344CB8AC3E}">
+        <p14:creationId xmlns:p14="http://schemas.microsoft.com/office/powerpoint/2010/main" val="2620181118"/>
+      </p:ext>
+    </p:extLst>
+  </p:cSld>
+  <p:clrMapOvr>
+    <a:masterClrMapping/>
+  </p:clrMapOvr>
+</p:sld>
+</file>
+
+<file path=ppt/slides/slide7.xml><?xml version="1.0" encoding="utf-8"?>
+<p:sld xmlns:a="http://schemas.openxmlformats.org/drawingml/2006/main" xmlns:r="http://schemas.openxmlformats.org/officeDocument/2006/relationships" xmlns:p="http://schemas.openxmlformats.org/presentationml/2006/main">
+  <p:cSld>
+    <p:spTree>
+      <p:nvGrpSpPr>
+        <p:cNvPr id="1" name=""/>
+        <p:cNvGrpSpPr/>
+        <p:nvPr/>
+      </p:nvGrpSpPr>
+      <p:grpSpPr>
+        <a:xfrm>
+          <a:off x="0" y="0"/>
+          <a:ext cx="0" cy="0"/>
+          <a:chOff x="0" y="0"/>
+          <a:chExt cx="0" cy="0"/>
+        </a:xfrm>
+      </p:grpSpPr>
+      <p:sp>
+        <p:nvSpPr>
+          <p:cNvPr id="2" name="TextBox 1">
+            <a:extLst>
+              <a:ext uri="{FF2B5EF4-FFF2-40B4-BE49-F238E27FC236}">
+                <a16:creationId xmlns:a16="http://schemas.microsoft.com/office/drawing/2014/main" id="{62BEEC2E-4180-52BC-A924-468015C51B16}"/>
+              </a:ext>
+            </a:extLst>
+          </p:cNvPr>
+          <p:cNvSpPr txBox="1"/>
+          <p:nvPr/>
+        </p:nvSpPr>
+        <p:spPr>
+          <a:xfrm>
+            <a:off x="301841" y="381740"/>
+            <a:ext cx="11461072" cy="5909310"/>
+          </a:xfrm>
+          <a:prstGeom prst="rect">
+            <a:avLst/>
+          </a:prstGeom>
+          <a:noFill/>
+        </p:spPr>
+        <p:txBody>
+          <a:bodyPr wrap="square" rtlCol="0">
+            <a:spAutoFit/>
+          </a:bodyPr>
+          <a:lstStyle/>
+          <a:p>
+            <a:pPr marL="342900" indent="-342900">
+              <a:buFont typeface="Arial" panose="020B0604020202020204" pitchFamily="34" charset="0"/>
+              <a:buChar char="•"/>
+            </a:pPr>
+            <a:r>
+              <a:rPr lang="en-IN" b="1" i="0" dirty="0">
+                <a:solidFill>
+                  <a:srgbClr val="101010"/>
+                </a:solidFill>
+                <a:effectLst/>
+                <a:latin typeface="multi-display"/>
+              </a:rPr>
+              <a:t>Azure Blob Use Case</a:t>
+            </a:r>
+          </a:p>
+          <a:p>
+            <a:pPr marL="742950" lvl="1" indent="-285750">
+              <a:buFont typeface="Wingdings" panose="05000000000000000000" pitchFamily="2" charset="2"/>
+              <a:buChar char="v"/>
+            </a:pPr>
+            <a:r>
+              <a:rPr lang="en-US" b="0" i="0" dirty="0">
+                <a:solidFill>
+                  <a:srgbClr val="000000"/>
+                </a:solidFill>
+                <a:effectLst/>
+                <a:latin typeface="multi-display"/>
+              </a:rPr>
+              <a:t>Azure Blob Storage was designed to serve specific needs. If the business use case needs to store unstructured data like audio, video, images, etc., then you should probably go with this option. The objects which are being stored in Blob does not necessarily have an extension.</a:t>
+            </a:r>
+          </a:p>
+          <a:p>
+            <a:pPr marL="742950" lvl="1" indent="-285750">
+              <a:buFont typeface="Wingdings" panose="05000000000000000000" pitchFamily="2" charset="2"/>
+              <a:buChar char="v"/>
+            </a:pPr>
+            <a:r>
+              <a:rPr lang="en-US" b="0" i="0" dirty="0">
+                <a:solidFill>
+                  <a:srgbClr val="000000"/>
+                </a:solidFill>
+                <a:effectLst/>
+                <a:latin typeface="multi-display"/>
+              </a:rPr>
+              <a:t>Let us consider an amplified-reality gaming company. The game runs on every mobile platform without any criteria. The scenario here is to add a new feature that allows users to record video clips of their gameplay and further upload them to the servers. Users can either watch the clips directly in-game or through the game website. A log on every upload and viewing can be planned and maintained to benefit analytics and traceability.</a:t>
+            </a:r>
+          </a:p>
+          <a:p>
+            <a:pPr marL="742950" lvl="1" indent="-285750">
+              <a:buFont typeface="Wingdings" panose="05000000000000000000" pitchFamily="2" charset="2"/>
+              <a:buChar char="v"/>
+            </a:pPr>
+            <a:r>
+              <a:rPr lang="en-US" b="0" i="0" dirty="0">
+                <a:solidFill>
+                  <a:srgbClr val="000000"/>
+                </a:solidFill>
+                <a:effectLst/>
+                <a:latin typeface="multi-display"/>
+              </a:rPr>
+              <a:t>The user requirement would be a storage solution that can grip thousands of simultaneous uploads, a huge count of video data, and constantly growing log files. There is also a need for viewing functionality in all the mobile apps and website, so the user requires API access from multiple platforms and languages. Azure Blob storage could be an ideal solution for this application</a:t>
+            </a:r>
+          </a:p>
+          <a:p>
+            <a:pPr lvl="1"/>
+            <a:endParaRPr lang="en-US" b="0" i="0" dirty="0">
+              <a:solidFill>
+                <a:srgbClr val="000000"/>
+              </a:solidFill>
+              <a:effectLst/>
+              <a:latin typeface="multi-display"/>
+            </a:endParaRPr>
+          </a:p>
+          <a:p>
+            <a:pPr marL="285750" indent="-285750">
+              <a:buFont typeface="Arial" panose="020B0604020202020204" pitchFamily="34" charset="0"/>
+              <a:buChar char="•"/>
+            </a:pPr>
+            <a:r>
+              <a:rPr lang="en-IN" b="1" i="0" dirty="0">
+                <a:solidFill>
+                  <a:srgbClr val="101010"/>
+                </a:solidFill>
+                <a:effectLst/>
+                <a:latin typeface="multi-display"/>
+              </a:rPr>
+              <a:t>Azure Blob Pricing</a:t>
+            </a:r>
+          </a:p>
+          <a:p>
+            <a:pPr marL="857250" lvl="1" indent="-400050">
+              <a:buFont typeface="+mj-lt"/>
+              <a:buAutoNum type="romanLcPeriod"/>
+            </a:pPr>
+            <a:r>
+              <a:rPr lang="en-US" b="1" i="0" dirty="0">
+                <a:solidFill>
+                  <a:srgbClr val="000000"/>
+                </a:solidFill>
+                <a:effectLst/>
+                <a:latin typeface="multi-display"/>
+              </a:rPr>
+              <a:t>Hot</a:t>
+            </a:r>
+            <a:r>
+              <a:rPr lang="en-US" b="0" i="0" dirty="0">
+                <a:solidFill>
+                  <a:srgbClr val="000000"/>
+                </a:solidFill>
+                <a:effectLst/>
+                <a:latin typeface="multi-display"/>
+              </a:rPr>
+              <a:t>– Augmented for storing frequently accessed data.</a:t>
+            </a:r>
+          </a:p>
+          <a:p>
+            <a:pPr marL="857250" lvl="1" indent="-400050">
+              <a:buFont typeface="+mj-lt"/>
+              <a:buAutoNum type="romanLcPeriod"/>
+            </a:pPr>
+            <a:r>
+              <a:rPr lang="en-US" b="1" i="0" dirty="0">
+                <a:solidFill>
+                  <a:srgbClr val="000000"/>
+                </a:solidFill>
+                <a:effectLst/>
+                <a:latin typeface="multi-display"/>
+              </a:rPr>
+              <a:t>Cool</a:t>
+            </a:r>
+            <a:r>
+              <a:rPr lang="en-US" b="0" i="0" dirty="0">
+                <a:solidFill>
+                  <a:srgbClr val="000000"/>
+                </a:solidFill>
+                <a:effectLst/>
+                <a:latin typeface="multi-display"/>
+              </a:rPr>
+              <a:t>– Optimized for storing less frequently accessed data, and the storage period lasts for at least 30 days.</a:t>
+            </a:r>
+          </a:p>
+          <a:p>
+            <a:pPr marL="857250" lvl="1" indent="-400050">
+              <a:buFont typeface="+mj-lt"/>
+              <a:buAutoNum type="romanLcPeriod"/>
+            </a:pPr>
+            <a:r>
+              <a:rPr lang="en-US" b="1" i="0" dirty="0">
+                <a:solidFill>
+                  <a:srgbClr val="000000"/>
+                </a:solidFill>
+                <a:effectLst/>
+                <a:latin typeface="multi-display"/>
+              </a:rPr>
+              <a:t>Archive</a:t>
+            </a:r>
+            <a:r>
+              <a:rPr lang="en-US" b="0" i="0" dirty="0">
+                <a:solidFill>
+                  <a:srgbClr val="000000"/>
+                </a:solidFill>
+                <a:effectLst/>
+                <a:latin typeface="multi-display"/>
+              </a:rPr>
+              <a:t>– Enhanced for storing rarely accessed data and the storage period lasts for at least 180 days with flexible latency requirements</a:t>
+            </a:r>
+          </a:p>
+          <a:p>
+            <a:pPr marL="857250" lvl="1" indent="-400050">
+              <a:buFont typeface="+mj-lt"/>
+              <a:buAutoNum type="romanLcPeriod"/>
+            </a:pPr>
+            <a:endParaRPr lang="en-IN" b="1" i="0" dirty="0">
+              <a:solidFill>
+                <a:srgbClr val="101010"/>
+              </a:solidFill>
+              <a:effectLst/>
+              <a:latin typeface="multi-display"/>
+            </a:endParaRPr>
+          </a:p>
+          <a:p>
+            <a:pPr marL="285750" indent="-285750" algn="l">
+              <a:buFont typeface="Arial" panose="020B0604020202020204" pitchFamily="34" charset="0"/>
+              <a:buChar char="•"/>
+            </a:pPr>
+            <a:endParaRPr lang="en-US" b="0" i="0" dirty="0">
+              <a:solidFill>
+                <a:srgbClr val="000000"/>
+              </a:solidFill>
+              <a:effectLst/>
+              <a:latin typeface="multi-display"/>
+            </a:endParaRPr>
+          </a:p>
+          <a:p>
+            <a:endParaRPr lang="en-IN" dirty="0"/>
+          </a:p>
+        </p:txBody>
+      </p:sp>
+    </p:spTree>
+    <p:extLst>
+      <p:ext uri="{BB962C8B-B14F-4D97-AF65-F5344CB8AC3E}">
+        <p14:creationId xmlns:p14="http://schemas.microsoft.com/office/powerpoint/2010/main" val="2022443549"/>
+      </p:ext>
+    </p:extLst>
+  </p:cSld>
+  <p:clrMapOvr>
+    <a:masterClrMapping/>
+  </p:clrMapOvr>
+</p:sld>
+</file>
+
+<file path=ppt/slides/slide8.xml><?xml version="1.0" encoding="utf-8"?>
+<p:sld xmlns:a="http://schemas.openxmlformats.org/drawingml/2006/main" xmlns:r="http://schemas.openxmlformats.org/officeDocument/2006/relationships" xmlns:p="http://schemas.openxmlformats.org/presentationml/2006/main">
+  <p:cSld>
+    <p:spTree>
+      <p:nvGrpSpPr>
+        <p:cNvPr id="1" name=""/>
+        <p:cNvGrpSpPr/>
+        <p:nvPr/>
+      </p:nvGrpSpPr>
+      <p:grpSpPr>
+        <a:xfrm>
+          <a:off x="0" y="0"/>
+          <a:ext cx="0" cy="0"/>
+          <a:chOff x="0" y="0"/>
+          <a:chExt cx="0" cy="0"/>
+        </a:xfrm>
+      </p:grpSpPr>
+      <p:sp>
+        <p:nvSpPr>
+          <p:cNvPr id="2" name="TextBox 1">
+            <a:extLst>
+              <a:ext uri="{FF2B5EF4-FFF2-40B4-BE49-F238E27FC236}">
+                <a16:creationId xmlns:a16="http://schemas.microsoft.com/office/drawing/2014/main" id="{7910B7F4-6456-C8BE-9C83-5B03F8107B31}"/>
+              </a:ext>
+            </a:extLst>
+          </p:cNvPr>
+          <p:cNvSpPr txBox="1"/>
+          <p:nvPr/>
+        </p:nvSpPr>
+        <p:spPr>
+          <a:xfrm>
+            <a:off x="294442" y="142043"/>
+            <a:ext cx="11603115" cy="6755696"/>
+          </a:xfrm>
+          <a:prstGeom prst="rect">
+            <a:avLst/>
+          </a:prstGeom>
+          <a:noFill/>
+        </p:spPr>
+        <p:txBody>
+          <a:bodyPr wrap="square" rtlCol="0">
+            <a:spAutoFit/>
+          </a:bodyPr>
+          <a:lstStyle/>
+          <a:p>
+            <a:r>
+              <a:rPr lang="en-IN" sz="2500" i="0" u="sng" dirty="0">
+                <a:effectLst/>
+                <a:latin typeface="Arial" panose="020B0604020202020204" pitchFamily="34" charset="0"/>
+              </a:rPr>
+              <a:t>Azure Key Vault</a:t>
+            </a:r>
+          </a:p>
+          <a:p>
+            <a:pPr marL="285750" indent="-285750">
+              <a:buFont typeface="Arial" panose="020B0604020202020204" pitchFamily="34" charset="0"/>
+              <a:buChar char="•"/>
+            </a:pPr>
+            <a:endParaRPr lang="en-IN" u="sng" dirty="0">
+              <a:latin typeface="Arial" panose="020B0604020202020204" pitchFamily="34" charset="0"/>
+            </a:endParaRPr>
+          </a:p>
+          <a:p>
+            <a:pPr marL="285750" indent="-285750" algn="l">
+              <a:buFont typeface="Arial" panose="020B0604020202020204" pitchFamily="34" charset="0"/>
+              <a:buChar char="•"/>
+            </a:pPr>
+            <a:r>
+              <a:rPr lang="en-US" sz="1600" b="0" i="0" dirty="0">
+                <a:effectLst/>
+                <a:latin typeface="Arial" panose="020B0604020202020204" pitchFamily="34" charset="0"/>
+              </a:rPr>
+              <a:t>It provides a secure and centralized storage solution for </a:t>
+            </a:r>
+            <a:r>
+              <a:rPr lang="en-US" sz="1600" b="0" i="0" dirty="0">
+                <a:effectLst/>
+                <a:latin typeface="Arial" panose="020B0604020202020204" pitchFamily="34" charset="0"/>
+                <a:hlinkClick r:id="rId2">
+                  <a:extLst>
+                    <a:ext uri="{A12FA001-AC4F-418D-AE19-62706E023703}">
+                      <ahyp:hlinkClr xmlns:ahyp="http://schemas.microsoft.com/office/drawing/2018/hyperlinkcolor" val="tx"/>
+                    </a:ext>
+                  </a:extLst>
+                </a:hlinkClick>
+              </a:rPr>
+              <a:t>cryptographic</a:t>
+            </a:r>
+            <a:r>
+              <a:rPr lang="en-US" sz="1600" b="0" i="0" dirty="0">
+                <a:effectLst/>
+                <a:latin typeface="Arial" panose="020B0604020202020204" pitchFamily="34" charset="0"/>
+              </a:rPr>
+              <a:t> </a:t>
+            </a:r>
+            <a:r>
+              <a:rPr lang="en-US" sz="1600" b="0" i="0" dirty="0">
+                <a:effectLst/>
+                <a:latin typeface="Arial" panose="020B0604020202020204" pitchFamily="34" charset="0"/>
+                <a:hlinkClick r:id="rId3">
+                  <a:extLst>
+                    <a:ext uri="{A12FA001-AC4F-418D-AE19-62706E023703}">
+                      <ahyp:hlinkClr xmlns:ahyp="http://schemas.microsoft.com/office/drawing/2018/hyperlinkcolor" val="tx"/>
+                    </a:ext>
+                  </a:extLst>
+                </a:hlinkClick>
+              </a:rPr>
+              <a:t>keys</a:t>
+            </a:r>
+            <a:r>
+              <a:rPr lang="en-US" sz="1600" b="0" i="0" dirty="0">
+                <a:effectLst/>
+                <a:latin typeface="Arial" panose="020B0604020202020204" pitchFamily="34" charset="0"/>
+              </a:rPr>
+              <a:t> and </a:t>
+            </a:r>
+            <a:r>
+              <a:rPr lang="en-US" sz="1600" b="0" i="0" u="sng" dirty="0">
+                <a:effectLst/>
+                <a:latin typeface="Arial" panose="020B0604020202020204" pitchFamily="34" charset="0"/>
+                <a:hlinkClick r:id="rId4">
+                  <a:extLst>
+                    <a:ext uri="{A12FA001-AC4F-418D-AE19-62706E023703}">
+                      <ahyp:hlinkClr xmlns:ahyp="http://schemas.microsoft.com/office/drawing/2018/hyperlinkcolor" val="tx"/>
+                    </a:ext>
+                  </a:extLst>
+                </a:hlinkClick>
+              </a:rPr>
+              <a:t>secrets</a:t>
+            </a:r>
+            <a:r>
+              <a:rPr lang="en-US" sz="1600" b="0" i="0" dirty="0">
+                <a:effectLst/>
+                <a:latin typeface="Arial" panose="020B0604020202020204" pitchFamily="34" charset="0"/>
+              </a:rPr>
+              <a:t>, such as </a:t>
+            </a:r>
+            <a:r>
+              <a:rPr lang="en-US" sz="1600" b="0" i="0" u="sng" dirty="0">
+                <a:effectLst/>
+                <a:latin typeface="Arial" panose="020B0604020202020204" pitchFamily="34" charset="0"/>
+                <a:hlinkClick r:id="rId5">
+                  <a:extLst>
+                    <a:ext uri="{A12FA001-AC4F-418D-AE19-62706E023703}">
+                      <ahyp:hlinkClr xmlns:ahyp="http://schemas.microsoft.com/office/drawing/2018/hyperlinkcolor" val="tx"/>
+                    </a:ext>
+                  </a:extLst>
+                </a:hlinkClick>
+              </a:rPr>
+              <a:t>passwords</a:t>
+            </a:r>
+            <a:r>
+              <a:rPr lang="en-US" sz="1600" b="0" i="0" dirty="0">
+                <a:effectLst/>
+                <a:latin typeface="Arial" panose="020B0604020202020204" pitchFamily="34" charset="0"/>
+              </a:rPr>
+              <a:t>, certificates and keys used for </a:t>
+            </a:r>
+            <a:r>
+              <a:rPr lang="en-US" sz="1600" b="0" i="0" u="sng" dirty="0">
+                <a:effectLst/>
+                <a:latin typeface="Arial" panose="020B0604020202020204" pitchFamily="34" charset="0"/>
+                <a:hlinkClick r:id="rId6">
+                  <a:extLst>
+                    <a:ext uri="{A12FA001-AC4F-418D-AE19-62706E023703}">
+                      <ahyp:hlinkClr xmlns:ahyp="http://schemas.microsoft.com/office/drawing/2018/hyperlinkcolor" val="tx"/>
+                    </a:ext>
+                  </a:extLst>
+                </a:hlinkClick>
+              </a:rPr>
+              <a:t>encryption</a:t>
+            </a:r>
+            <a:r>
+              <a:rPr lang="en-US" sz="1600" b="0" i="0" dirty="0">
+                <a:effectLst/>
+                <a:latin typeface="Arial" panose="020B0604020202020204" pitchFamily="34" charset="0"/>
+              </a:rPr>
+              <a:t>.</a:t>
+            </a:r>
+          </a:p>
+          <a:p>
+            <a:pPr marL="285750" indent="-285750" algn="l">
+              <a:buFont typeface="Arial" panose="020B0604020202020204" pitchFamily="34" charset="0"/>
+              <a:buChar char="•"/>
+            </a:pPr>
+            <a:r>
+              <a:rPr lang="en-US" sz="1600" b="0" i="0" dirty="0">
+                <a:effectLst/>
+                <a:latin typeface="Arial" panose="020B0604020202020204" pitchFamily="34" charset="0"/>
+              </a:rPr>
+              <a:t>Azure Key Vault allows organizations to securely store and manage sensitive information, such as application secrets and cryptographic keys, in a way that is easily accessible to authorized users and applications. This allows organizations to enhance their IT security and reduce the risk of </a:t>
+            </a:r>
+            <a:r>
+              <a:rPr lang="en-US" sz="1600" b="0" i="0" u="sng" dirty="0">
+                <a:effectLst/>
+                <a:latin typeface="Arial" panose="020B0604020202020204" pitchFamily="34" charset="0"/>
+                <a:hlinkClick r:id="rId7">
+                  <a:extLst>
+                    <a:ext uri="{A12FA001-AC4F-418D-AE19-62706E023703}">
+                      <ahyp:hlinkClr xmlns:ahyp="http://schemas.microsoft.com/office/drawing/2018/hyperlinkcolor" val="tx"/>
+                    </a:ext>
+                  </a:extLst>
+                </a:hlinkClick>
+              </a:rPr>
+              <a:t>data breaches</a:t>
+            </a:r>
+            <a:r>
+              <a:rPr lang="en-US" sz="1600" b="0" i="0" dirty="0">
+                <a:effectLst/>
+                <a:latin typeface="Arial" panose="020B0604020202020204" pitchFamily="34" charset="0"/>
+              </a:rPr>
+              <a:t>.</a:t>
+            </a:r>
+          </a:p>
+          <a:p>
+            <a:pPr marL="285750" indent="-285750" algn="l">
+              <a:buFont typeface="Arial" panose="020B0604020202020204" pitchFamily="34" charset="0"/>
+              <a:buChar char="•"/>
+            </a:pPr>
+            <a:r>
+              <a:rPr lang="en-US" sz="1600" b="0" i="0" dirty="0">
+                <a:effectLst/>
+                <a:latin typeface="Arial" panose="020B0604020202020204" pitchFamily="34" charset="0"/>
+              </a:rPr>
+              <a:t>Azure Key Vault supports several </a:t>
+            </a:r>
+            <a:r>
+              <a:rPr lang="en-US" sz="1600" b="0" i="0" u="sng" dirty="0">
+                <a:effectLst/>
+                <a:latin typeface="Arial" panose="020B0604020202020204" pitchFamily="34" charset="0"/>
+                <a:hlinkClick r:id="rId8">
+                  <a:extLst>
+                    <a:ext uri="{A12FA001-AC4F-418D-AE19-62706E023703}">
+                      <ahyp:hlinkClr xmlns:ahyp="http://schemas.microsoft.com/office/drawing/2018/hyperlinkcolor" val="tx"/>
+                    </a:ext>
+                  </a:extLst>
+                </a:hlinkClick>
+              </a:rPr>
+              <a:t>key management</a:t>
+            </a:r>
+            <a:r>
+              <a:rPr lang="en-US" sz="1600" b="0" i="0" dirty="0">
+                <a:effectLst/>
+                <a:latin typeface="Arial" panose="020B0604020202020204" pitchFamily="34" charset="0"/>
+              </a:rPr>
+              <a:t> scenarios:</a:t>
+            </a:r>
+          </a:p>
+          <a:p>
+            <a:pPr marL="857250" lvl="1" indent="-400050">
+              <a:buFont typeface="+mj-lt"/>
+              <a:buAutoNum type="romanLcPeriod"/>
+            </a:pPr>
+            <a:r>
+              <a:rPr lang="en-US" sz="1600" b="1" i="0" dirty="0">
+                <a:effectLst/>
+                <a:latin typeface="Arial" panose="020B0604020202020204" pitchFamily="34" charset="0"/>
+              </a:rPr>
+              <a:t>Generation.</a:t>
+            </a:r>
+            <a:r>
+              <a:rPr lang="en-US" sz="1600" b="0" i="0" dirty="0">
+                <a:effectLst/>
+                <a:latin typeface="Arial" panose="020B0604020202020204" pitchFamily="34" charset="0"/>
+              </a:rPr>
+              <a:t> Azure Key Vault can generate and manage cryptographic keys.</a:t>
+            </a:r>
+          </a:p>
+          <a:p>
+            <a:pPr marL="857250" lvl="1" indent="-400050">
+              <a:buFont typeface="+mj-lt"/>
+              <a:buAutoNum type="romanLcPeriod"/>
+            </a:pPr>
+            <a:r>
+              <a:rPr lang="en-US" sz="1600" b="1" i="0" dirty="0">
+                <a:effectLst/>
+                <a:latin typeface="Arial" panose="020B0604020202020204" pitchFamily="34" charset="0"/>
+              </a:rPr>
+              <a:t>Storage</a:t>
+            </a:r>
+            <a:r>
+              <a:rPr lang="en-US" sz="1600" b="0" i="0" dirty="0">
+                <a:effectLst/>
+                <a:latin typeface="Arial" panose="020B0604020202020204" pitchFamily="34" charset="0"/>
+              </a:rPr>
+              <a:t>. Azure Key Vault can store cryptographic keys and secrets, such as passwords and certificates, in a secure and centralized location.</a:t>
+            </a:r>
+          </a:p>
+          <a:p>
+            <a:pPr marL="857250" lvl="1" indent="-400050">
+              <a:buFont typeface="+mj-lt"/>
+              <a:buAutoNum type="romanLcPeriod"/>
+            </a:pPr>
+            <a:r>
+              <a:rPr lang="en-US" sz="1600" b="1" i="0" dirty="0">
+                <a:effectLst/>
+                <a:latin typeface="Arial" panose="020B0604020202020204" pitchFamily="34" charset="0"/>
+              </a:rPr>
+              <a:t>Encryption</a:t>
+            </a:r>
+            <a:r>
+              <a:rPr lang="en-US" sz="1600" b="0" i="0" dirty="0">
+                <a:effectLst/>
+                <a:latin typeface="Arial" panose="020B0604020202020204" pitchFamily="34" charset="0"/>
+              </a:rPr>
+              <a:t>. Data can be encrypted and decrypted using the cryptographic keys stored in the service.</a:t>
+            </a:r>
+          </a:p>
+          <a:p>
+            <a:pPr marL="857250" lvl="1" indent="-400050">
+              <a:buFont typeface="+mj-lt"/>
+              <a:buAutoNum type="romanLcPeriod"/>
+            </a:pPr>
+            <a:r>
+              <a:rPr lang="en-US" sz="1600" b="1" i="0" dirty="0">
+                <a:effectLst/>
+                <a:latin typeface="Arial" panose="020B0604020202020204" pitchFamily="34" charset="0"/>
+              </a:rPr>
+              <a:t>Management.</a:t>
+            </a:r>
+            <a:r>
+              <a:rPr lang="en-US" sz="1600" b="0" i="0" dirty="0">
+                <a:effectLst/>
+                <a:latin typeface="Arial" panose="020B0604020202020204" pitchFamily="34" charset="0"/>
+              </a:rPr>
+              <a:t> Azure Key Vault provides a centralized and auditable way to manage keys and secrets, including the ability to set access policies, track usage and rotate keys.</a:t>
+            </a:r>
+            <a:endParaRPr lang="en-IN" i="0" u="sng" dirty="0">
+              <a:effectLst/>
+              <a:latin typeface="Arial" panose="020B0604020202020204" pitchFamily="34" charset="0"/>
+            </a:endParaRPr>
+          </a:p>
+          <a:p>
+            <a:pPr marL="285750" indent="-285750">
+              <a:buFont typeface="Arial" panose="020B0604020202020204" pitchFamily="34" charset="0"/>
+              <a:buChar char="•"/>
+            </a:pPr>
+            <a:r>
+              <a:rPr lang="en-US" sz="1600" dirty="0">
+                <a:latin typeface="Arial" panose="020B0604020202020204" pitchFamily="34" charset="0"/>
+              </a:rPr>
+              <a:t>T</a:t>
+            </a:r>
+            <a:r>
+              <a:rPr lang="en-US" sz="1600" i="0" dirty="0">
+                <a:effectLst/>
+                <a:latin typeface="Arial" panose="020B0604020202020204" pitchFamily="34" charset="0"/>
+              </a:rPr>
+              <a:t>he Benefits of using Azure Key Vault for key management:</a:t>
+            </a:r>
+          </a:p>
+          <a:p>
+            <a:pPr marL="857250" lvl="1" indent="-400050">
+              <a:buFont typeface="+mj-lt"/>
+              <a:buAutoNum type="romanLcPeriod"/>
+            </a:pPr>
+            <a:r>
+              <a:rPr lang="en-US" sz="1600" i="0" dirty="0">
+                <a:effectLst/>
+                <a:latin typeface="Arial" panose="020B0604020202020204" pitchFamily="34" charset="0"/>
+              </a:rPr>
+              <a:t>Safe centralized storage of keys</a:t>
+            </a:r>
+            <a:endParaRPr lang="en-US" sz="1600" dirty="0">
+              <a:latin typeface="Arial" panose="020B0604020202020204" pitchFamily="34" charset="0"/>
+            </a:endParaRPr>
+          </a:p>
+          <a:p>
+            <a:pPr marL="857250" lvl="1" indent="-400050">
+              <a:buFont typeface="+mj-lt"/>
+              <a:buAutoNum type="romanLcPeriod"/>
+            </a:pPr>
+            <a:r>
+              <a:rPr lang="en-IN" sz="1600" i="0" dirty="0">
+                <a:effectLst/>
+                <a:latin typeface="Arial" panose="020B0604020202020204" pitchFamily="34" charset="0"/>
+              </a:rPr>
+              <a:t>Key management</a:t>
+            </a:r>
+            <a:endParaRPr lang="en-US" sz="1600" i="0" dirty="0">
+              <a:effectLst/>
+              <a:latin typeface="Arial" panose="020B0604020202020204" pitchFamily="34" charset="0"/>
+            </a:endParaRPr>
+          </a:p>
+          <a:p>
+            <a:pPr marL="857250" lvl="1" indent="-400050">
+              <a:buFont typeface="+mj-lt"/>
+              <a:buAutoNum type="romanLcPeriod"/>
+            </a:pPr>
+            <a:r>
+              <a:rPr lang="en-US" sz="1600" i="0" dirty="0">
+                <a:effectLst/>
+                <a:latin typeface="Arial" panose="020B0604020202020204" pitchFamily="34" charset="0"/>
+              </a:rPr>
+              <a:t>Added protection for other Azure services</a:t>
+            </a:r>
+            <a:endParaRPr lang="en-US" sz="1600" dirty="0">
+              <a:latin typeface="Arial" panose="020B0604020202020204" pitchFamily="34" charset="0"/>
+            </a:endParaRPr>
+          </a:p>
+          <a:p>
+            <a:pPr marL="857250" lvl="1" indent="-400050">
+              <a:buFont typeface="+mj-lt"/>
+              <a:buAutoNum type="romanLcPeriod"/>
+            </a:pPr>
+            <a:r>
+              <a:rPr lang="en-IN" sz="1600" i="0" dirty="0">
+                <a:effectLst/>
+                <a:latin typeface="Arial" panose="020B0604020202020204" pitchFamily="34" charset="0"/>
+              </a:rPr>
+              <a:t>Compliance with regulations</a:t>
+            </a:r>
+            <a:endParaRPr lang="en-IN" sz="1600" i="0" u="sng" dirty="0">
+              <a:effectLst/>
+              <a:latin typeface="Arial" panose="020B0604020202020204" pitchFamily="34" charset="0"/>
+            </a:endParaRPr>
+          </a:p>
+          <a:p>
+            <a:pPr marL="285750" indent="-285750" algn="l">
+              <a:buFont typeface="Arial" panose="020B0604020202020204" pitchFamily="34" charset="0"/>
+              <a:buChar char="•"/>
+            </a:pPr>
+            <a:r>
+              <a:rPr lang="en-US" sz="1600" b="0" i="0" dirty="0">
+                <a:effectLst/>
+                <a:latin typeface="Arial" panose="020B0604020202020204" pitchFamily="34" charset="0"/>
+              </a:rPr>
+              <a:t>The pricing is divided into two components:</a:t>
+            </a:r>
+          </a:p>
+          <a:p>
+            <a:pPr marL="857250" lvl="1" indent="-400050">
+              <a:buFont typeface="+mj-lt"/>
+              <a:buAutoNum type="romanLcPeriod"/>
+            </a:pPr>
+            <a:r>
+              <a:rPr lang="en-US" sz="1600" b="1" i="0" dirty="0">
+                <a:effectLst/>
+                <a:latin typeface="Arial" panose="020B0604020202020204" pitchFamily="34" charset="0"/>
+              </a:rPr>
+              <a:t>Requests</a:t>
+            </a:r>
+            <a:r>
+              <a:rPr lang="en-US" sz="1600" b="0" i="0" dirty="0">
+                <a:effectLst/>
+                <a:latin typeface="Arial" panose="020B0604020202020204" pitchFamily="34" charset="0"/>
+              </a:rPr>
+              <a:t>. Azure Key Vault's price is based on the number of requests made to the service, such as creating and accessing keys, secrets and certificates. Requests are charged on a per-operation basis, and the price varies depending on the volume of requests made.</a:t>
+            </a:r>
+          </a:p>
+          <a:p>
+            <a:pPr marL="857250" lvl="1" indent="-400050">
+              <a:buFont typeface="+mj-lt"/>
+              <a:buAutoNum type="romanLcPeriod"/>
+            </a:pPr>
+            <a:r>
+              <a:rPr lang="en-US" sz="1600" b="1" i="0" dirty="0">
+                <a:effectLst/>
+                <a:latin typeface="Arial" panose="020B0604020202020204" pitchFamily="34" charset="0"/>
+              </a:rPr>
+              <a:t>Storage.</a:t>
+            </a:r>
+            <a:r>
+              <a:rPr lang="en-US" sz="1600" b="0" i="0" dirty="0">
+                <a:effectLst/>
+                <a:latin typeface="Arial" panose="020B0604020202020204" pitchFamily="34" charset="0"/>
+              </a:rPr>
+              <a:t> Azure Key Vault is also priced based on the amount of storage used for keys and secrets. The price for storage varies based on the volume of stored data.</a:t>
+            </a:r>
+          </a:p>
+          <a:p>
+            <a:pPr marL="285750" indent="-285750">
+              <a:buFont typeface="Arial" panose="020B0604020202020204" pitchFamily="34" charset="0"/>
+              <a:buChar char="•"/>
+            </a:pPr>
+            <a:endParaRPr lang="en-IN" dirty="0"/>
+          </a:p>
+        </p:txBody>
+      </p:sp>
+    </p:spTree>
+    <p:extLst>
+      <p:ext uri="{BB962C8B-B14F-4D97-AF65-F5344CB8AC3E}">
+        <p14:creationId xmlns:p14="http://schemas.microsoft.com/office/powerpoint/2010/main" val="2505085302"/>
+      </p:ext>
+    </p:extLst>
+  </p:cSld>
+  <p:clrMapOvr>
+    <a:masterClrMapping/>
+  </p:clrMapOvr>
+</p:sld>
+</file>
+
+<file path=ppt/slides/slide9.xml><?xml version="1.0" encoding="utf-8"?>
+<p:sld xmlns:a="http://schemas.openxmlformats.org/drawingml/2006/main" xmlns:r="http://schemas.openxmlformats.org/officeDocument/2006/relationships" xmlns:p="http://schemas.openxmlformats.org/presentationml/2006/main">
+  <p:cSld>
+    <p:spTree>
+      <p:nvGrpSpPr>
+        <p:cNvPr id="1" name=""/>
+        <p:cNvGrpSpPr/>
+        <p:nvPr/>
+      </p:nvGrpSpPr>
+      <p:grpSpPr>
+        <a:xfrm>
+          <a:off x="0" y="0"/>
+          <a:ext cx="0" cy="0"/>
+          <a:chOff x="0" y="0"/>
+          <a:chExt cx="0" cy="0"/>
+        </a:xfrm>
+      </p:grpSpPr>
+      <p:sp>
+        <p:nvSpPr>
+          <p:cNvPr id="2" name="TextBox 1">
+            <a:extLst>
+              <a:ext uri="{FF2B5EF4-FFF2-40B4-BE49-F238E27FC236}">
+                <a16:creationId xmlns:a16="http://schemas.microsoft.com/office/drawing/2014/main" id="{90795F24-946C-C77E-B75C-816093162D2C}"/>
+              </a:ext>
+            </a:extLst>
+          </p:cNvPr>
+          <p:cNvSpPr txBox="1"/>
+          <p:nvPr/>
+        </p:nvSpPr>
+        <p:spPr>
+          <a:xfrm>
+            <a:off x="298881" y="159798"/>
+            <a:ext cx="11594237" cy="6801862"/>
+          </a:xfrm>
+          <a:prstGeom prst="rect">
+            <a:avLst/>
+          </a:prstGeom>
+          <a:noFill/>
+        </p:spPr>
+        <p:txBody>
+          <a:bodyPr wrap="square" rtlCol="0">
+            <a:spAutoFit/>
+          </a:bodyPr>
+          <a:lstStyle/>
+          <a:p>
+            <a:r>
+              <a:rPr lang="en-US" sz="2500" u="sng" dirty="0"/>
+              <a:t>Cosmos DB</a:t>
+            </a:r>
+          </a:p>
+          <a:p>
+            <a:endParaRPr lang="en-US" sz="2500" u="sng" dirty="0"/>
+          </a:p>
+          <a:p>
+            <a:pPr marL="285750" indent="-285750">
+              <a:buFont typeface="Arial" panose="020B0604020202020204" pitchFamily="34" charset="0"/>
+              <a:buChar char="•"/>
+            </a:pPr>
+            <a:r>
+              <a:rPr lang="en-IN" sz="1600" b="0" i="0" dirty="0">
+                <a:solidFill>
+                  <a:srgbClr val="333333"/>
+                </a:solidFill>
+                <a:effectLst/>
+                <a:latin typeface="inter-regular"/>
+              </a:rPr>
+              <a:t>Azure Cosmos DB is a NoSQL data store</a:t>
+            </a:r>
+            <a:r>
+              <a:rPr lang="en-US" sz="1600" b="0" i="0" dirty="0">
+                <a:solidFill>
+                  <a:srgbClr val="333333"/>
+                </a:solidFill>
+                <a:effectLst/>
+                <a:latin typeface="inter-regular"/>
+              </a:rPr>
+              <a:t>.</a:t>
+            </a:r>
+          </a:p>
+          <a:p>
+            <a:pPr marL="285750" indent="-285750">
+              <a:buFont typeface="Arial" panose="020B0604020202020204" pitchFamily="34" charset="0"/>
+              <a:buChar char="•"/>
+            </a:pPr>
+            <a:r>
+              <a:rPr lang="en-US" sz="1600" b="0" i="0" dirty="0">
+                <a:solidFill>
+                  <a:srgbClr val="2F353E"/>
+                </a:solidFill>
+                <a:effectLst/>
+                <a:latin typeface="Rubik"/>
+              </a:rPr>
+              <a:t>It can </a:t>
+            </a:r>
+            <a:r>
+              <a:rPr lang="en-US" sz="1600" b="0" i="0" u="sng" dirty="0">
+                <a:effectLst/>
+                <a:latin typeface="Rubik"/>
+                <a:hlinkClick r:id="rId2"/>
+              </a:rPr>
+              <a:t>support multiple data models</a:t>
+            </a:r>
+            <a:r>
+              <a:rPr lang="en-US" sz="1600" b="0" i="0" dirty="0">
+                <a:solidFill>
+                  <a:srgbClr val="2F353E"/>
+                </a:solidFill>
+                <a:effectLst/>
+                <a:latin typeface="Rubik"/>
+              </a:rPr>
+              <a:t> using one backend. This means that it can be used for document, key value, relational, and graph models.</a:t>
+            </a:r>
+            <a:endParaRPr lang="en-US" sz="1600" dirty="0">
+              <a:solidFill>
+                <a:srgbClr val="333333"/>
+              </a:solidFill>
+              <a:latin typeface="inter-regular"/>
+            </a:endParaRPr>
+          </a:p>
+          <a:p>
+            <a:pPr marL="285750" indent="-285750">
+              <a:buFont typeface="Arial" panose="020B0604020202020204" pitchFamily="34" charset="0"/>
+              <a:buChar char="•"/>
+            </a:pPr>
+            <a:r>
+              <a:rPr lang="en-US" sz="1600" b="0" i="0" dirty="0">
+                <a:solidFill>
+                  <a:srgbClr val="2F353E"/>
+                </a:solidFill>
+                <a:effectLst/>
+                <a:latin typeface="Rubik"/>
+              </a:rPr>
+              <a:t>However, because it uses query language similar to SQL and can easily support </a:t>
+            </a:r>
+            <a:r>
+              <a:rPr lang="en-US" sz="1600" b="0" i="0" u="sng" dirty="0">
+                <a:effectLst/>
+                <a:latin typeface="Rubik"/>
+                <a:hlinkClick r:id="rId3"/>
+              </a:rPr>
+              <a:t>ACID transactions</a:t>
+            </a:r>
+            <a:r>
+              <a:rPr lang="en-US" sz="1600" b="0" i="0" u="sng" dirty="0">
+                <a:effectLst/>
+                <a:latin typeface="Rubik"/>
+              </a:rPr>
+              <a:t>.</a:t>
+            </a:r>
+          </a:p>
+          <a:p>
+            <a:pPr marL="285750" indent="-285750">
+              <a:buFont typeface="Arial" panose="020B0604020202020204" pitchFamily="34" charset="0"/>
+              <a:buChar char="•"/>
+            </a:pPr>
+            <a:r>
+              <a:rPr lang="en-US" sz="1600" b="0" i="0" dirty="0">
+                <a:solidFill>
+                  <a:srgbClr val="2F353E"/>
+                </a:solidFill>
+                <a:effectLst/>
+                <a:latin typeface="Rubik"/>
+              </a:rPr>
+              <a:t>What Problem Does It Solve?</a:t>
+            </a:r>
+          </a:p>
+          <a:p>
+            <a:r>
+              <a:rPr lang="en-IN" sz="1600" dirty="0"/>
+              <a:t>	</a:t>
+            </a:r>
+            <a:r>
+              <a:rPr lang="en-US" sz="1600" b="0" i="0" dirty="0">
+                <a:solidFill>
+                  <a:srgbClr val="2F353E"/>
+                </a:solidFill>
+                <a:effectLst/>
+                <a:latin typeface="Rubik"/>
+              </a:rPr>
+              <a:t> It will help any enterprise establish a flexible database that would help them meet their business needs. But it is especially useful for companies that are looking for a database system that is scalable and globally distributed. Globally distributed means that all resources are partitioned horizontally in every region of the world, as well as replicated across different geographical areas. That means latency is at a minimum, and your users have a faster, seamless experience. Azure Cosmos DB offers 99.99% availability.</a:t>
+            </a:r>
+          </a:p>
+          <a:p>
+            <a:pPr marL="285750" indent="-285750">
+              <a:buFont typeface="Arial" panose="020B0604020202020204" pitchFamily="34" charset="0"/>
+              <a:buChar char="•"/>
+            </a:pPr>
+            <a:r>
+              <a:rPr lang="en-IN" sz="1600" b="0" i="0" dirty="0">
+                <a:effectLst/>
+                <a:latin typeface="erdana"/>
+              </a:rPr>
+              <a:t>Advantages of Cosmos DB</a:t>
+            </a:r>
+          </a:p>
+          <a:p>
+            <a:pPr marL="857250" lvl="1" indent="-400050">
+              <a:buFont typeface="+mj-lt"/>
+              <a:buAutoNum type="romanLcPeriod"/>
+            </a:pPr>
+            <a:r>
+              <a:rPr lang="en-IN" sz="1600" i="0" dirty="0">
+                <a:solidFill>
+                  <a:srgbClr val="000000"/>
+                </a:solidFill>
+                <a:effectLst/>
+                <a:latin typeface="inter-bold"/>
+              </a:rPr>
+              <a:t>No Schema &amp; Index management</a:t>
+            </a:r>
+            <a:endParaRPr lang="en-IN" sz="1600" dirty="0">
+              <a:solidFill>
+                <a:srgbClr val="000000"/>
+              </a:solidFill>
+              <a:latin typeface="erdana"/>
+            </a:endParaRPr>
+          </a:p>
+          <a:p>
+            <a:pPr marL="857250" lvl="1" indent="-400050">
+              <a:buFont typeface="+mj-lt"/>
+              <a:buAutoNum type="romanLcPeriod"/>
+            </a:pPr>
+            <a:r>
+              <a:rPr lang="en-IN" sz="1600" i="0" dirty="0">
+                <a:solidFill>
+                  <a:srgbClr val="000000"/>
+                </a:solidFill>
+                <a:effectLst/>
+                <a:latin typeface="inter-bold"/>
+              </a:rPr>
+              <a:t>Industry-leading comprehensive SLAs</a:t>
+            </a:r>
+            <a:endParaRPr lang="en-IN" sz="1600" i="0" dirty="0">
+              <a:solidFill>
+                <a:srgbClr val="000000"/>
+              </a:solidFill>
+              <a:effectLst/>
+              <a:latin typeface="erdana"/>
+            </a:endParaRPr>
+          </a:p>
+          <a:p>
+            <a:pPr marL="857250" lvl="1" indent="-400050">
+              <a:buFont typeface="+mj-lt"/>
+              <a:buAutoNum type="romanLcPeriod"/>
+            </a:pPr>
+            <a:r>
+              <a:rPr lang="en-US" sz="1600" i="0" dirty="0">
+                <a:solidFill>
+                  <a:srgbClr val="000000"/>
+                </a:solidFill>
+                <a:effectLst/>
+                <a:latin typeface="inter-bold"/>
+              </a:rPr>
+              <a:t>The low total cost of Ownership</a:t>
+            </a:r>
+            <a:endParaRPr lang="en-IN" sz="1600" dirty="0">
+              <a:solidFill>
+                <a:srgbClr val="000000"/>
+              </a:solidFill>
+              <a:latin typeface="erdana"/>
+            </a:endParaRPr>
+          </a:p>
+          <a:p>
+            <a:pPr marL="857250" lvl="1" indent="-400050">
+              <a:buFont typeface="+mj-lt"/>
+              <a:buAutoNum type="romanLcPeriod"/>
+            </a:pPr>
+            <a:r>
+              <a:rPr lang="en-US" sz="1600" i="0" dirty="0">
+                <a:solidFill>
+                  <a:srgbClr val="000000"/>
+                </a:solidFill>
+                <a:effectLst/>
+                <a:latin typeface="inter-bold"/>
+              </a:rPr>
+              <a:t>Developing application using NoSQL APIs</a:t>
+            </a:r>
+            <a:endParaRPr lang="en-IN" sz="1600" i="0" dirty="0">
+              <a:solidFill>
+                <a:srgbClr val="000000"/>
+              </a:solidFill>
+              <a:effectLst/>
+              <a:latin typeface="erdana"/>
+            </a:endParaRPr>
+          </a:p>
+          <a:p>
+            <a:pPr marL="857250" lvl="1" indent="-400050">
+              <a:buFont typeface="+mj-lt"/>
+              <a:buAutoNum type="romanLcPeriod"/>
+            </a:pPr>
+            <a:r>
+              <a:rPr lang="en-IN" sz="1600" i="0" dirty="0">
+                <a:solidFill>
+                  <a:srgbClr val="000000"/>
+                </a:solidFill>
+                <a:effectLst/>
+                <a:latin typeface="inter-bold"/>
+              </a:rPr>
+              <a:t>Global distribution</a:t>
+            </a:r>
+          </a:p>
+          <a:p>
+            <a:pPr marL="857250" lvl="1" indent="-400050">
+              <a:buFont typeface="+mj-lt"/>
+              <a:buAutoNum type="romanLcPeriod"/>
+            </a:pPr>
+            <a:r>
+              <a:rPr lang="en-US" sz="1600" b="1" i="0" dirty="0">
+                <a:solidFill>
+                  <a:srgbClr val="2F353E"/>
+                </a:solidFill>
+                <a:effectLst/>
+                <a:latin typeface="Rubik"/>
+              </a:rPr>
+              <a:t>Multi-API</a:t>
+            </a:r>
+            <a:r>
+              <a:rPr lang="en-US" sz="1600" b="0" i="0" dirty="0">
+                <a:solidFill>
+                  <a:srgbClr val="2F353E"/>
+                </a:solidFill>
+                <a:effectLst/>
+                <a:latin typeface="Rubik"/>
+              </a:rPr>
+              <a:t>: Because data is indexed automatically, users can access it using any API of their choice. They can see their data using SQL, Gremlin, JavaScript, Azure Table Storage, and MongoDB.</a:t>
+            </a:r>
+          </a:p>
+          <a:p>
+            <a:pPr marL="857250" lvl="1" indent="-400050">
+              <a:buFont typeface="+mj-lt"/>
+              <a:buAutoNum type="romanLcPeriod"/>
+            </a:pPr>
+            <a:r>
+              <a:rPr lang="en-US" sz="1600" b="1" i="0" dirty="0">
+                <a:solidFill>
+                  <a:srgbClr val="2F353E"/>
+                </a:solidFill>
+                <a:effectLst/>
+                <a:latin typeface="Rubik"/>
+              </a:rPr>
+              <a:t>A number of consistency levels</a:t>
+            </a:r>
+            <a:r>
+              <a:rPr lang="en-US" sz="1600" b="0" i="0" dirty="0">
+                <a:solidFill>
+                  <a:srgbClr val="2F353E"/>
+                </a:solidFill>
+                <a:effectLst/>
+                <a:latin typeface="Rubik"/>
+              </a:rPr>
+              <a:t>: It uses five different consistency levels: strong, bounded staleness, session, consistent-prefix and eventual(Higher Availability, Low Latency ,Higher Throughput, Consistency -&gt;).</a:t>
+            </a:r>
+            <a:endParaRPr lang="en-IN" sz="1600" i="0" dirty="0">
+              <a:effectLst/>
+              <a:latin typeface="erdana"/>
+            </a:endParaRPr>
+          </a:p>
+          <a:p>
+            <a:pPr marL="285750" indent="-285750">
+              <a:buFont typeface="Arial" panose="020B0604020202020204" pitchFamily="34" charset="0"/>
+              <a:buChar char="•"/>
+            </a:pPr>
+            <a:r>
+              <a:rPr lang="en-US" sz="1600" dirty="0">
+                <a:latin typeface="Rubik"/>
+              </a:rPr>
+              <a:t>Pricing</a:t>
+            </a:r>
+            <a:endParaRPr lang="en-US" sz="1600" b="0" i="0" dirty="0">
+              <a:effectLst/>
+              <a:latin typeface="Rubik"/>
+            </a:endParaRPr>
+          </a:p>
+          <a:p>
+            <a:pPr marL="857250" lvl="1" indent="-400050" algn="just">
+              <a:buFont typeface="+mj-lt"/>
+              <a:buAutoNum type="romanLcPeriod"/>
+            </a:pPr>
+            <a:r>
+              <a:rPr lang="en-US" sz="1600" b="0" i="0" dirty="0">
+                <a:solidFill>
+                  <a:srgbClr val="000000"/>
+                </a:solidFill>
+                <a:effectLst/>
+                <a:latin typeface="inter-regular"/>
+              </a:rPr>
+              <a:t>We pay for the throughput we provision, and the storage we consume on an hourly basis with Azure Cosmos DB.</a:t>
+            </a:r>
+          </a:p>
+          <a:p>
+            <a:pPr marL="857250" lvl="1" indent="-400050" algn="just">
+              <a:buFont typeface="+mj-lt"/>
+              <a:buAutoNum type="romanLcPeriod"/>
+            </a:pPr>
+            <a:r>
+              <a:rPr lang="en-US" sz="1600" b="0" i="0" dirty="0">
+                <a:solidFill>
+                  <a:srgbClr val="000000"/>
+                </a:solidFill>
+                <a:effectLst/>
+                <a:latin typeface="inter-regular"/>
+              </a:rPr>
+              <a:t>The cost of all the database operations is normalized by Azure Cosmos DB and is expressed in terms of Request Units (RUs)</a:t>
+            </a:r>
+          </a:p>
+          <a:p>
+            <a:pPr marL="285750" indent="-285750">
+              <a:buFont typeface="Arial" panose="020B0604020202020204" pitchFamily="34" charset="0"/>
+              <a:buChar char="•"/>
+            </a:pPr>
+            <a:endParaRPr lang="en-US" sz="1600" b="0" i="0" u="sng" dirty="0">
+              <a:solidFill>
+                <a:srgbClr val="333333"/>
+              </a:solidFill>
+              <a:effectLst/>
+              <a:latin typeface="inter-regular"/>
+            </a:endParaRPr>
+          </a:p>
+          <a:p>
+            <a:pPr marL="285750" indent="-285750">
+              <a:buFont typeface="Arial" panose="020B0604020202020204" pitchFamily="34" charset="0"/>
+              <a:buChar char="•"/>
+            </a:pPr>
+            <a:endParaRPr lang="en-IN" dirty="0"/>
+          </a:p>
+        </p:txBody>
+      </p:sp>
+    </p:spTree>
+    <p:extLst>
+      <p:ext uri="{BB962C8B-B14F-4D97-AF65-F5344CB8AC3E}">
+        <p14:creationId xmlns:p14="http://schemas.microsoft.com/office/powerpoint/2010/main" val="3516769679"/>
       </p:ext>
     </p:extLst>
   </p:cSld>

--- a/Microsoft Azure.pptx
+++ b/Microsoft Azure.pptx
@@ -14,6 +14,9 @@
     <p:sldId id="262" r:id="rId8"/>
     <p:sldId id="263" r:id="rId9"/>
     <p:sldId id="264" r:id="rId10"/>
+    <p:sldId id="265" r:id="rId11"/>
+    <p:sldId id="266" r:id="rId12"/>
+    <p:sldId id="267" r:id="rId13"/>
   </p:sldIdLst>
   <p:sldSz cx="12192000" cy="6858000"/>
   <p:notesSz cx="6858000" cy="9144000"/>
@@ -123,7 +126,7 @@
 <file path=ppt/revisionInfo.xml><?xml version="1.0" encoding="utf-8"?>
 <p1510:revInfo xmlns:a="http://schemas.openxmlformats.org/drawingml/2006/main" xmlns:r="http://schemas.openxmlformats.org/officeDocument/2006/relationships" xmlns:p1510="http://schemas.microsoft.com/office/powerpoint/2015/10/main">
   <p1510:revLst>
-    <p1510:client id="{09058436-930E-45E3-B794-D1BC776E3724}" v="8" dt="2023-11-06T16:01:09.734"/>
+    <p1510:client id="{09058436-930E-45E3-B794-D1BC776E3724}" v="12" dt="2023-11-06T17:05:44.155"/>
   </p1510:revLst>
 </p1510:revInfo>
 </file>
@@ -132,8 +135,8 @@
 <pc:chgInfo xmlns:a="http://schemas.openxmlformats.org/drawingml/2006/main" xmlns:r="http://schemas.openxmlformats.org/officeDocument/2006/relationships" xmlns:ac="http://schemas.microsoft.com/office/drawing/2013/main/command" xmlns:pc="http://schemas.microsoft.com/office/powerpoint/2013/main/command">
   <pc:docChgLst>
     <pc:chgData name="Manaswini Ray" userId="451f23f8-43b4-4daa-9511-0c9fb98bad1c" providerId="ADAL" clId="{09058436-930E-45E3-B794-D1BC776E3724}"/>
-    <pc:docChg chg="undo custSel addSld modSld modMainMaster">
-      <pc:chgData name="Manaswini Ray" userId="451f23f8-43b4-4daa-9511-0c9fb98bad1c" providerId="ADAL" clId="{09058436-930E-45E3-B794-D1BC776E3724}" dt="2023-11-06T16:18:19.105" v="741" actId="1076"/>
+    <pc:docChg chg="undo custSel addSld delSld modSld modMainMaster">
+      <pc:chgData name="Manaswini Ray" userId="451f23f8-43b4-4daa-9511-0c9fb98bad1c" providerId="ADAL" clId="{09058436-930E-45E3-B794-D1BC776E3724}" dt="2023-11-06T17:12:44.138" v="978" actId="5793"/>
       <pc:docMkLst>
         <pc:docMk/>
       </pc:docMkLst>
@@ -145,13 +148,13 @@
         </pc:sldMkLst>
       </pc:sldChg>
       <pc:sldChg chg="addSp modSp mod modTransition">
-        <pc:chgData name="Manaswini Ray" userId="451f23f8-43b4-4daa-9511-0c9fb98bad1c" providerId="ADAL" clId="{09058436-930E-45E3-B794-D1BC776E3724}" dt="2023-11-06T13:51:59.314" v="396" actId="20577"/>
+        <pc:chgData name="Manaswini Ray" userId="451f23f8-43b4-4daa-9511-0c9fb98bad1c" providerId="ADAL" clId="{09058436-930E-45E3-B794-D1BC776E3724}" dt="2023-11-06T17:10:18.746" v="946" actId="207"/>
         <pc:sldMkLst>
           <pc:docMk/>
           <pc:sldMk cId="809094172" sldId="257"/>
         </pc:sldMkLst>
         <pc:spChg chg="add mod">
-          <ac:chgData name="Manaswini Ray" userId="451f23f8-43b4-4daa-9511-0c9fb98bad1c" providerId="ADAL" clId="{09058436-930E-45E3-B794-D1BC776E3724}" dt="2023-11-06T13:51:59.314" v="396" actId="20577"/>
+          <ac:chgData name="Manaswini Ray" userId="451f23f8-43b4-4daa-9511-0c9fb98bad1c" providerId="ADAL" clId="{09058436-930E-45E3-B794-D1BC776E3724}" dt="2023-11-06T17:10:18.746" v="946" actId="207"/>
           <ac:spMkLst>
             <pc:docMk/>
             <pc:sldMk cId="809094172" sldId="257"/>
@@ -198,13 +201,13 @@
         </pc:spChg>
       </pc:sldChg>
       <pc:sldChg chg="addSp modSp new mod modTransition">
-        <pc:chgData name="Manaswini Ray" userId="451f23f8-43b4-4daa-9511-0c9fb98bad1c" providerId="ADAL" clId="{09058436-930E-45E3-B794-D1BC776E3724}" dt="2023-11-06T13:51:38.491" v="391" actId="20577"/>
+        <pc:chgData name="Manaswini Ray" userId="451f23f8-43b4-4daa-9511-0c9fb98bad1c" providerId="ADAL" clId="{09058436-930E-45E3-B794-D1BC776E3724}" dt="2023-11-06T17:10:05.350" v="945" actId="207"/>
         <pc:sldMkLst>
           <pc:docMk/>
           <pc:sldMk cId="2535982024" sldId="260"/>
         </pc:sldMkLst>
         <pc:spChg chg="add mod">
-          <ac:chgData name="Manaswini Ray" userId="451f23f8-43b4-4daa-9511-0c9fb98bad1c" providerId="ADAL" clId="{09058436-930E-45E3-B794-D1BC776E3724}" dt="2023-11-06T13:51:38.491" v="391" actId="20577"/>
+          <ac:chgData name="Manaswini Ray" userId="451f23f8-43b4-4daa-9511-0c9fb98bad1c" providerId="ADAL" clId="{09058436-930E-45E3-B794-D1BC776E3724}" dt="2023-11-06T17:10:05.350" v="945" actId="207"/>
           <ac:spMkLst>
             <pc:docMk/>
             <pc:sldMk cId="2535982024" sldId="260"/>
@@ -213,13 +216,13 @@
         </pc:spChg>
       </pc:sldChg>
       <pc:sldChg chg="addSp modSp new mod">
-        <pc:chgData name="Manaswini Ray" userId="451f23f8-43b4-4daa-9511-0c9fb98bad1c" providerId="ADAL" clId="{09058436-930E-45E3-B794-D1BC776E3724}" dt="2023-11-06T14:06:19.585" v="487" actId="115"/>
+        <pc:chgData name="Manaswini Ray" userId="451f23f8-43b4-4daa-9511-0c9fb98bad1c" providerId="ADAL" clId="{09058436-930E-45E3-B794-D1BC776E3724}" dt="2023-11-06T17:09:45.597" v="941" actId="207"/>
         <pc:sldMkLst>
           <pc:docMk/>
           <pc:sldMk cId="2620181118" sldId="261"/>
         </pc:sldMkLst>
         <pc:spChg chg="add mod">
-          <ac:chgData name="Manaswini Ray" userId="451f23f8-43b4-4daa-9511-0c9fb98bad1c" providerId="ADAL" clId="{09058436-930E-45E3-B794-D1BC776E3724}" dt="2023-11-06T14:06:19.585" v="487" actId="115"/>
+          <ac:chgData name="Manaswini Ray" userId="451f23f8-43b4-4daa-9511-0c9fb98bad1c" providerId="ADAL" clId="{09058436-930E-45E3-B794-D1BC776E3724}" dt="2023-11-06T17:09:45.597" v="941" actId="207"/>
           <ac:spMkLst>
             <pc:docMk/>
             <pc:sldMk cId="2620181118" sldId="261"/>
@@ -228,13 +231,13 @@
         </pc:spChg>
       </pc:sldChg>
       <pc:sldChg chg="addSp modSp new mod">
-        <pc:chgData name="Manaswini Ray" userId="451f23f8-43b4-4daa-9511-0c9fb98bad1c" providerId="ADAL" clId="{09058436-930E-45E3-B794-D1BC776E3724}" dt="2023-11-06T14:06:02.819" v="485" actId="5793"/>
+        <pc:chgData name="Manaswini Ray" userId="451f23f8-43b4-4daa-9511-0c9fb98bad1c" providerId="ADAL" clId="{09058436-930E-45E3-B794-D1BC776E3724}" dt="2023-11-06T17:09:54.199" v="943" actId="207"/>
         <pc:sldMkLst>
           <pc:docMk/>
           <pc:sldMk cId="2022443549" sldId="262"/>
         </pc:sldMkLst>
         <pc:spChg chg="add mod">
-          <ac:chgData name="Manaswini Ray" userId="451f23f8-43b4-4daa-9511-0c9fb98bad1c" providerId="ADAL" clId="{09058436-930E-45E3-B794-D1BC776E3724}" dt="2023-11-06T14:06:02.819" v="485" actId="5793"/>
+          <ac:chgData name="Manaswini Ray" userId="451f23f8-43b4-4daa-9511-0c9fb98bad1c" providerId="ADAL" clId="{09058436-930E-45E3-B794-D1BC776E3724}" dt="2023-11-06T17:09:54.199" v="943" actId="207"/>
           <ac:spMkLst>
             <pc:docMk/>
             <pc:sldMk cId="2022443549" sldId="262"/>
@@ -243,13 +246,13 @@
         </pc:spChg>
       </pc:sldChg>
       <pc:sldChg chg="addSp modSp new mod">
-        <pc:chgData name="Manaswini Ray" userId="451f23f8-43b4-4daa-9511-0c9fb98bad1c" providerId="ADAL" clId="{09058436-930E-45E3-B794-D1BC776E3724}" dt="2023-11-06T16:00:58.771" v="564" actId="255"/>
+        <pc:chgData name="Manaswini Ray" userId="451f23f8-43b4-4daa-9511-0c9fb98bad1c" providerId="ADAL" clId="{09058436-930E-45E3-B794-D1BC776E3724}" dt="2023-11-06T17:09:38.243" v="940" actId="207"/>
         <pc:sldMkLst>
           <pc:docMk/>
           <pc:sldMk cId="2505085302" sldId="263"/>
         </pc:sldMkLst>
         <pc:spChg chg="add mod">
-          <ac:chgData name="Manaswini Ray" userId="451f23f8-43b4-4daa-9511-0c9fb98bad1c" providerId="ADAL" clId="{09058436-930E-45E3-B794-D1BC776E3724}" dt="2023-11-06T16:00:58.771" v="564" actId="255"/>
+          <ac:chgData name="Manaswini Ray" userId="451f23f8-43b4-4daa-9511-0c9fb98bad1c" providerId="ADAL" clId="{09058436-930E-45E3-B794-D1BC776E3724}" dt="2023-11-06T17:09:38.243" v="940" actId="207"/>
           <ac:spMkLst>
             <pc:docMk/>
             <pc:sldMk cId="2505085302" sldId="263"/>
@@ -258,17 +261,77 @@
         </pc:spChg>
       </pc:sldChg>
       <pc:sldChg chg="addSp modSp new mod">
-        <pc:chgData name="Manaswini Ray" userId="451f23f8-43b4-4daa-9511-0c9fb98bad1c" providerId="ADAL" clId="{09058436-930E-45E3-B794-D1BC776E3724}" dt="2023-11-06T16:18:19.105" v="741" actId="1076"/>
+        <pc:chgData name="Manaswini Ray" userId="451f23f8-43b4-4daa-9511-0c9fb98bad1c" providerId="ADAL" clId="{09058436-930E-45E3-B794-D1BC776E3724}" dt="2023-11-06T17:09:21.313" v="937" actId="207"/>
         <pc:sldMkLst>
           <pc:docMk/>
           <pc:sldMk cId="3516769679" sldId="264"/>
         </pc:sldMkLst>
         <pc:spChg chg="add mod">
-          <ac:chgData name="Manaswini Ray" userId="451f23f8-43b4-4daa-9511-0c9fb98bad1c" providerId="ADAL" clId="{09058436-930E-45E3-B794-D1BC776E3724}" dt="2023-11-06T16:18:19.105" v="741" actId="1076"/>
+          <ac:chgData name="Manaswini Ray" userId="451f23f8-43b4-4daa-9511-0c9fb98bad1c" providerId="ADAL" clId="{09058436-930E-45E3-B794-D1BC776E3724}" dt="2023-11-06T17:09:21.313" v="937" actId="207"/>
           <ac:spMkLst>
             <pc:docMk/>
             <pc:sldMk cId="3516769679" sldId="264"/>
             <ac:spMk id="2" creationId="{90795F24-946C-C77E-B75C-816093162D2C}"/>
+          </ac:spMkLst>
+        </pc:spChg>
+      </pc:sldChg>
+      <pc:sldChg chg="addSp modSp new mod">
+        <pc:chgData name="Manaswini Ray" userId="451f23f8-43b4-4daa-9511-0c9fb98bad1c" providerId="ADAL" clId="{09058436-930E-45E3-B794-D1BC776E3724}" dt="2023-11-06T17:09:07.438" v="934" actId="207"/>
+        <pc:sldMkLst>
+          <pc:docMk/>
+          <pc:sldMk cId="2768215198" sldId="265"/>
+        </pc:sldMkLst>
+        <pc:spChg chg="add mod">
+          <ac:chgData name="Manaswini Ray" userId="451f23f8-43b4-4daa-9511-0c9fb98bad1c" providerId="ADAL" clId="{09058436-930E-45E3-B794-D1BC776E3724}" dt="2023-11-06T17:09:07.438" v="934" actId="207"/>
+          <ac:spMkLst>
+            <pc:docMk/>
+            <pc:sldMk cId="2768215198" sldId="265"/>
+            <ac:spMk id="2" creationId="{0706893C-4462-2CF6-92AC-FD73888CBE5A}"/>
+          </ac:spMkLst>
+        </pc:spChg>
+      </pc:sldChg>
+      <pc:sldChg chg="addSp delSp modSp new mod">
+        <pc:chgData name="Manaswini Ray" userId="451f23f8-43b4-4daa-9511-0c9fb98bad1c" providerId="ADAL" clId="{09058436-930E-45E3-B794-D1BC776E3724}" dt="2023-11-06T17:09:02.233" v="933" actId="207"/>
+        <pc:sldMkLst>
+          <pc:docMk/>
+          <pc:sldMk cId="463092285" sldId="266"/>
+        </pc:sldMkLst>
+        <pc:spChg chg="add del mod">
+          <ac:chgData name="Manaswini Ray" userId="451f23f8-43b4-4daa-9511-0c9fb98bad1c" providerId="ADAL" clId="{09058436-930E-45E3-B794-D1BC776E3724}" dt="2023-11-06T17:00:21.969" v="838"/>
+          <ac:spMkLst>
+            <pc:docMk/>
+            <pc:sldMk cId="463092285" sldId="266"/>
+            <ac:spMk id="2" creationId="{C8C5FE8F-66EA-C427-8430-36AB6A1B80E9}"/>
+          </ac:spMkLst>
+        </pc:spChg>
+        <pc:spChg chg="add mod">
+          <ac:chgData name="Manaswini Ray" userId="451f23f8-43b4-4daa-9511-0c9fb98bad1c" providerId="ADAL" clId="{09058436-930E-45E3-B794-D1BC776E3724}" dt="2023-11-06T17:09:02.233" v="933" actId="207"/>
+          <ac:spMkLst>
+            <pc:docMk/>
+            <pc:sldMk cId="463092285" sldId="266"/>
+            <ac:spMk id="3" creationId="{BC67CE54-A301-FA6B-148A-C9C72B51E80F}"/>
+          </ac:spMkLst>
+        </pc:spChg>
+      </pc:sldChg>
+      <pc:sldChg chg="new del">
+        <pc:chgData name="Manaswini Ray" userId="451f23f8-43b4-4daa-9511-0c9fb98bad1c" providerId="ADAL" clId="{09058436-930E-45E3-B794-D1BC776E3724}" dt="2023-11-06T17:00:27.897" v="839" actId="2696"/>
+        <pc:sldMkLst>
+          <pc:docMk/>
+          <pc:sldMk cId="3843615232" sldId="267"/>
+        </pc:sldMkLst>
+      </pc:sldChg>
+      <pc:sldChg chg="addSp modSp new mod">
+        <pc:chgData name="Manaswini Ray" userId="451f23f8-43b4-4daa-9511-0c9fb98bad1c" providerId="ADAL" clId="{09058436-930E-45E3-B794-D1BC776E3724}" dt="2023-11-06T17:12:44.138" v="978" actId="5793"/>
+        <pc:sldMkLst>
+          <pc:docMk/>
+          <pc:sldMk cId="3998792257" sldId="267"/>
+        </pc:sldMkLst>
+        <pc:spChg chg="add mod">
+          <ac:chgData name="Manaswini Ray" userId="451f23f8-43b4-4daa-9511-0c9fb98bad1c" providerId="ADAL" clId="{09058436-930E-45E3-B794-D1BC776E3724}" dt="2023-11-06T17:12:44.138" v="978" actId="5793"/>
+          <ac:spMkLst>
+            <pc:docMk/>
+            <pc:sldMk cId="3998792257" sldId="267"/>
+            <ac:spMk id="2" creationId="{881B617B-B615-9CB2-C5C3-E082468EC8C7}"/>
           </ac:spMkLst>
         </pc:spChg>
       </pc:sldChg>
@@ -3735,6 +3798,1469 @@
 </p:sld>
 </file>
 
+<file path=ppt/slides/slide10.xml><?xml version="1.0" encoding="utf-8"?>
+<p:sld xmlns:a="http://schemas.openxmlformats.org/drawingml/2006/main" xmlns:r="http://schemas.openxmlformats.org/officeDocument/2006/relationships" xmlns:p="http://schemas.openxmlformats.org/presentationml/2006/main">
+  <p:cSld>
+    <p:spTree>
+      <p:nvGrpSpPr>
+        <p:cNvPr id="1" name=""/>
+        <p:cNvGrpSpPr/>
+        <p:nvPr/>
+      </p:nvGrpSpPr>
+      <p:grpSpPr>
+        <a:xfrm>
+          <a:off x="0" y="0"/>
+          <a:ext cx="0" cy="0"/>
+          <a:chOff x="0" y="0"/>
+          <a:chExt cx="0" cy="0"/>
+        </a:xfrm>
+      </p:grpSpPr>
+      <p:sp>
+        <p:nvSpPr>
+          <p:cNvPr id="2" name="TextBox 1">
+            <a:extLst>
+              <a:ext uri="{FF2B5EF4-FFF2-40B4-BE49-F238E27FC236}">
+                <a16:creationId xmlns:a16="http://schemas.microsoft.com/office/drawing/2014/main" id="{0706893C-4462-2CF6-92AC-FD73888CBE5A}"/>
+              </a:ext>
+            </a:extLst>
+          </p:cNvPr>
+          <p:cNvSpPr txBox="1"/>
+          <p:nvPr/>
+        </p:nvSpPr>
+        <p:spPr>
+          <a:xfrm>
+            <a:off x="372862" y="381740"/>
+            <a:ext cx="11327907" cy="6063198"/>
+          </a:xfrm>
+          <a:prstGeom prst="rect">
+            <a:avLst/>
+          </a:prstGeom>
+          <a:noFill/>
+        </p:spPr>
+        <p:txBody>
+          <a:bodyPr wrap="square" rtlCol="0">
+            <a:spAutoFit/>
+          </a:bodyPr>
+          <a:lstStyle/>
+          <a:p>
+            <a:r>
+              <a:rPr lang="en-US" sz="2500" u="sng" dirty="0"/>
+              <a:t>Azure </a:t>
+            </a:r>
+            <a:r>
+              <a:rPr lang="en-US" sz="2500" u="sng" dirty="0" err="1"/>
+              <a:t>Kubernets</a:t>
+            </a:r>
+            <a:r>
+              <a:rPr lang="en-US" sz="2500" u="sng" dirty="0"/>
+              <a:t> Services</a:t>
+            </a:r>
+          </a:p>
+          <a:p>
+            <a:endParaRPr lang="en-US" sz="2500" u="sng" dirty="0"/>
+          </a:p>
+          <a:p>
+            <a:pPr marL="342900" indent="-342900">
+              <a:buFont typeface="Arial" panose="020B0604020202020204" pitchFamily="34" charset="0"/>
+              <a:buChar char="•"/>
+            </a:pPr>
+            <a:r>
+              <a:rPr lang="en-US" sz="1600" b="0" i="0" dirty="0">
+                <a:solidFill>
+                  <a:srgbClr val="2A3B4F"/>
+                </a:solidFill>
+                <a:effectLst/>
+                <a:latin typeface="Lato" panose="020B0604020202020204" pitchFamily="34" charset="0"/>
+              </a:rPr>
+              <a:t>AKS is an open-source fully managed container orchestration service that became available in June 2018 and is available on the Microsoft Azure public cloud that can be used to deploy, scale and manage Docker containers and container-based applications in a cluster environment.</a:t>
+            </a:r>
+          </a:p>
+          <a:p>
+            <a:pPr marL="342900" indent="-342900">
+              <a:buFont typeface="Arial" panose="020B0604020202020204" pitchFamily="34" charset="0"/>
+              <a:buChar char="•"/>
+            </a:pPr>
+            <a:r>
+              <a:rPr lang="en-US" sz="1600" b="0" i="0" dirty="0">
+                <a:solidFill>
+                  <a:srgbClr val="2A3B4F"/>
+                </a:solidFill>
+                <a:effectLst/>
+                <a:latin typeface="Lato" panose="020F0502020204030203" pitchFamily="34" charset="0"/>
+              </a:rPr>
+              <a:t>Azure Kubernetes Service is a robust and cost-effective container orchestration service that helps you to deploy and manage containerized applications in seconds where additional resources are assigned automatically without the headache of managing additional servers.</a:t>
+            </a:r>
+          </a:p>
+          <a:p>
+            <a:endParaRPr lang="en-US" sz="1600" b="0" i="0" dirty="0">
+              <a:solidFill>
+                <a:srgbClr val="2A3B4F"/>
+              </a:solidFill>
+              <a:effectLst/>
+              <a:latin typeface="Lato" panose="020F0502020204030203" pitchFamily="34" charset="0"/>
+            </a:endParaRPr>
+          </a:p>
+          <a:p>
+            <a:pPr marL="342900" indent="-342900">
+              <a:buFont typeface="Arial" panose="020B0604020202020204" pitchFamily="34" charset="0"/>
+              <a:buChar char="•"/>
+            </a:pPr>
+            <a:r>
+              <a:rPr lang="en-US" sz="1600" dirty="0">
+                <a:solidFill>
+                  <a:srgbClr val="610B4B"/>
+                </a:solidFill>
+                <a:latin typeface="Lato" panose="020F0502020204030203" pitchFamily="34" charset="0"/>
+              </a:rPr>
+              <a:t>Benefits:</a:t>
+            </a:r>
+          </a:p>
+          <a:p>
+            <a:pPr marL="857250" lvl="1" indent="-400050">
+              <a:buFont typeface="+mj-lt"/>
+              <a:buAutoNum type="romanLcPeriod"/>
+            </a:pPr>
+            <a:r>
+              <a:rPr lang="en-US" sz="1600" b="1" i="0" dirty="0">
+                <a:solidFill>
+                  <a:srgbClr val="2A3B4F"/>
+                </a:solidFill>
+                <a:effectLst/>
+                <a:latin typeface="Lato" panose="020F0502020204030203" pitchFamily="34" charset="0"/>
+              </a:rPr>
+              <a:t>Efficient resource utilization:</a:t>
+            </a:r>
+            <a:r>
+              <a:rPr lang="en-US" sz="1600" b="0" i="0" dirty="0">
+                <a:solidFill>
+                  <a:srgbClr val="2A3B4F"/>
+                </a:solidFill>
+                <a:effectLst/>
+                <a:latin typeface="Lato" panose="020F0502020204030203" pitchFamily="34" charset="0"/>
+              </a:rPr>
+              <a:t> The fully managed AKS offers easy deployment and management of containerized applications with efficient resource utilization that elastically provisions additional resources without the headache of managing the Kubernetes infrastructure.</a:t>
+            </a:r>
+          </a:p>
+          <a:p>
+            <a:pPr marL="857250" lvl="1" indent="-400050">
+              <a:buFont typeface="+mj-lt"/>
+              <a:buAutoNum type="romanLcPeriod"/>
+            </a:pPr>
+            <a:r>
+              <a:rPr lang="en-IN" sz="1600" b="1" i="0" dirty="0">
+                <a:solidFill>
+                  <a:srgbClr val="2A3B4F"/>
+                </a:solidFill>
+                <a:effectLst/>
+                <a:latin typeface="Lato" panose="020F0502020204030203" pitchFamily="34" charset="0"/>
+              </a:rPr>
+              <a:t>Faster application development:</a:t>
+            </a:r>
+            <a:r>
+              <a:rPr lang="en-IN" sz="1600" b="0" i="0" dirty="0">
+                <a:solidFill>
+                  <a:srgbClr val="2A3B4F"/>
+                </a:solidFill>
+                <a:effectLst/>
+                <a:latin typeface="Lato" panose="020F0502020204030203" pitchFamily="34" charset="0"/>
+              </a:rPr>
+              <a:t> </a:t>
+            </a:r>
+            <a:r>
+              <a:rPr lang="en-US" sz="1600" b="0" i="0" dirty="0">
+                <a:solidFill>
+                  <a:srgbClr val="2A3B4F"/>
+                </a:solidFill>
+                <a:effectLst/>
+                <a:latin typeface="Lato" panose="020F0502020204030203" pitchFamily="34" charset="0"/>
+              </a:rPr>
+              <a:t>AKS reduces the debugging time while handling patching, auto-upgrades, and self-healing and simplifies the container orchestration. </a:t>
+            </a:r>
+            <a:endParaRPr lang="en-US" sz="1600" dirty="0">
+              <a:solidFill>
+                <a:srgbClr val="2A3B4F"/>
+              </a:solidFill>
+              <a:latin typeface="Lato" panose="020F0502020204030203" pitchFamily="34" charset="0"/>
+            </a:endParaRPr>
+          </a:p>
+          <a:p>
+            <a:pPr marL="857250" lvl="1" indent="-400050">
+              <a:buFont typeface="+mj-lt"/>
+              <a:buAutoNum type="romanLcPeriod"/>
+            </a:pPr>
+            <a:r>
+              <a:rPr lang="en-IN" sz="1600" b="1" i="0" dirty="0">
+                <a:solidFill>
+                  <a:srgbClr val="2A3B4F"/>
+                </a:solidFill>
+                <a:effectLst/>
+                <a:latin typeface="Lato" panose="020F0502020204030203" pitchFamily="34" charset="0"/>
+              </a:rPr>
+              <a:t>Security and compliance:</a:t>
+            </a:r>
+            <a:r>
+              <a:rPr lang="en-US" sz="1600" b="0" i="0" u="none" strike="noStrike" dirty="0">
+                <a:solidFill>
+                  <a:srgbClr val="005EEC"/>
+                </a:solidFill>
+                <a:effectLst/>
+                <a:latin typeface="Lato" panose="020F0502020204030203" pitchFamily="34" charset="0"/>
+                <a:hlinkClick r:id="rId2"/>
+              </a:rPr>
+              <a:t>AKS integrates with Azure Active Directory (AD)</a:t>
+            </a:r>
+            <a:r>
+              <a:rPr lang="en-US" sz="1600" b="0" i="0" dirty="0">
+                <a:solidFill>
+                  <a:srgbClr val="2A3B4F"/>
+                </a:solidFill>
+                <a:effectLst/>
+                <a:latin typeface="Lato" panose="020F0502020204030203" pitchFamily="34" charset="0"/>
+              </a:rPr>
+              <a:t> and offers on-demand access to the users to greatly reduce threats and risks. AKS is also completely compliant with the standards and regulatory requirements such as System and Organization Controls (SOC), HIPAA, ISO, and PCI DSS.</a:t>
+            </a:r>
+          </a:p>
+          <a:p>
+            <a:pPr marL="857250" lvl="1" indent="-400050">
+              <a:buFont typeface="+mj-lt"/>
+              <a:buAutoNum type="romanLcPeriod"/>
+            </a:pPr>
+            <a:r>
+              <a:rPr lang="en-US" sz="1600" b="1" i="0" dirty="0">
+                <a:solidFill>
+                  <a:srgbClr val="2A3B4F"/>
+                </a:solidFill>
+                <a:effectLst/>
+                <a:latin typeface="Lato" panose="020F0502020204030203" pitchFamily="34" charset="0"/>
+              </a:rPr>
+              <a:t>Quicker development and integration: </a:t>
+            </a:r>
+            <a:r>
+              <a:rPr lang="en-US" sz="1600" b="0" i="0" dirty="0">
+                <a:solidFill>
+                  <a:srgbClr val="2A3B4F"/>
+                </a:solidFill>
+                <a:effectLst/>
+                <a:latin typeface="Lato" panose="020F0502020204030203" pitchFamily="34" charset="0"/>
+              </a:rPr>
+              <a:t>Azure Kubernetes Service (AKS) supports auto-upgrades, monitoring, and scaling and helps in minimizing the infrastructure maintenance that leads to comparatively faster development and integration.</a:t>
+            </a:r>
+          </a:p>
+          <a:p>
+            <a:pPr lvl="1"/>
+            <a:endParaRPr lang="en-US" sz="1600" dirty="0"/>
+          </a:p>
+          <a:p>
+            <a:endParaRPr lang="en-IN" u="sng" dirty="0"/>
+          </a:p>
+        </p:txBody>
+      </p:sp>
+    </p:spTree>
+    <p:extLst>
+      <p:ext uri="{BB962C8B-B14F-4D97-AF65-F5344CB8AC3E}">
+        <p14:creationId xmlns:p14="http://schemas.microsoft.com/office/powerpoint/2010/main" val="2768215198"/>
+      </p:ext>
+    </p:extLst>
+  </p:cSld>
+  <p:clrMapOvr>
+    <a:masterClrMapping/>
+  </p:clrMapOvr>
+</p:sld>
+</file>
+
+<file path=ppt/slides/slide11.xml><?xml version="1.0" encoding="utf-8"?>
+<p:sld xmlns:a="http://schemas.openxmlformats.org/drawingml/2006/main" xmlns:r="http://schemas.openxmlformats.org/officeDocument/2006/relationships" xmlns:p="http://schemas.openxmlformats.org/presentationml/2006/main">
+  <p:cSld>
+    <p:spTree>
+      <p:nvGrpSpPr>
+        <p:cNvPr id="1" name=""/>
+        <p:cNvGrpSpPr/>
+        <p:nvPr/>
+      </p:nvGrpSpPr>
+      <p:grpSpPr>
+        <a:xfrm>
+          <a:off x="0" y="0"/>
+          <a:ext cx="0" cy="0"/>
+          <a:chOff x="0" y="0"/>
+          <a:chExt cx="0" cy="0"/>
+        </a:xfrm>
+      </p:grpSpPr>
+      <p:sp>
+        <p:nvSpPr>
+          <p:cNvPr id="3" name="TextBox 2">
+            <a:extLst>
+              <a:ext uri="{FF2B5EF4-FFF2-40B4-BE49-F238E27FC236}">
+                <a16:creationId xmlns:a16="http://schemas.microsoft.com/office/drawing/2014/main" id="{BC67CE54-A301-FA6B-148A-C9C72B51E80F}"/>
+              </a:ext>
+            </a:extLst>
+          </p:cNvPr>
+          <p:cNvSpPr txBox="1"/>
+          <p:nvPr/>
+        </p:nvSpPr>
+        <p:spPr>
+          <a:xfrm>
+            <a:off x="204187" y="0"/>
+            <a:ext cx="11656381" cy="7786747"/>
+          </a:xfrm>
+          <a:prstGeom prst="rect">
+            <a:avLst/>
+          </a:prstGeom>
+          <a:noFill/>
+        </p:spPr>
+        <p:txBody>
+          <a:bodyPr wrap="square" rtlCol="0">
+            <a:spAutoFit/>
+          </a:bodyPr>
+          <a:lstStyle/>
+          <a:p>
+            <a:pPr marL="342900" indent="-342900">
+              <a:buFont typeface="Arial" panose="020B0604020202020204" pitchFamily="34" charset="0"/>
+              <a:buChar char="•"/>
+            </a:pPr>
+            <a:r>
+              <a:rPr lang="en-IN" sz="2000" b="0" i="0" dirty="0">
+                <a:solidFill>
+                  <a:srgbClr val="610B4B"/>
+                </a:solidFill>
+                <a:effectLst/>
+                <a:latin typeface="erdana"/>
+              </a:rPr>
+              <a:t>Key Objects of Kubernetes:</a:t>
+            </a:r>
+          </a:p>
+          <a:p>
+            <a:pPr marL="514350" indent="-514350" algn="just">
+              <a:buFont typeface="+mj-lt"/>
+              <a:buAutoNum type="romanLcPeriod"/>
+            </a:pPr>
+            <a:r>
+              <a:rPr lang="en-IN" sz="1600" b="1" i="0" dirty="0">
+                <a:solidFill>
+                  <a:srgbClr val="333333"/>
+                </a:solidFill>
+                <a:effectLst/>
+                <a:latin typeface="inter-bold"/>
+              </a:rPr>
+              <a:t>Pod</a:t>
+            </a:r>
+            <a:r>
+              <a:rPr lang="en-IN" sz="1600" dirty="0">
+                <a:solidFill>
+                  <a:srgbClr val="333333"/>
+                </a:solidFill>
+                <a:latin typeface="erdana"/>
+              </a:rPr>
+              <a:t>:</a:t>
+            </a:r>
+            <a:r>
+              <a:rPr lang="en-US" sz="1600" b="0" i="0" dirty="0">
+                <a:solidFill>
+                  <a:srgbClr val="333333"/>
+                </a:solidFill>
+                <a:effectLst/>
+                <a:latin typeface="inter-regular"/>
+              </a:rPr>
+              <a:t>It is the smallest and simplest basic unit of the Kubernetes application. This object indicates the processes which are running in the cluster.</a:t>
+            </a:r>
+          </a:p>
+          <a:p>
+            <a:pPr marL="514350" indent="-514350" algn="just">
+              <a:buFont typeface="+mj-lt"/>
+              <a:buAutoNum type="romanLcPeriod"/>
+            </a:pPr>
+            <a:r>
+              <a:rPr lang="en-US" sz="1600" b="1" i="0" dirty="0">
+                <a:solidFill>
+                  <a:srgbClr val="333333"/>
+                </a:solidFill>
+                <a:effectLst/>
+                <a:latin typeface="inter-bold"/>
+              </a:rPr>
+              <a:t>Node:</a:t>
+            </a:r>
+            <a:r>
+              <a:rPr lang="en-US" sz="1600" dirty="0">
+                <a:solidFill>
+                  <a:srgbClr val="333333"/>
+                </a:solidFill>
+                <a:latin typeface="inter-regular"/>
+              </a:rPr>
+              <a:t> </a:t>
+            </a:r>
+            <a:r>
+              <a:rPr lang="en-US" sz="1600" b="0" i="0" dirty="0">
+                <a:solidFill>
+                  <a:srgbClr val="333333"/>
+                </a:solidFill>
+                <a:effectLst/>
+                <a:latin typeface="inter-regular"/>
+              </a:rPr>
+              <a:t>A </a:t>
+            </a:r>
+            <a:r>
+              <a:rPr lang="en-US" sz="1600" b="1" i="0" dirty="0">
+                <a:solidFill>
+                  <a:srgbClr val="333333"/>
+                </a:solidFill>
+                <a:effectLst/>
+                <a:latin typeface="inter-bold"/>
+              </a:rPr>
+              <a:t>node</a:t>
+            </a:r>
+            <a:r>
+              <a:rPr lang="en-US" sz="1600" b="0" i="0" dirty="0">
+                <a:solidFill>
+                  <a:srgbClr val="333333"/>
+                </a:solidFill>
+                <a:effectLst/>
+                <a:latin typeface="inter-regular"/>
+              </a:rPr>
+              <a:t> is nothing but a single host, which is used to run the virtual or physical machines. A node in the Kubernetes cluster is also known as a minion.</a:t>
+            </a:r>
+          </a:p>
+          <a:p>
+            <a:pPr marL="514350" indent="-514350" algn="just">
+              <a:buFont typeface="+mj-lt"/>
+              <a:buAutoNum type="romanLcPeriod"/>
+            </a:pPr>
+            <a:r>
+              <a:rPr lang="en-US" sz="1600" b="1" i="0" dirty="0">
+                <a:solidFill>
+                  <a:srgbClr val="333333"/>
+                </a:solidFill>
+                <a:effectLst/>
+                <a:latin typeface="inter-bold"/>
+              </a:rPr>
+              <a:t>Service</a:t>
+            </a:r>
+            <a:r>
+              <a:rPr lang="en-US" sz="1600" dirty="0">
+                <a:solidFill>
+                  <a:srgbClr val="333333"/>
+                </a:solidFill>
+                <a:latin typeface="inter-regular"/>
+              </a:rPr>
+              <a:t>: </a:t>
+            </a:r>
+            <a:r>
+              <a:rPr lang="en-US" sz="1600" b="0" i="0" dirty="0">
+                <a:solidFill>
+                  <a:srgbClr val="333333"/>
+                </a:solidFill>
+                <a:effectLst/>
+                <a:latin typeface="inter-regular"/>
+              </a:rPr>
+              <a:t>A </a:t>
+            </a:r>
+            <a:r>
+              <a:rPr lang="en-US" sz="1600" b="1" i="0" dirty="0">
+                <a:solidFill>
+                  <a:srgbClr val="333333"/>
+                </a:solidFill>
+                <a:effectLst/>
+                <a:latin typeface="inter-bold"/>
+              </a:rPr>
+              <a:t>service</a:t>
+            </a:r>
+            <a:r>
+              <a:rPr lang="en-US" sz="1600" b="0" i="0" dirty="0">
+                <a:solidFill>
+                  <a:srgbClr val="333333"/>
+                </a:solidFill>
+                <a:effectLst/>
+                <a:latin typeface="inter-regular"/>
+              </a:rPr>
+              <a:t> in a Kubernetes is a logical set of pods, which works together. With the help of services, users can easily manage load balancing configurations.</a:t>
+            </a:r>
+          </a:p>
+          <a:p>
+            <a:pPr marL="514350" indent="-514350" algn="just">
+              <a:buFont typeface="+mj-lt"/>
+              <a:buAutoNum type="romanLcPeriod"/>
+            </a:pPr>
+            <a:r>
+              <a:rPr lang="en-US" sz="1600" b="1" i="0" dirty="0" err="1">
+                <a:solidFill>
+                  <a:srgbClr val="333333"/>
+                </a:solidFill>
+                <a:effectLst/>
+                <a:latin typeface="inter-bold"/>
+              </a:rPr>
+              <a:t>ReplicaSet</a:t>
+            </a:r>
+            <a:r>
+              <a:rPr lang="en-US" sz="1600" b="1" dirty="0">
+                <a:solidFill>
+                  <a:srgbClr val="333333"/>
+                </a:solidFill>
+                <a:latin typeface="inter-bold"/>
+              </a:rPr>
+              <a:t>: </a:t>
+            </a:r>
+            <a:r>
+              <a:rPr lang="en-US" sz="1600" b="0" i="0" dirty="0">
+                <a:solidFill>
+                  <a:srgbClr val="333333"/>
+                </a:solidFill>
+                <a:effectLst/>
+                <a:latin typeface="inter-regular"/>
+              </a:rPr>
+              <a:t>A </a:t>
+            </a:r>
+            <a:r>
+              <a:rPr lang="en-US" sz="1600" b="1" i="0" dirty="0" err="1">
+                <a:solidFill>
+                  <a:srgbClr val="333333"/>
+                </a:solidFill>
+                <a:effectLst/>
+                <a:latin typeface="inter-bold"/>
+              </a:rPr>
+              <a:t>ReplicaSet</a:t>
+            </a:r>
+            <a:r>
+              <a:rPr lang="en-US" sz="1600" b="0" i="0" dirty="0">
+                <a:solidFill>
+                  <a:srgbClr val="333333"/>
+                </a:solidFill>
+                <a:effectLst/>
+                <a:latin typeface="inter-regular"/>
+              </a:rPr>
+              <a:t> in the Kubernetes is used to identify the particular number of pod replicas are running at a given time. It replaces the replication controller because it is more powerful and allows a user to use the "set-based" label selector.</a:t>
+            </a:r>
+          </a:p>
+          <a:p>
+            <a:pPr marL="514350" indent="-514350" algn="just">
+              <a:buFont typeface="+mj-lt"/>
+              <a:buAutoNum type="romanLcPeriod"/>
+            </a:pPr>
+            <a:r>
+              <a:rPr lang="en-US" sz="1600" b="1" i="0" dirty="0">
+                <a:solidFill>
+                  <a:srgbClr val="333333"/>
+                </a:solidFill>
+                <a:effectLst/>
+                <a:latin typeface="inter-bold"/>
+              </a:rPr>
+              <a:t>Namespace</a:t>
+            </a:r>
+            <a:r>
+              <a:rPr lang="en-US" sz="1600" dirty="0">
+                <a:solidFill>
+                  <a:srgbClr val="333333"/>
+                </a:solidFill>
+                <a:latin typeface="inter-regular"/>
+              </a:rPr>
+              <a:t>: </a:t>
+            </a:r>
+            <a:r>
+              <a:rPr lang="en-US" sz="1600" b="1" i="0" dirty="0">
+                <a:solidFill>
+                  <a:srgbClr val="333333"/>
+                </a:solidFill>
+                <a:effectLst/>
+                <a:latin typeface="inter-bold"/>
+              </a:rPr>
+              <a:t>Kubernetes</a:t>
+            </a:r>
+            <a:r>
+              <a:rPr lang="en-US" sz="1600" b="0" i="0" dirty="0">
+                <a:solidFill>
+                  <a:srgbClr val="333333"/>
+                </a:solidFill>
+                <a:effectLst/>
+                <a:latin typeface="inter-regular"/>
+              </a:rPr>
+              <a:t> supports various virtual clusters, which are known as namespaces. It is a way of dividing the cluster resources between two or more users.</a:t>
+            </a:r>
+          </a:p>
+          <a:p>
+            <a:pPr marL="971550" lvl="1" indent="-514350" algn="just">
+              <a:buFont typeface="+mj-lt"/>
+              <a:buAutoNum type="romanLcPeriod"/>
+            </a:pPr>
+            <a:endParaRPr lang="en-US" sz="1000" b="0" i="0" dirty="0">
+              <a:solidFill>
+                <a:srgbClr val="333333"/>
+              </a:solidFill>
+              <a:effectLst/>
+              <a:latin typeface="inter-regular"/>
+            </a:endParaRPr>
+          </a:p>
+          <a:p>
+            <a:pPr marL="342900" indent="-342900">
+              <a:buFont typeface="Arial" panose="020B0604020202020204" pitchFamily="34" charset="0"/>
+              <a:buChar char="•"/>
+            </a:pPr>
+            <a:r>
+              <a:rPr lang="en-IN" sz="2000" b="0" i="0" dirty="0">
+                <a:solidFill>
+                  <a:srgbClr val="610B4B"/>
+                </a:solidFill>
+                <a:effectLst/>
+                <a:latin typeface="erdana"/>
+              </a:rPr>
+              <a:t>Features of Kubernetes:</a:t>
+            </a:r>
+          </a:p>
+          <a:p>
+            <a:pPr marL="400050" indent="-400050" algn="just">
+              <a:buFont typeface="+mj-lt"/>
+              <a:buAutoNum type="romanLcPeriod"/>
+            </a:pPr>
+            <a:r>
+              <a:rPr lang="en-US" sz="1600" b="1" i="0" dirty="0">
+                <a:solidFill>
+                  <a:srgbClr val="000000"/>
+                </a:solidFill>
+                <a:effectLst/>
+                <a:latin typeface="inter-bold"/>
+              </a:rPr>
+              <a:t>Pod:</a:t>
+            </a:r>
+            <a:r>
+              <a:rPr lang="en-US" sz="1600" b="0" i="0" dirty="0">
+                <a:solidFill>
+                  <a:srgbClr val="000000"/>
+                </a:solidFill>
+                <a:effectLst/>
+                <a:latin typeface="inter-regular"/>
+              </a:rPr>
+              <a:t> It is a deployment unit in Kubernetes with a single Internet protocol address.</a:t>
+            </a:r>
+          </a:p>
+          <a:p>
+            <a:pPr marL="400050" indent="-400050" algn="just">
+              <a:buFont typeface="+mj-lt"/>
+              <a:buAutoNum type="romanLcPeriod"/>
+            </a:pPr>
+            <a:r>
+              <a:rPr lang="en-US" sz="1600" b="1" i="0" dirty="0">
+                <a:solidFill>
+                  <a:srgbClr val="000000"/>
+                </a:solidFill>
+                <a:effectLst/>
+                <a:latin typeface="inter-bold"/>
+              </a:rPr>
+              <a:t>Horizontal Scaling:</a:t>
+            </a:r>
+            <a:r>
+              <a:rPr lang="en-US" sz="1600" b="0" i="0" dirty="0">
+                <a:solidFill>
+                  <a:srgbClr val="000000"/>
+                </a:solidFill>
+                <a:effectLst/>
+                <a:latin typeface="inter-regular"/>
+              </a:rPr>
+              <a:t> This feature uses a </a:t>
+            </a:r>
+            <a:r>
+              <a:rPr lang="en-US" sz="1600" b="1" i="0" dirty="0" err="1">
+                <a:solidFill>
+                  <a:srgbClr val="000000"/>
+                </a:solidFill>
+                <a:effectLst/>
+                <a:latin typeface="inter-bold"/>
+              </a:rPr>
+              <a:t>HorizontalPodAutoscalar</a:t>
+            </a:r>
+            <a:r>
+              <a:rPr lang="en-US" sz="1600" b="0" i="0" dirty="0">
+                <a:solidFill>
+                  <a:srgbClr val="000000"/>
+                </a:solidFill>
+                <a:effectLst/>
+                <a:latin typeface="inter-regular"/>
+              </a:rPr>
+              <a:t> to automatically increase or decrease the number of pods in a deployment, replication controller, replica set, or stateful set on the basis of observed CPU utilization.</a:t>
+            </a:r>
+          </a:p>
+          <a:p>
+            <a:pPr marL="400050" indent="-400050" algn="just">
+              <a:buFont typeface="+mj-lt"/>
+              <a:buAutoNum type="romanLcPeriod"/>
+            </a:pPr>
+            <a:r>
+              <a:rPr lang="en-US" sz="1600" b="1" i="0" dirty="0">
+                <a:solidFill>
+                  <a:srgbClr val="000000"/>
+                </a:solidFill>
+                <a:effectLst/>
+                <a:latin typeface="inter-bold"/>
+              </a:rPr>
+              <a:t>Automatic Bin Packing:</a:t>
+            </a:r>
+            <a:r>
+              <a:rPr lang="en-US" sz="1600" b="0" i="0" dirty="0">
+                <a:solidFill>
+                  <a:srgbClr val="000000"/>
+                </a:solidFill>
+                <a:effectLst/>
+                <a:latin typeface="inter-regular"/>
+              </a:rPr>
+              <a:t> Kubernetes helps the user to declare the maximum and minimum resources of computers for their containers.</a:t>
+            </a:r>
+          </a:p>
+          <a:p>
+            <a:pPr marL="400050" indent="-400050" algn="just">
+              <a:buFont typeface="+mj-lt"/>
+              <a:buAutoNum type="romanLcPeriod"/>
+            </a:pPr>
+            <a:r>
+              <a:rPr lang="en-US" sz="1600" b="1" i="0" dirty="0">
+                <a:solidFill>
+                  <a:srgbClr val="000000"/>
+                </a:solidFill>
+                <a:effectLst/>
+                <a:latin typeface="inter-bold"/>
+              </a:rPr>
+              <a:t>Service Discovery and load balancing:</a:t>
+            </a:r>
+            <a:r>
+              <a:rPr lang="en-US" sz="1600" b="0" i="0" dirty="0">
+                <a:solidFill>
+                  <a:srgbClr val="000000"/>
+                </a:solidFill>
+                <a:effectLst/>
+                <a:latin typeface="inter-regular"/>
+              </a:rPr>
+              <a:t> Kubernetes assigns the IP addresses and a Name of DNS for a set of containers, and also balances the load across them.</a:t>
+            </a:r>
+          </a:p>
+          <a:p>
+            <a:pPr marL="400050" indent="-400050" algn="just">
+              <a:buFont typeface="+mj-lt"/>
+              <a:buAutoNum type="romanLcPeriod"/>
+            </a:pPr>
+            <a:r>
+              <a:rPr lang="en-US" sz="1600" b="1" i="0" dirty="0">
+                <a:solidFill>
+                  <a:srgbClr val="000000"/>
+                </a:solidFill>
+                <a:effectLst/>
+                <a:latin typeface="inter-bold"/>
+              </a:rPr>
+              <a:t>Automated rollouts and rollbacks:</a:t>
+            </a:r>
+            <a:r>
+              <a:rPr lang="en-US" sz="1600" b="0" i="0" dirty="0">
+                <a:solidFill>
+                  <a:srgbClr val="000000"/>
+                </a:solidFill>
+                <a:effectLst/>
+                <a:latin typeface="inter-regular"/>
+              </a:rPr>
+              <a:t> Using the rollouts, Kubernetes distributes the changes and updates to an application or its configuration. If any problem occurs in the system, then this technique rollbacks those changes for you immediately.</a:t>
+            </a:r>
+          </a:p>
+          <a:p>
+            <a:pPr marL="400050" indent="-400050" algn="just">
+              <a:buFont typeface="+mj-lt"/>
+              <a:buAutoNum type="romanLcPeriod"/>
+            </a:pPr>
+            <a:r>
+              <a:rPr lang="en-US" sz="1600" b="1" i="0" dirty="0">
+                <a:solidFill>
+                  <a:srgbClr val="000000"/>
+                </a:solidFill>
+                <a:effectLst/>
+                <a:latin typeface="inter-bold"/>
+              </a:rPr>
+              <a:t>Persistent Storage:</a:t>
+            </a:r>
+            <a:r>
+              <a:rPr lang="en-US" sz="1600" b="0" i="0" dirty="0">
+                <a:solidFill>
+                  <a:srgbClr val="000000"/>
+                </a:solidFill>
+                <a:effectLst/>
+                <a:latin typeface="inter-regular"/>
+              </a:rPr>
+              <a:t> Kubernetes provides an essential feature called '</a:t>
+            </a:r>
+            <a:r>
+              <a:rPr lang="en-US" sz="1600" b="1" i="0" dirty="0">
+                <a:solidFill>
+                  <a:srgbClr val="000000"/>
+                </a:solidFill>
+                <a:effectLst/>
+                <a:latin typeface="inter-bold"/>
+              </a:rPr>
+              <a:t>persistent storage'</a:t>
+            </a:r>
+            <a:r>
+              <a:rPr lang="en-US" sz="1600" b="0" i="0" dirty="0">
+                <a:solidFill>
+                  <a:srgbClr val="000000"/>
+                </a:solidFill>
+                <a:effectLst/>
+                <a:latin typeface="inter-regular"/>
+              </a:rPr>
+              <a:t> for storing the data, which cannot be lost after the pod is killed or rescheduled. Kubernetes supports various storage systems for storing the data, such as </a:t>
+            </a:r>
+            <a:r>
+              <a:rPr lang="en-US" sz="1600" b="1" i="0" dirty="0">
+                <a:solidFill>
+                  <a:srgbClr val="000000"/>
+                </a:solidFill>
+                <a:effectLst/>
+                <a:latin typeface="inter-bold"/>
+              </a:rPr>
+              <a:t>Google Compute Engine's Persistent Disks (GCE PD) or Amazon Elastic Block Storage (EBS).</a:t>
+            </a:r>
+            <a:r>
+              <a:rPr lang="en-US" sz="1600" b="0" i="0" dirty="0">
+                <a:solidFill>
+                  <a:srgbClr val="000000"/>
+                </a:solidFill>
+                <a:effectLst/>
+                <a:latin typeface="inter-regular"/>
+              </a:rPr>
+              <a:t> It also provides the distributed file systems: </a:t>
+            </a:r>
+            <a:r>
+              <a:rPr lang="en-US" sz="1600" b="1" i="0" dirty="0">
+                <a:solidFill>
+                  <a:srgbClr val="000000"/>
+                </a:solidFill>
+                <a:effectLst/>
+                <a:latin typeface="inter-bold"/>
+              </a:rPr>
+              <a:t>NFS or GFS</a:t>
+            </a:r>
+            <a:r>
+              <a:rPr lang="en-US" sz="1600" b="0" i="0" dirty="0">
+                <a:solidFill>
+                  <a:srgbClr val="000000"/>
+                </a:solidFill>
+                <a:effectLst/>
+                <a:latin typeface="inter-regular"/>
+              </a:rPr>
+              <a:t>.</a:t>
+            </a:r>
+          </a:p>
+          <a:p>
+            <a:pPr marL="400050" indent="-400050" algn="just">
+              <a:buFont typeface="+mj-lt"/>
+              <a:buAutoNum type="romanLcPeriod"/>
+            </a:pPr>
+            <a:r>
+              <a:rPr lang="en-US" sz="1600" b="1" i="0" dirty="0">
+                <a:solidFill>
+                  <a:srgbClr val="000000"/>
+                </a:solidFill>
+                <a:effectLst/>
+                <a:latin typeface="inter-bold"/>
+              </a:rPr>
+              <a:t>Self-Healing:</a:t>
+            </a:r>
+            <a:r>
+              <a:rPr lang="en-US" sz="1600" b="0" i="0" dirty="0">
+                <a:solidFill>
+                  <a:srgbClr val="000000"/>
+                </a:solidFill>
+                <a:effectLst/>
+                <a:latin typeface="inter-regular"/>
+              </a:rPr>
+              <a:t> This feature plays an important role in the concept of Kubernetes. Those containers which are failed during the execution process, Kubernetes restarts them automatically. And those containers which do not reply to the user-defined health check, it stops them from working automatically.</a:t>
+            </a:r>
+          </a:p>
+          <a:p>
+            <a:pPr marL="342900" indent="-342900">
+              <a:buFont typeface="Arial" panose="020B0604020202020204" pitchFamily="34" charset="0"/>
+              <a:buChar char="•"/>
+            </a:pPr>
+            <a:endParaRPr lang="en-IN" sz="1600" b="0" i="0" dirty="0">
+              <a:effectLst/>
+              <a:latin typeface="erdana"/>
+            </a:endParaRPr>
+          </a:p>
+          <a:p>
+            <a:pPr marL="971550" lvl="1" indent="-514350">
+              <a:buFont typeface="+mj-lt"/>
+              <a:buAutoNum type="romanLcPeriod"/>
+            </a:pPr>
+            <a:endParaRPr lang="en-IN" sz="1600" b="0" i="0" dirty="0">
+              <a:effectLst/>
+              <a:latin typeface="erdana"/>
+            </a:endParaRPr>
+          </a:p>
+          <a:p>
+            <a:pPr marL="342900" indent="-342900">
+              <a:buFont typeface="Arial" panose="020B0604020202020204" pitchFamily="34" charset="0"/>
+              <a:buChar char="•"/>
+            </a:pPr>
+            <a:endParaRPr lang="en-IN" sz="1600" b="0" i="0" dirty="0">
+              <a:effectLst/>
+              <a:latin typeface="erdana"/>
+            </a:endParaRPr>
+          </a:p>
+          <a:p>
+            <a:endParaRPr lang="en-IN" dirty="0"/>
+          </a:p>
+        </p:txBody>
+      </p:sp>
+    </p:spTree>
+    <p:extLst>
+      <p:ext uri="{BB962C8B-B14F-4D97-AF65-F5344CB8AC3E}">
+        <p14:creationId xmlns:p14="http://schemas.microsoft.com/office/powerpoint/2010/main" val="463092285"/>
+      </p:ext>
+    </p:extLst>
+  </p:cSld>
+  <p:clrMapOvr>
+    <a:masterClrMapping/>
+  </p:clrMapOvr>
+</p:sld>
+</file>
+
+<file path=ppt/slides/slide12.xml><?xml version="1.0" encoding="utf-8"?>
+<p:sld xmlns:a="http://schemas.openxmlformats.org/drawingml/2006/main" xmlns:r="http://schemas.openxmlformats.org/officeDocument/2006/relationships" xmlns:p="http://schemas.openxmlformats.org/presentationml/2006/main">
+  <p:cSld>
+    <p:spTree>
+      <p:nvGrpSpPr>
+        <p:cNvPr id="1" name=""/>
+        <p:cNvGrpSpPr/>
+        <p:nvPr/>
+      </p:nvGrpSpPr>
+      <p:grpSpPr>
+        <a:xfrm>
+          <a:off x="0" y="0"/>
+          <a:ext cx="0" cy="0"/>
+          <a:chOff x="0" y="0"/>
+          <a:chExt cx="0" cy="0"/>
+        </a:xfrm>
+      </p:grpSpPr>
+      <p:sp>
+        <p:nvSpPr>
+          <p:cNvPr id="2" name="TextBox 1">
+            <a:extLst>
+              <a:ext uri="{FF2B5EF4-FFF2-40B4-BE49-F238E27FC236}">
+                <a16:creationId xmlns:a16="http://schemas.microsoft.com/office/drawing/2014/main" id="{881B617B-B615-9CB2-C5C3-E082468EC8C7}"/>
+              </a:ext>
+            </a:extLst>
+          </p:cNvPr>
+          <p:cNvSpPr txBox="1"/>
+          <p:nvPr/>
+        </p:nvSpPr>
+        <p:spPr>
+          <a:xfrm>
+            <a:off x="258932" y="204186"/>
+            <a:ext cx="11674136" cy="7232749"/>
+          </a:xfrm>
+          <a:prstGeom prst="rect">
+            <a:avLst/>
+          </a:prstGeom>
+          <a:noFill/>
+        </p:spPr>
+        <p:txBody>
+          <a:bodyPr wrap="square" rtlCol="0">
+            <a:spAutoFit/>
+          </a:bodyPr>
+          <a:lstStyle/>
+          <a:p>
+            <a:pPr algn="just"/>
+            <a:r>
+              <a:rPr lang="en-IN" sz="2000" b="0" i="0" dirty="0">
+                <a:effectLst/>
+                <a:latin typeface="erdana"/>
+              </a:rPr>
+              <a:t>Kubernetes Architecture</a:t>
+            </a:r>
+          </a:p>
+          <a:p>
+            <a:pPr marL="342900" indent="-342900" algn="just">
+              <a:buFont typeface="Arial" panose="020B0604020202020204" pitchFamily="34" charset="0"/>
+              <a:buChar char="•"/>
+            </a:pPr>
+            <a:r>
+              <a:rPr lang="en-IN" sz="2000" b="0" i="0" dirty="0">
+                <a:solidFill>
+                  <a:srgbClr val="610B4B"/>
+                </a:solidFill>
+                <a:effectLst/>
+                <a:latin typeface="erdana"/>
+              </a:rPr>
+              <a:t>Master Node or Kubernetes Control Plane</a:t>
+            </a:r>
+          </a:p>
+          <a:p>
+            <a:pPr algn="just"/>
+            <a:r>
+              <a:rPr lang="en-US" sz="1600" b="0" i="0" dirty="0">
+                <a:solidFill>
+                  <a:srgbClr val="333333"/>
+                </a:solidFill>
+                <a:effectLst/>
+                <a:latin typeface="inter-regular"/>
+              </a:rPr>
+              <a:t>The master node in a Kubernetes architecture is used to manage the states of a cluster. It is actually an entry point for all types of administrative tasks. In the Kubernetes cluster, more than one master node is present for checking the fault tolerance.</a:t>
+            </a:r>
+            <a:endParaRPr lang="en-IN" sz="1600" b="0" i="0" dirty="0">
+              <a:solidFill>
+                <a:srgbClr val="610B4B"/>
+              </a:solidFill>
+              <a:effectLst/>
+              <a:latin typeface="erdana"/>
+            </a:endParaRPr>
+          </a:p>
+          <a:p>
+            <a:pPr marL="400050" indent="-400050" algn="just">
+              <a:buFont typeface="+mj-lt"/>
+              <a:buAutoNum type="romanLcPeriod"/>
+            </a:pPr>
+            <a:r>
+              <a:rPr lang="en-US" sz="1600" b="1" i="0" dirty="0">
+                <a:solidFill>
+                  <a:srgbClr val="333333"/>
+                </a:solidFill>
+                <a:effectLst/>
+                <a:latin typeface="inter-bold"/>
+              </a:rPr>
+              <a:t>API Server</a:t>
+            </a:r>
+            <a:r>
+              <a:rPr lang="en-US" sz="1600" dirty="0">
+                <a:solidFill>
+                  <a:srgbClr val="333333"/>
+                </a:solidFill>
+                <a:latin typeface="inter-regular"/>
+              </a:rPr>
+              <a:t>: </a:t>
+            </a:r>
+            <a:r>
+              <a:rPr lang="en-US" sz="1600" b="0" i="0" dirty="0">
+                <a:solidFill>
+                  <a:srgbClr val="333333"/>
+                </a:solidFill>
+                <a:effectLst/>
+                <a:latin typeface="inter-regular"/>
+              </a:rPr>
+              <a:t>The Kubernetes API server receives the REST commands which are sent by the user. After receiving, it validates the REST requests, process, and then executes them. After the execution of REST commands, the resulting state of a cluster is saved in '</a:t>
+            </a:r>
+            <a:r>
+              <a:rPr lang="en-US" sz="1600" b="1" i="0" dirty="0" err="1">
+                <a:solidFill>
+                  <a:srgbClr val="333333"/>
+                </a:solidFill>
+                <a:effectLst/>
+                <a:latin typeface="inter-bold"/>
+              </a:rPr>
+              <a:t>etcd</a:t>
+            </a:r>
+            <a:r>
+              <a:rPr lang="en-US" sz="1600" b="0" i="0" dirty="0">
+                <a:solidFill>
+                  <a:srgbClr val="333333"/>
+                </a:solidFill>
+                <a:effectLst/>
+                <a:latin typeface="inter-regular"/>
+              </a:rPr>
+              <a:t>' as a distributed key-value store.</a:t>
+            </a:r>
+          </a:p>
+          <a:p>
+            <a:pPr marL="400050" indent="-400050" algn="just">
+              <a:buFont typeface="+mj-lt"/>
+              <a:buAutoNum type="romanLcPeriod"/>
+            </a:pPr>
+            <a:r>
+              <a:rPr lang="en-IN" sz="1600" b="1" i="0" dirty="0">
+                <a:solidFill>
+                  <a:srgbClr val="333333"/>
+                </a:solidFill>
+                <a:effectLst/>
+                <a:latin typeface="inter-bold"/>
+              </a:rPr>
+              <a:t>Scheduler</a:t>
+            </a:r>
+            <a:r>
+              <a:rPr lang="en-US" sz="1600" dirty="0">
+                <a:solidFill>
+                  <a:srgbClr val="333333"/>
+                </a:solidFill>
+                <a:latin typeface="inter-regular"/>
+              </a:rPr>
+              <a:t>: </a:t>
+            </a:r>
+            <a:r>
+              <a:rPr lang="en-US" sz="1600" b="0" i="0" dirty="0">
+                <a:solidFill>
+                  <a:srgbClr val="333333"/>
+                </a:solidFill>
+                <a:effectLst/>
+                <a:latin typeface="inter-regular"/>
+              </a:rPr>
+              <a:t>it is a process that is responsible for assigning pods to the available worker nodes.</a:t>
+            </a:r>
+            <a:endParaRPr lang="en-US" sz="1600" dirty="0">
+              <a:solidFill>
+                <a:srgbClr val="333333"/>
+              </a:solidFill>
+              <a:latin typeface="inter-regular"/>
+            </a:endParaRPr>
+          </a:p>
+          <a:p>
+            <a:pPr marL="400050" indent="-400050" algn="just">
+              <a:buFont typeface="+mj-lt"/>
+              <a:buAutoNum type="romanLcPeriod"/>
+            </a:pPr>
+            <a:r>
+              <a:rPr lang="en-IN" sz="1600" b="1" i="0" dirty="0">
+                <a:solidFill>
+                  <a:srgbClr val="333333"/>
+                </a:solidFill>
+                <a:effectLst/>
+                <a:latin typeface="inter-bold"/>
+              </a:rPr>
+              <a:t>Controller Manager</a:t>
+            </a:r>
+            <a:r>
+              <a:rPr lang="en-US" sz="1600" b="1" i="0" dirty="0">
+                <a:solidFill>
+                  <a:srgbClr val="333333"/>
+                </a:solidFill>
+                <a:effectLst/>
+                <a:latin typeface="inter-regular"/>
+              </a:rPr>
+              <a:t>: </a:t>
+            </a:r>
+            <a:r>
+              <a:rPr lang="en-US" sz="1600" b="0" i="0" dirty="0">
+                <a:solidFill>
+                  <a:srgbClr val="333333"/>
+                </a:solidFill>
+                <a:effectLst/>
+                <a:latin typeface="inter-regular"/>
+              </a:rPr>
+              <a:t>It is a daemon that executes in the non-terminating control loops. The controllers in a master node perform a task and manage the state of the cluster.</a:t>
+            </a:r>
+          </a:p>
+          <a:p>
+            <a:pPr marL="400050" indent="-400050" algn="just">
+              <a:buFont typeface="+mj-lt"/>
+              <a:buAutoNum type="romanLcPeriod"/>
+            </a:pPr>
+            <a:r>
+              <a:rPr lang="en-US" sz="1600" b="1" i="0" dirty="0">
+                <a:solidFill>
+                  <a:srgbClr val="333333"/>
+                </a:solidFill>
+                <a:effectLst/>
+                <a:latin typeface="inter-bold"/>
+              </a:rPr>
+              <a:t>ETCD</a:t>
+            </a:r>
+            <a:endParaRPr lang="en-US" sz="1600" b="0" i="0" dirty="0">
+              <a:solidFill>
+                <a:srgbClr val="333333"/>
+              </a:solidFill>
+              <a:effectLst/>
+              <a:latin typeface="inter-regular"/>
+            </a:endParaRPr>
+          </a:p>
+          <a:p>
+            <a:pPr marL="400050" indent="-400050" algn="just">
+              <a:buFont typeface="+mj-lt"/>
+              <a:buAutoNum type="romanLcPeriod"/>
+            </a:pPr>
+            <a:r>
+              <a:rPr lang="en-US" sz="1600" b="0" i="0" dirty="0">
+                <a:solidFill>
+                  <a:srgbClr val="333333"/>
+                </a:solidFill>
+                <a:effectLst/>
+                <a:latin typeface="inter-regular"/>
+              </a:rPr>
+              <a:t>It is an open-source, simple, distributed key-value storage which is used to store the cluster data. It is a part of a master node which is written in a GO programming language.</a:t>
+            </a:r>
+          </a:p>
+          <a:p>
+            <a:pPr algn="just"/>
+            <a:endParaRPr lang="en-US" sz="1600" b="0" i="0" dirty="0">
+              <a:solidFill>
+                <a:srgbClr val="333333"/>
+              </a:solidFill>
+              <a:effectLst/>
+              <a:latin typeface="inter-regular"/>
+            </a:endParaRPr>
+          </a:p>
+          <a:p>
+            <a:pPr marL="285750" indent="-285750" algn="just">
+              <a:buFont typeface="Arial" panose="020B0604020202020204" pitchFamily="34" charset="0"/>
+              <a:buChar char="•"/>
+            </a:pPr>
+            <a:r>
+              <a:rPr lang="en-US" sz="2000" b="0" i="0" dirty="0">
+                <a:solidFill>
+                  <a:srgbClr val="610B4B"/>
+                </a:solidFill>
+                <a:effectLst/>
+                <a:latin typeface="erdana"/>
+              </a:rPr>
+              <a:t>Worker/Slave node</a:t>
+            </a:r>
+          </a:p>
+          <a:p>
+            <a:pPr algn="just"/>
+            <a:r>
+              <a:rPr lang="en-US" sz="1600" b="0" i="0" dirty="0">
+                <a:solidFill>
+                  <a:srgbClr val="333333"/>
+                </a:solidFill>
+                <a:effectLst/>
+                <a:latin typeface="inter-regular"/>
+              </a:rPr>
+              <a:t>The Worker node in a Kubernetes is also known as minions. A worker node is a physical machine that executes the applications using pods. It contains all the essential services which allow a user to assign the resources to the scheduled containers.</a:t>
+            </a:r>
+          </a:p>
+          <a:p>
+            <a:pPr marL="400050" indent="-400050" algn="just">
+              <a:buFont typeface="+mj-lt"/>
+              <a:buAutoNum type="romanLcPeriod"/>
+            </a:pPr>
+            <a:r>
+              <a:rPr lang="en-US" sz="1600" b="1" i="0" dirty="0" err="1">
+                <a:solidFill>
+                  <a:srgbClr val="333333"/>
+                </a:solidFill>
+                <a:effectLst/>
+                <a:latin typeface="inter-bold"/>
+              </a:rPr>
+              <a:t>Kubelet</a:t>
+            </a:r>
+            <a:r>
+              <a:rPr lang="en-US" sz="1600" dirty="0">
+                <a:solidFill>
+                  <a:srgbClr val="333333"/>
+                </a:solidFill>
+                <a:latin typeface="inter-regular"/>
+              </a:rPr>
+              <a:t>: </a:t>
+            </a:r>
+            <a:r>
+              <a:rPr lang="en-US" sz="1600" b="0" i="0" dirty="0">
+                <a:solidFill>
+                  <a:srgbClr val="333333"/>
+                </a:solidFill>
+                <a:effectLst/>
+                <a:latin typeface="inter-regular"/>
+              </a:rPr>
+              <a:t>This component is an agent service that executes on each worker node in a cluster. It ensures that the pods and their containers are running smoothly. Every </a:t>
+            </a:r>
+            <a:r>
+              <a:rPr lang="en-US" sz="1600" b="1" i="0" dirty="0" err="1">
+                <a:solidFill>
+                  <a:srgbClr val="333333"/>
+                </a:solidFill>
+                <a:effectLst/>
+                <a:latin typeface="inter-bold"/>
+              </a:rPr>
+              <a:t>kubelet</a:t>
+            </a:r>
+            <a:r>
+              <a:rPr lang="en-US" sz="1600" b="0" i="0" dirty="0">
+                <a:solidFill>
+                  <a:srgbClr val="333333"/>
+                </a:solidFill>
+                <a:effectLst/>
+                <a:latin typeface="inter-regular"/>
+              </a:rPr>
+              <a:t> in each worker node communicates with the master node. It also starts, stops, and maintains the containers which are organized into pods directly by the master node.</a:t>
+            </a:r>
+          </a:p>
+          <a:p>
+            <a:pPr marL="400050" indent="-400050" algn="just">
+              <a:buFont typeface="+mj-lt"/>
+              <a:buAutoNum type="romanLcPeriod"/>
+            </a:pPr>
+            <a:r>
+              <a:rPr lang="en-US" sz="1600" b="1" i="0" dirty="0" err="1">
+                <a:solidFill>
+                  <a:srgbClr val="333333"/>
+                </a:solidFill>
+                <a:effectLst/>
+                <a:latin typeface="inter-bold"/>
+              </a:rPr>
+              <a:t>Kube</a:t>
+            </a:r>
+            <a:r>
+              <a:rPr lang="en-US" sz="1600" b="1" i="0" dirty="0">
+                <a:solidFill>
+                  <a:srgbClr val="333333"/>
+                </a:solidFill>
+                <a:effectLst/>
+                <a:latin typeface="inter-bold"/>
+              </a:rPr>
+              <a:t>-proxy</a:t>
+            </a:r>
+            <a:r>
+              <a:rPr lang="en-US" sz="1600" dirty="0">
+                <a:solidFill>
+                  <a:srgbClr val="333333"/>
+                </a:solidFill>
+                <a:latin typeface="inter-regular"/>
+              </a:rPr>
+              <a:t>: </a:t>
+            </a:r>
+            <a:r>
+              <a:rPr lang="en-US" sz="1600" b="0" i="0" dirty="0">
+                <a:solidFill>
+                  <a:srgbClr val="333333"/>
+                </a:solidFill>
+                <a:effectLst/>
+                <a:latin typeface="inter-regular"/>
+              </a:rPr>
+              <a:t>It is a proxy service of Kubernetes, which is executed simply on each worker node in the cluster. The main aim of this component is request forwarding. Each node interacts with the Kubernetes services through </a:t>
+            </a:r>
+            <a:r>
+              <a:rPr lang="en-US" sz="1600" b="1" i="0" dirty="0" err="1">
+                <a:solidFill>
+                  <a:srgbClr val="333333"/>
+                </a:solidFill>
+                <a:effectLst/>
+                <a:latin typeface="inter-bold"/>
+              </a:rPr>
+              <a:t>Kube</a:t>
+            </a:r>
+            <a:r>
+              <a:rPr lang="en-US" sz="1600" b="1" i="0" dirty="0">
+                <a:solidFill>
+                  <a:srgbClr val="333333"/>
+                </a:solidFill>
+                <a:effectLst/>
+                <a:latin typeface="inter-bold"/>
+              </a:rPr>
+              <a:t>-proxy</a:t>
+            </a:r>
+            <a:r>
+              <a:rPr lang="en-US" sz="1600" b="0" i="0" dirty="0">
+                <a:solidFill>
+                  <a:srgbClr val="333333"/>
+                </a:solidFill>
+                <a:effectLst/>
+                <a:latin typeface="inter-regular"/>
+              </a:rPr>
+              <a:t>.</a:t>
+            </a:r>
+          </a:p>
+          <a:p>
+            <a:pPr marL="400050" indent="-400050" algn="just">
+              <a:buFont typeface="+mj-lt"/>
+              <a:buAutoNum type="romanLcPeriod"/>
+            </a:pPr>
+            <a:r>
+              <a:rPr lang="en-US" sz="1600" b="1" i="0" dirty="0">
+                <a:solidFill>
+                  <a:srgbClr val="333333"/>
+                </a:solidFill>
+                <a:effectLst/>
+                <a:latin typeface="inter-bold"/>
+              </a:rPr>
+              <a:t>Pods</a:t>
+            </a:r>
+            <a:r>
+              <a:rPr lang="en-US" sz="1600" dirty="0">
+                <a:solidFill>
+                  <a:srgbClr val="333333"/>
+                </a:solidFill>
+                <a:latin typeface="inter-regular"/>
+              </a:rPr>
+              <a:t>: </a:t>
+            </a:r>
+            <a:r>
+              <a:rPr lang="en-US" sz="1600" b="0" i="0" dirty="0">
+                <a:solidFill>
+                  <a:srgbClr val="333333"/>
+                </a:solidFill>
+                <a:effectLst/>
+                <a:latin typeface="inter-regular"/>
+              </a:rPr>
+              <a:t>A </a:t>
+            </a:r>
+            <a:r>
+              <a:rPr lang="en-US" sz="1600" b="1" i="0" dirty="0">
+                <a:solidFill>
+                  <a:srgbClr val="333333"/>
+                </a:solidFill>
+                <a:effectLst/>
+                <a:latin typeface="inter-bold"/>
+              </a:rPr>
+              <a:t>pod</a:t>
+            </a:r>
+            <a:r>
+              <a:rPr lang="en-US" sz="1600" b="0" i="0" dirty="0">
+                <a:solidFill>
+                  <a:srgbClr val="333333"/>
+                </a:solidFill>
+                <a:effectLst/>
+                <a:latin typeface="inter-regular"/>
+              </a:rPr>
+              <a:t> is a combination of one or more containers which logically execute together on nodes. One worker node can easily execute multiple pods.</a:t>
+            </a:r>
+          </a:p>
+          <a:p>
+            <a:pPr marL="400050" indent="-400050" algn="just">
+              <a:buFont typeface="+mj-lt"/>
+              <a:buAutoNum type="romanLcPeriod"/>
+            </a:pPr>
+            <a:endParaRPr lang="en-US" sz="1600" b="0" i="0" dirty="0">
+              <a:solidFill>
+                <a:srgbClr val="333333"/>
+              </a:solidFill>
+              <a:effectLst/>
+              <a:latin typeface="inter-regular"/>
+            </a:endParaRPr>
+          </a:p>
+          <a:p>
+            <a:pPr marL="285750" indent="-285750" algn="just">
+              <a:buFont typeface="Arial" panose="020B0604020202020204" pitchFamily="34" charset="0"/>
+              <a:buChar char="•"/>
+            </a:pPr>
+            <a:endParaRPr lang="en-US" sz="1600" b="0" i="0" dirty="0">
+              <a:solidFill>
+                <a:srgbClr val="333333"/>
+              </a:solidFill>
+              <a:effectLst/>
+              <a:latin typeface="inter-regular"/>
+            </a:endParaRPr>
+          </a:p>
+          <a:p>
+            <a:pPr marL="400050" indent="-400050" algn="just">
+              <a:buFont typeface="+mj-lt"/>
+              <a:buAutoNum type="romanLcPeriod"/>
+            </a:pPr>
+            <a:endParaRPr lang="en-US" sz="1600" b="0" i="0" dirty="0">
+              <a:solidFill>
+                <a:srgbClr val="333333"/>
+              </a:solidFill>
+              <a:effectLst/>
+              <a:latin typeface="inter-regular"/>
+            </a:endParaRPr>
+          </a:p>
+          <a:p>
+            <a:pPr marL="514350" indent="-514350" algn="just">
+              <a:buFont typeface="+mj-lt"/>
+              <a:buAutoNum type="romanLcPeriod"/>
+            </a:pPr>
+            <a:endParaRPr lang="en-IN" sz="2000" b="0" i="0" dirty="0">
+              <a:effectLst/>
+              <a:latin typeface="erdana"/>
+            </a:endParaRPr>
+          </a:p>
+        </p:txBody>
+      </p:sp>
+    </p:spTree>
+    <p:extLst>
+      <p:ext uri="{BB962C8B-B14F-4D97-AF65-F5344CB8AC3E}">
+        <p14:creationId xmlns:p14="http://schemas.microsoft.com/office/powerpoint/2010/main" val="3998792257"/>
+      </p:ext>
+    </p:extLst>
+  </p:cSld>
+  <p:clrMapOvr>
+    <a:masterClrMapping/>
+  </p:clrMapOvr>
+</p:sld>
+</file>
+
 <file path=ppt/slides/slide2.xml><?xml version="1.0" encoding="utf-8"?>
 <p:sld xmlns:a="http://schemas.openxmlformats.org/drawingml/2006/main" xmlns:r="http://schemas.openxmlformats.org/officeDocument/2006/relationships" xmlns:p="http://schemas.openxmlformats.org/presentationml/2006/main">
   <p:cSld>
@@ -3845,7 +5371,7 @@
             <a:r>
               <a:rPr lang="en-US" sz="1600" b="0" i="0" dirty="0">
                 <a:solidFill>
-                  <a:srgbClr val="323131"/>
+                  <a:srgbClr val="610B4B"/>
                 </a:solidFill>
                 <a:effectLst/>
                 <a:latin typeface="Google Sans"/>
@@ -4878,7 +6404,7 @@
             <a:r>
               <a:rPr lang="en-US" b="1" i="0" dirty="0">
                 <a:solidFill>
-                  <a:srgbClr val="101010"/>
+                  <a:srgbClr val="610B4B"/>
                 </a:solidFill>
                 <a:effectLst/>
                 <a:latin typeface="multi-display"/>
@@ -5056,7 +6582,7 @@
             <a:r>
               <a:rPr lang="en-IN" b="1" i="0" dirty="0">
                 <a:solidFill>
-                  <a:srgbClr val="101010"/>
+                  <a:srgbClr val="610B4B"/>
                 </a:solidFill>
                 <a:effectLst/>
                 <a:latin typeface="multi-display"/>
@@ -5337,7 +6863,7 @@
             <a:r>
               <a:rPr lang="en-US" b="0" i="0" dirty="0">
                 <a:solidFill>
-                  <a:srgbClr val="000000"/>
+                  <a:srgbClr val="610B4B"/>
                 </a:solidFill>
                 <a:effectLst/>
                 <a:latin typeface="multi-display"/>
@@ -5594,7 +7120,7 @@
             <a:r>
               <a:rPr lang="en-IN" b="1" i="0" dirty="0">
                 <a:solidFill>
-                  <a:srgbClr val="101010"/>
+                  <a:srgbClr val="610B4B"/>
                 </a:solidFill>
                 <a:effectLst/>
                 <a:latin typeface="multi-display"/>
@@ -5668,7 +7194,7 @@
             <a:r>
               <a:rPr lang="en-IN" b="1" i="0" dirty="0">
                 <a:solidFill>
-                  <a:srgbClr val="101010"/>
+                  <a:srgbClr val="610B4B"/>
                 </a:solidFill>
                 <a:effectLst/>
                 <a:latin typeface="multi-display"/>
@@ -6019,6 +7545,9 @@
             </a:pPr>
             <a:r>
               <a:rPr lang="en-US" sz="1600" b="0" i="0" dirty="0">
+                <a:solidFill>
+                  <a:srgbClr val="610B4B"/>
+                </a:solidFill>
                 <a:effectLst/>
                 <a:latin typeface="Arial" panose="020B0604020202020204" pitchFamily="34" charset="0"/>
               </a:rPr>
@@ -6026,6 +7555,9 @@
             </a:r>
             <a:r>
               <a:rPr lang="en-US" sz="1600" b="0" i="0" u="sng" dirty="0">
+                <a:solidFill>
+                  <a:srgbClr val="610B4B"/>
+                </a:solidFill>
                 <a:effectLst/>
                 <a:latin typeface="Arial" panose="020B0604020202020204" pitchFamily="34" charset="0"/>
                 <a:hlinkClick r:id="rId8">
@@ -6040,6 +7572,9 @@
             </a:r>
             <a:r>
               <a:rPr lang="en-US" sz="1600" b="0" i="0" dirty="0">
+                <a:solidFill>
+                  <a:srgbClr val="610B4B"/>
+                </a:solidFill>
                 <a:effectLst/>
                 <a:latin typeface="Arial" panose="020B0604020202020204" pitchFamily="34" charset="0"/>
               </a:rPr>
@@ -6137,12 +7672,18 @@
             </a:pPr>
             <a:r>
               <a:rPr lang="en-US" sz="1600" dirty="0">
+                <a:solidFill>
+                  <a:srgbClr val="610B4B"/>
+                </a:solidFill>
                 <a:latin typeface="Arial" panose="020B0604020202020204" pitchFamily="34" charset="0"/>
               </a:rPr>
               <a:t>T</a:t>
             </a:r>
             <a:r>
               <a:rPr lang="en-US" sz="1600" i="0" dirty="0">
+                <a:solidFill>
+                  <a:srgbClr val="610B4B"/>
+                </a:solidFill>
                 <a:effectLst/>
                 <a:latin typeface="Arial" panose="020B0604020202020204" pitchFamily="34" charset="0"/>
               </a:rPr>
@@ -6222,6 +7763,9 @@
             </a:pPr>
             <a:r>
               <a:rPr lang="en-US" sz="1600" b="0" i="0" dirty="0">
+                <a:solidFill>
+                  <a:srgbClr val="610B4B"/>
+                </a:solidFill>
                 <a:effectLst/>
                 <a:latin typeface="Arial" panose="020B0604020202020204" pitchFamily="34" charset="0"/>
               </a:rPr>
@@ -6448,7 +7992,7 @@
             <a:r>
               <a:rPr lang="en-US" sz="1600" b="0" i="0" dirty="0">
                 <a:solidFill>
-                  <a:srgbClr val="2F353E"/>
+                  <a:srgbClr val="610B4B"/>
                 </a:solidFill>
                 <a:effectLst/>
                 <a:latin typeface="Rubik"/>
@@ -6479,6 +8023,9 @@
             </a:pPr>
             <a:r>
               <a:rPr lang="en-IN" sz="1600" b="0" i="0" dirty="0">
+                <a:solidFill>
+                  <a:srgbClr val="610B4B"/>
+                </a:solidFill>
                 <a:effectLst/>
                 <a:latin typeface="erdana"/>
               </a:rPr>
@@ -6654,11 +8201,17 @@
             </a:pPr>
             <a:r>
               <a:rPr lang="en-US" sz="1600" dirty="0">
+                <a:solidFill>
+                  <a:srgbClr val="610B4B"/>
+                </a:solidFill>
                 <a:latin typeface="Rubik"/>
               </a:rPr>
               <a:t>Pricing</a:t>
             </a:r>
             <a:endParaRPr lang="en-US" sz="1600" b="0" i="0" dirty="0">
+              <a:solidFill>
+                <a:srgbClr val="610B4B"/>
+              </a:solidFill>
               <a:effectLst/>
               <a:latin typeface="Rubik"/>
             </a:endParaRPr>
